--- a/Lec21/Lec21.pptx
+++ b/Lec21/Lec21.pptx
@@ -5,44 +5,59 @@
     <p:sldMasterId id="2147483648" r:id="rId1"/>
   </p:sldMasterIdLst>
   <p:notesMasterIdLst>
-    <p:notesMasterId r:id="rId34"/>
+    <p:notesMasterId r:id="rId49"/>
   </p:notesMasterIdLst>
   <p:handoutMasterIdLst>
-    <p:handoutMasterId r:id="rId35"/>
+    <p:handoutMasterId r:id="rId50"/>
   </p:handoutMasterIdLst>
   <p:sldIdLst>
     <p:sldId id="414" r:id="rId2"/>
-    <p:sldId id="982" r:id="rId3"/>
-    <p:sldId id="1036" r:id="rId4"/>
-    <p:sldId id="1332" r:id="rId5"/>
-    <p:sldId id="1282" r:id="rId6"/>
-    <p:sldId id="1305" r:id="rId7"/>
-    <p:sldId id="1325" r:id="rId8"/>
-    <p:sldId id="1326" r:id="rId9"/>
-    <p:sldId id="1329" r:id="rId10"/>
-    <p:sldId id="1330" r:id="rId11"/>
-    <p:sldId id="1327" r:id="rId12"/>
-    <p:sldId id="1328" r:id="rId13"/>
-    <p:sldId id="1331" r:id="rId14"/>
-    <p:sldId id="1306" r:id="rId15"/>
-    <p:sldId id="1307" r:id="rId16"/>
-    <p:sldId id="1308" r:id="rId17"/>
-    <p:sldId id="1309" r:id="rId18"/>
-    <p:sldId id="1310" r:id="rId19"/>
-    <p:sldId id="1311" r:id="rId20"/>
-    <p:sldId id="1312" r:id="rId21"/>
-    <p:sldId id="1313" r:id="rId22"/>
-    <p:sldId id="1314" r:id="rId23"/>
-    <p:sldId id="1315" r:id="rId24"/>
-    <p:sldId id="1316" r:id="rId25"/>
-    <p:sldId id="1317" r:id="rId26"/>
-    <p:sldId id="1318" r:id="rId27"/>
-    <p:sldId id="1319" r:id="rId28"/>
-    <p:sldId id="1320" r:id="rId29"/>
-    <p:sldId id="1321" r:id="rId30"/>
-    <p:sldId id="1322" r:id="rId31"/>
-    <p:sldId id="1324" r:id="rId32"/>
-    <p:sldId id="1323" r:id="rId33"/>
+    <p:sldId id="1282" r:id="rId3"/>
+    <p:sldId id="1332" r:id="rId4"/>
+    <p:sldId id="1333" r:id="rId5"/>
+    <p:sldId id="1334" r:id="rId6"/>
+    <p:sldId id="1335" r:id="rId7"/>
+    <p:sldId id="1336" r:id="rId8"/>
+    <p:sldId id="1337" r:id="rId9"/>
+    <p:sldId id="1338" r:id="rId10"/>
+    <p:sldId id="1339" r:id="rId11"/>
+    <p:sldId id="1340" r:id="rId12"/>
+    <p:sldId id="1343" r:id="rId13"/>
+    <p:sldId id="1344" r:id="rId14"/>
+    <p:sldId id="1345" r:id="rId15"/>
+    <p:sldId id="1347" r:id="rId16"/>
+    <p:sldId id="1346" r:id="rId17"/>
+    <p:sldId id="1341" r:id="rId18"/>
+    <p:sldId id="1342" r:id="rId19"/>
+    <p:sldId id="1305" r:id="rId20"/>
+    <p:sldId id="1325" r:id="rId21"/>
+    <p:sldId id="1326" r:id="rId22"/>
+    <p:sldId id="1329" r:id="rId23"/>
+    <p:sldId id="1330" r:id="rId24"/>
+    <p:sldId id="1327" r:id="rId25"/>
+    <p:sldId id="1328" r:id="rId26"/>
+    <p:sldId id="1331" r:id="rId27"/>
+    <p:sldId id="1348" r:id="rId28"/>
+    <p:sldId id="1306" r:id="rId29"/>
+    <p:sldId id="1349" r:id="rId30"/>
+    <p:sldId id="1307" r:id="rId31"/>
+    <p:sldId id="1308" r:id="rId32"/>
+    <p:sldId id="1309" r:id="rId33"/>
+    <p:sldId id="1310" r:id="rId34"/>
+    <p:sldId id="1311" r:id="rId35"/>
+    <p:sldId id="1312" r:id="rId36"/>
+    <p:sldId id="1313" r:id="rId37"/>
+    <p:sldId id="1314" r:id="rId38"/>
+    <p:sldId id="1315" r:id="rId39"/>
+    <p:sldId id="1316" r:id="rId40"/>
+    <p:sldId id="1317" r:id="rId41"/>
+    <p:sldId id="1318" r:id="rId42"/>
+    <p:sldId id="1319" r:id="rId43"/>
+    <p:sldId id="1320" r:id="rId44"/>
+    <p:sldId id="1321" r:id="rId45"/>
+    <p:sldId id="1322" r:id="rId46"/>
+    <p:sldId id="1324" r:id="rId47"/>
+    <p:sldId id="1323" r:id="rId48"/>
   </p:sldIdLst>
   <p:sldSz cx="12192000" cy="6858000"/>
   <p:notesSz cx="6858000" cy="9144000"/>
@@ -246,7 +261,7 @@
           <a:p>
             <a:fld id="{36B64484-7F23-844A-BCEB-06DFAD827E32}" type="datetimeFigureOut">
               <a:rPr lang="en-US" smtClean="0"/>
-              <a:t>3/29/21</a:t>
+              <a:t>3/31/22</a:t>
             </a:fld>
             <a:endParaRPr lang="en-US"/>
           </a:p>
@@ -423,7 +438,7 @@
           <a:p>
             <a:fld id="{4EBE11B0-21E1-9842-BB37-72784894B0AB}" type="datetimeFigureOut">
               <a:rPr lang="en-US" smtClean="0"/>
-              <a:t>3/29/21</a:t>
+              <a:t>3/31/22</a:t>
             </a:fld>
             <a:endParaRPr lang="en-US"/>
           </a:p>
@@ -3843,7 +3858,7 @@
             <a:pPr algn="ctr"/>
             <a:r>
               <a:rPr lang="en-US" sz="3600" dirty="0"/>
-              <a:t>CS 5/6110, Software Correctness Analysis, Spring 2021</a:t>
+              <a:t>CS 5/6110, Software Correctness Analysis, Spring 2022</a:t>
             </a:r>
             <a:endParaRPr lang="en-US" dirty="0"/>
           </a:p>
@@ -3912,7 +3927,7 @@
           <a:p>
             <a:r>
               <a:rPr lang="en-US" dirty="0"/>
-              <a:t>Fixpoint Theory to Explain CFGs</a:t>
+              <a:t>But for the grammar with the | … | SS rule</a:t>
             </a:r>
           </a:p>
         </p:txBody>
@@ -3976,6 +3991,22 @@
             <a:r>
               <a:rPr lang="en-US" dirty="0"/>
               <a:t>L_S = {a} L_S {b} L_S  U  {b} L_S {a} L_S  U {e}  U  L_S L_S</a:t>
+            </a:r>
+          </a:p>
+          <a:p>
+            <a:endParaRPr lang="en-US" dirty="0"/>
+          </a:p>
+          <a:p>
+            <a:r>
+              <a:rPr lang="en-US" dirty="0"/>
+              <a:t>We have two solutions!</a:t>
+            </a:r>
+          </a:p>
+          <a:p>
+            <a:pPr lvl="1"/>
+            <a:r>
+              <a:rPr lang="en-US" dirty="0"/>
+              <a:t>What are they?</a:t>
             </a:r>
           </a:p>
           <a:p>
@@ -4000,7 +4031,7 @@
     </p:spTree>
     <p:extLst>
       <p:ext uri="{BB962C8B-B14F-4D97-AF65-F5344CB8AC3E}">
-        <p14:creationId xmlns:p14="http://schemas.microsoft.com/office/powerpoint/2010/main" val="1139540920"/>
+        <p14:creationId xmlns:p14="http://schemas.microsoft.com/office/powerpoint/2010/main" val="1757151858"/>
       </p:ext>
     </p:extLst>
   </p:cSld>
@@ -4124,7 +4155,35 @@
           <a:p>
             <a:r>
               <a:rPr lang="en-US" dirty="0"/>
-              <a:t>Are there 2 fixpoints? Which is found using iteration using {} as the bottom (going up)?</a:t>
+              <a:t>One is the “usual solution”</a:t>
+            </a:r>
+          </a:p>
+          <a:p>
+            <a:pPr lvl="1"/>
+            <a:r>
+              <a:rPr lang="en-US" dirty="0"/>
+              <a:t>Context-free rewrite schemes (productions) go after the LFP</a:t>
+            </a:r>
+          </a:p>
+          <a:p>
+            <a:pPr lvl="2"/>
+            <a:r>
+              <a:rPr lang="en-US" dirty="0"/>
+              <a:t>“equal a’s and b’s”</a:t>
+            </a:r>
+          </a:p>
+          <a:p>
+            <a:pPr lvl="1"/>
+            <a:r>
+              <a:rPr lang="en-US" dirty="0"/>
+              <a:t>We also have Sigma* as a solution</a:t>
+            </a:r>
+          </a:p>
+          <a:p>
+            <a:pPr lvl="2"/>
+            <a:r>
+              <a:rPr lang="en-US" dirty="0"/>
+              <a:t>For the case we have S -&gt; … | SS</a:t>
             </a:r>
           </a:p>
           <a:p>
@@ -4149,7 +4208,7 @@
     </p:spTree>
     <p:extLst>
       <p:ext uri="{BB962C8B-B14F-4D97-AF65-F5344CB8AC3E}">
-        <p14:creationId xmlns:p14="http://schemas.microsoft.com/office/powerpoint/2010/main" val="58073631"/>
+        <p14:creationId xmlns:p14="http://schemas.microsoft.com/office/powerpoint/2010/main" val="370859435"/>
       </p:ext>
     </p:extLst>
   </p:cSld>
@@ -4181,7 +4240,7 @@
           <p:cNvPr id="2" name="Title 1">
             <a:extLst>
               <a:ext uri="{FF2B5EF4-FFF2-40B4-BE49-F238E27FC236}">
-                <a16:creationId xmlns:a16="http://schemas.microsoft.com/office/drawing/2014/main" id="{5548C101-1BE6-B342-B74F-1C9EF1DDAC81}"/>
+                <a16:creationId xmlns:a16="http://schemas.microsoft.com/office/drawing/2014/main" id="{CBDE2B1E-5E72-2A41-872C-A61F5FF5D8F6}"/>
               </a:ext>
             </a:extLst>
           </p:cNvPr>
@@ -4199,9 +4258,10 @@
           </a:bodyPr>
           <a:lstStyle/>
           <a:p>
-            <a:r>
-              <a:rPr lang="en-US" dirty="0"/>
-              <a:t>Fixpoint Theory to Explain CFGs</a:t>
+            <a:pPr algn="ctr"/>
+            <a:r>
+              <a:rPr lang="en-US" dirty="0"/>
+              <a:t>Uniqueness of Solutions</a:t>
             </a:r>
           </a:p>
         </p:txBody>
@@ -4211,7 +4271,7 @@
           <p:cNvPr id="3" name="Content Placeholder 2">
             <a:extLst>
               <a:ext uri="{FF2B5EF4-FFF2-40B4-BE49-F238E27FC236}">
-                <a16:creationId xmlns:a16="http://schemas.microsoft.com/office/drawing/2014/main" id="{905744E2-6782-DE42-B7EB-6EC81E7C9C2B}"/>
+                <a16:creationId xmlns:a16="http://schemas.microsoft.com/office/drawing/2014/main" id="{428477C0-4B50-6E46-B798-4AA4CC850E2F}"/>
               </a:ext>
             </a:extLst>
           </p:cNvPr>
@@ -4224,80 +4284,82 @@
         </p:nvSpPr>
         <p:spPr/>
         <p:txBody>
-          <a:bodyPr>
-            <a:normAutofit/>
-          </a:bodyPr>
-          <a:lstStyle/>
-          <a:p>
-            <a:r>
-              <a:rPr lang="en-US" dirty="0"/>
-              <a:t>Then discuss the system</a:t>
-            </a:r>
-          </a:p>
-          <a:p>
-            <a:pPr lvl="1"/>
-            <a:r>
-              <a:rPr lang="en-US" dirty="0"/>
-              <a:t>S -&gt; epsilon | ( W S</a:t>
-            </a:r>
-          </a:p>
-          <a:p>
-            <a:pPr lvl="1"/>
-            <a:r>
-              <a:rPr lang="en-US" dirty="0"/>
-              <a:t>W -&gt; ( W W | )</a:t>
-            </a:r>
-          </a:p>
-          <a:p>
-            <a:pPr lvl="1"/>
-            <a:endParaRPr lang="en-US" dirty="0"/>
-          </a:p>
-          <a:p>
-            <a:r>
-              <a:rPr lang="en-US" dirty="0"/>
-              <a:t>Solve</a:t>
-            </a:r>
-          </a:p>
-          <a:p>
-            <a:r>
-              <a:rPr lang="en-US" dirty="0"/>
-              <a:t>(L_S, L_W) = </a:t>
-            </a:r>
-            <a:r>
-              <a:rPr lang="en-US" dirty="0">
-                <a:solidFill>
-                  <a:srgbClr val="0F4F97"/>
-                </a:solidFill>
-              </a:rPr>
-              <a:t>(</a:t>
-            </a:r>
-            <a:r>
-              <a:rPr lang="en-US" dirty="0"/>
-              <a:t>   {e} U {(} L_W L_S   ,   {(} L_W  L_W   U  {)}  </a:t>
-            </a:r>
-            <a:r>
-              <a:rPr lang="en-US" dirty="0">
-                <a:solidFill>
-                  <a:srgbClr val="0F4F97"/>
-                </a:solidFill>
-              </a:rPr>
-              <a:t>)</a:t>
-            </a:r>
-          </a:p>
-          <a:p>
-            <a:pPr lvl="1"/>
-            <a:endParaRPr lang="en-US" dirty="0"/>
-          </a:p>
-          <a:p>
-            <a:pPr lvl="1"/>
-            <a:endParaRPr lang="en-US" dirty="0"/>
+          <a:bodyPr/>
+          <a:lstStyle/>
+          <a:p>
+            <a:r>
+              <a:rPr lang="en-US" dirty="0"/>
+              <a:t> People in general like things when solutions are unique</a:t>
+            </a:r>
+          </a:p>
+          <a:p>
+            <a:pPr lvl="1"/>
+            <a:r>
+              <a:rPr lang="en-US" dirty="0"/>
+              <a:t>They sleep well at night</a:t>
+            </a:r>
+          </a:p>
+          <a:p>
+            <a:pPr lvl="1"/>
+            <a:r>
+              <a:rPr lang="en-US" dirty="0"/>
+              <a:t>They are kinder to strangers, even smile at them</a:t>
+            </a:r>
+          </a:p>
+          <a:p>
+            <a:pPr lvl="1"/>
+            <a:r>
+              <a:rPr lang="en-US" sz="1400" dirty="0"/>
+              <a:t>They remember to floss well at night</a:t>
+            </a:r>
+          </a:p>
+          <a:p>
+            <a:pPr lvl="1"/>
+            <a:r>
+              <a:rPr lang="en-US" dirty="0"/>
+              <a:t>…</a:t>
+            </a:r>
+          </a:p>
+          <a:p>
+            <a:r>
+              <a:rPr lang="en-US" dirty="0"/>
+              <a:t>How about these situations : unique or not?</a:t>
+            </a:r>
+          </a:p>
+          <a:p>
+            <a:pPr lvl="1"/>
+            <a:r>
+              <a:rPr lang="en-US" dirty="0"/>
+              <a:t>X^2 = 4</a:t>
+            </a:r>
+          </a:p>
+          <a:p>
+            <a:pPr lvl="1"/>
+            <a:r>
+              <a:rPr lang="en-US" dirty="0"/>
+              <a:t>X^2 = -4</a:t>
+            </a:r>
+          </a:p>
+          <a:p>
+            <a:pPr lvl="1"/>
+            <a:r>
+              <a:rPr lang="en-US" dirty="0"/>
+              <a:t>Quadratic equations</a:t>
+            </a:r>
+          </a:p>
+          <a:p>
+            <a:pPr lvl="1"/>
+            <a:r>
+              <a:rPr lang="en-US" dirty="0"/>
+              <a:t>…</a:t>
+            </a:r>
           </a:p>
         </p:txBody>
       </p:sp>
     </p:spTree>
     <p:extLst>
       <p:ext uri="{BB962C8B-B14F-4D97-AF65-F5344CB8AC3E}">
-        <p14:creationId xmlns:p14="http://schemas.microsoft.com/office/powerpoint/2010/main" val="3612620117"/>
+        <p14:creationId xmlns:p14="http://schemas.microsoft.com/office/powerpoint/2010/main" val="2428088315"/>
       </p:ext>
     </p:extLst>
   </p:cSld>
@@ -4329,7 +4391,7 @@
           <p:cNvPr id="2" name="Title 1">
             <a:extLst>
               <a:ext uri="{FF2B5EF4-FFF2-40B4-BE49-F238E27FC236}">
-                <a16:creationId xmlns:a16="http://schemas.microsoft.com/office/drawing/2014/main" id="{5548C101-1BE6-B342-B74F-1C9EF1DDAC81}"/>
+                <a16:creationId xmlns:a16="http://schemas.microsoft.com/office/drawing/2014/main" id="{CBDE2B1E-5E72-2A41-872C-A61F5FF5D8F6}"/>
               </a:ext>
             </a:extLst>
           </p:cNvPr>
@@ -4347,9 +4409,10 @@
           </a:bodyPr>
           <a:lstStyle/>
           <a:p>
-            <a:r>
-              <a:rPr lang="en-US" dirty="0"/>
-              <a:t>Fixpoint Theory to Explain CFGs</a:t>
+            <a:pPr algn="ctr"/>
+            <a:r>
+              <a:rPr lang="en-US" dirty="0"/>
+              <a:t>Uniqueness of Solutions</a:t>
             </a:r>
           </a:p>
         </p:txBody>
@@ -4359,7 +4422,7 @@
           <p:cNvPr id="3" name="Content Placeholder 2">
             <a:extLst>
               <a:ext uri="{FF2B5EF4-FFF2-40B4-BE49-F238E27FC236}">
-                <a16:creationId xmlns:a16="http://schemas.microsoft.com/office/drawing/2014/main" id="{905744E2-6782-DE42-B7EB-6EC81E7C9C2B}"/>
+                <a16:creationId xmlns:a16="http://schemas.microsoft.com/office/drawing/2014/main" id="{428477C0-4B50-6E46-B798-4AA4CC850E2F}"/>
               </a:ext>
             </a:extLst>
           </p:cNvPr>
@@ -4372,107 +4435,35 @@
         </p:nvSpPr>
         <p:spPr/>
         <p:txBody>
-          <a:bodyPr>
-            <a:normAutofit/>
-          </a:bodyPr>
-          <a:lstStyle/>
-          <a:p>
-            <a:r>
-              <a:rPr lang="en-US" dirty="0"/>
-              <a:t>Then discuss the system</a:t>
-            </a:r>
-          </a:p>
-          <a:p>
-            <a:pPr lvl="1"/>
-            <a:r>
-              <a:rPr lang="en-US" dirty="0"/>
-              <a:t>S -&gt; epsilon | ( W S</a:t>
-            </a:r>
-          </a:p>
-          <a:p>
-            <a:pPr lvl="1"/>
-            <a:r>
-              <a:rPr lang="en-US" dirty="0"/>
-              <a:t>W -&gt; ( W W | )</a:t>
-            </a:r>
-          </a:p>
-          <a:p>
-            <a:pPr lvl="1"/>
+          <a:bodyPr/>
+          <a:lstStyle/>
+          <a:p>
+            <a:r>
+              <a:rPr lang="en-US" dirty="0"/>
+              <a:t>People in general like things when solutions are unique</a:t>
+            </a:r>
+          </a:p>
+          <a:p>
+            <a:r>
+              <a:rPr lang="en-US" dirty="0"/>
+              <a:t>A lot of Fixpoint Theory in CS and programming is aimed at seeking uniqueness</a:t>
+            </a:r>
+          </a:p>
+          <a:p>
             <a:endParaRPr lang="en-US" dirty="0"/>
           </a:p>
           <a:p>
             <a:r>
               <a:rPr lang="en-US" dirty="0"/>
-              <a:t>Solve</a:t>
-            </a:r>
-          </a:p>
-          <a:p>
-            <a:r>
-              <a:rPr lang="en-US" dirty="0"/>
-              <a:t>(L_S, L_W) = </a:t>
-            </a:r>
-            <a:r>
-              <a:rPr lang="en-US" dirty="0">
-                <a:solidFill>
-                  <a:srgbClr val="0F4F97"/>
-                </a:solidFill>
-              </a:rPr>
-              <a:t>(</a:t>
-            </a:r>
-            <a:r>
-              <a:rPr lang="en-US" dirty="0"/>
-              <a:t>   {e} U {(} L_W L_S   ,   {(} L_W  L_W   U  {)}  </a:t>
-            </a:r>
-            <a:r>
-              <a:rPr lang="en-US" dirty="0">
-                <a:solidFill>
-                  <a:srgbClr val="0F4F97"/>
-                </a:solidFill>
-              </a:rPr>
-              <a:t>)</a:t>
-            </a:r>
-          </a:p>
-          <a:p>
-            <a:endParaRPr lang="en-US" dirty="0">
-              <a:solidFill>
-                <a:srgbClr val="0F4F97"/>
-              </a:solidFill>
-            </a:endParaRPr>
-          </a:p>
-          <a:p>
-            <a:r>
-              <a:rPr lang="en-US" dirty="0">
-                <a:solidFill>
-                  <a:srgbClr val="0F4F97"/>
-                </a:solidFill>
-              </a:rPr>
-              <a:t>What fixpoint obtained by iterating up from ({} , {})  ?</a:t>
-            </a:r>
-          </a:p>
-          <a:p>
-            <a:r>
-              <a:rPr lang="en-US" dirty="0">
-                <a:solidFill>
-                  <a:srgbClr val="0F4F97"/>
-                </a:solidFill>
-              </a:rPr>
-              <a:t>What is the lattice ordering?</a:t>
-            </a:r>
-          </a:p>
-          <a:p>
-            <a:pPr lvl="1"/>
-            <a:endParaRPr lang="en-US" dirty="0"/>
-          </a:p>
-          <a:p>
-            <a:pPr lvl="1"/>
-            <a:endParaRPr lang="en-US" dirty="0"/>
+              <a:t>This is why equation systems on monotone lattices are important</a:t>
+            </a:r>
           </a:p>
         </p:txBody>
       </p:sp>
     </p:spTree>
     <p:extLst>
       <p:ext uri="{BB962C8B-B14F-4D97-AF65-F5344CB8AC3E}">
-        <p14:creationId xmlns:p14="http://schemas.microsoft.com/office/powerpoint/2010/main" val="4213971796"/>
+        <p14:creationId xmlns:p14="http://schemas.microsoft.com/office/powerpoint/2010/main" val="2251231587"/>
       </p:ext>
     </p:extLst>
   </p:cSld>
@@ -4525,7 +4516,15 @@
             <a:pPr algn="ctr"/>
             <a:r>
               <a:rPr lang="en-US" dirty="0"/>
-              <a:t>CTL Model Checking</a:t>
+              <a:t>Monotone is a “</a:t>
+            </a:r>
+            <a:r>
+              <a:rPr lang="en-US" dirty="0" err="1"/>
+              <a:t>betterness</a:t>
+            </a:r>
+            <a:r>
+              <a:rPr lang="en-US" dirty="0"/>
+              <a:t> order” </a:t>
             </a:r>
           </a:p>
         </p:txBody>
@@ -4546,62 +4545,136 @@
             <p:ph idx="1"/>
           </p:nvPr>
         </p:nvSpPr>
-        <p:spPr/>
-        <p:txBody>
-          <a:bodyPr/>
-          <a:lstStyle/>
-          <a:p>
-            <a:r>
-              <a:rPr lang="en-US" dirty="0"/>
-              <a:t>Least fixpoints exist and are unique when Tau is</a:t>
-            </a:r>
-          </a:p>
-          <a:p>
-            <a:pPr lvl="1"/>
-            <a:r>
-              <a:rPr lang="en-US" dirty="0"/>
-              <a:t>Monotonic</a:t>
-            </a:r>
-          </a:p>
-          <a:p>
-            <a:pPr lvl="1"/>
-            <a:r>
-              <a:rPr lang="en-US" dirty="0"/>
-              <a:t>Continuous</a:t>
-            </a:r>
-          </a:p>
-          <a:p>
-            <a:pPr lvl="1"/>
+        <p:spPr>
+          <a:xfrm>
+            <a:off x="838200" y="1158240"/>
+            <a:ext cx="10515600" cy="5699759"/>
+          </a:xfrm>
+        </p:spPr>
+        <p:txBody>
+          <a:bodyPr>
+            <a:normAutofit fontScale="92500" lnSpcReduction="10000"/>
+          </a:bodyPr>
+          <a:lstStyle/>
+          <a:p>
+            <a:r>
+              <a:rPr lang="en-US" dirty="0"/>
+              <a:t>Or a worseness order</a:t>
+            </a:r>
+          </a:p>
+          <a:p>
+            <a:pPr lvl="1"/>
+            <a:r>
+              <a:rPr lang="en-US" dirty="0"/>
+              <a:t>A &lt;= B means </a:t>
+            </a:r>
+          </a:p>
+          <a:p>
+            <a:pPr lvl="2"/>
+            <a:r>
+              <a:rPr lang="en-US" dirty="0"/>
+              <a:t>A is a better component than B (in static analysis at least)</a:t>
+            </a:r>
+          </a:p>
+          <a:p>
+            <a:pPr lvl="2"/>
+            <a:r>
+              <a:rPr lang="en-US" dirty="0"/>
+              <a:t>A is a tighter approximation than B</a:t>
+            </a:r>
+          </a:p>
+          <a:p>
+            <a:r>
+              <a:rPr lang="en-US" dirty="0"/>
+              <a:t>Example</a:t>
+            </a:r>
+          </a:p>
+          <a:p>
+            <a:pPr lvl="1"/>
+            <a:r>
+              <a:rPr lang="en-US" dirty="0"/>
+              <a:t>You can get resistors with 10% tolerance (a silver band on them)</a:t>
+            </a:r>
+          </a:p>
+          <a:p>
+            <a:pPr lvl="1"/>
+            <a:r>
+              <a:rPr lang="en-US" dirty="0"/>
+              <a:t>Or a 5% tolerance (gold band on them)</a:t>
+            </a:r>
+          </a:p>
+          <a:p>
+            <a:pPr lvl="2"/>
+            <a:r>
+              <a:rPr lang="en-US" dirty="0"/>
+              <a:t>5ohms@5% &lt;= 5ohms@10%</a:t>
+            </a:r>
+          </a:p>
+          <a:p>
+            <a:r>
+              <a:rPr lang="en-US" dirty="0"/>
+              <a:t>Resistor parallel composition respects </a:t>
+            </a:r>
+            <a:r>
+              <a:rPr lang="en-US" dirty="0" err="1"/>
+              <a:t>betterness</a:t>
+            </a:r>
             <a:endParaRPr lang="en-US" dirty="0"/>
           </a:p>
           <a:p>
-            <a:r>
-              <a:rPr lang="en-US" dirty="0"/>
-              <a:t>For infinite lattices</a:t>
-            </a:r>
-          </a:p>
-          <a:p>
-            <a:pPr lvl="1"/>
-            <a:r>
-              <a:rPr lang="en-US" dirty="0"/>
-              <a:t>Continuity implies Monotonicity</a:t>
-            </a:r>
-          </a:p>
-          <a:p>
-            <a:pPr lvl="1"/>
-            <a:endParaRPr lang="en-US" dirty="0"/>
-          </a:p>
-          <a:p>
-            <a:r>
-              <a:rPr lang="en-US" dirty="0"/>
-              <a:t>For finite lattices</a:t>
-            </a:r>
-          </a:p>
-          <a:p>
-            <a:pPr lvl="1"/>
-            <a:r>
-              <a:rPr lang="en-US" dirty="0"/>
-              <a:t>Monotonicity implies Continuity</a:t>
+            <a:pPr lvl="1"/>
+            <a:r>
+              <a:rPr lang="en-US" dirty="0"/>
+              <a:t>R1 || R2 = (R1*R2) / (R1 + R2)</a:t>
+            </a:r>
+          </a:p>
+          <a:p>
+            <a:pPr lvl="2"/>
+            <a:r>
+              <a:rPr lang="en-US" dirty="0"/>
+              <a:t>Here if you initially use R2 == R2@10%</a:t>
+            </a:r>
+          </a:p>
+          <a:p>
+            <a:pPr lvl="2"/>
+            <a:r>
+              <a:rPr lang="en-US" dirty="0"/>
+              <a:t>And stick in R2@5%</a:t>
+            </a:r>
+          </a:p>
+          <a:p>
+            <a:pPr lvl="2"/>
+            <a:r>
+              <a:rPr lang="en-US" dirty="0"/>
+              <a:t>The whole </a:t>
+            </a:r>
+            <a:r>
+              <a:rPr lang="en-US" dirty="0" err="1"/>
+              <a:t>ckt</a:t>
+            </a:r>
+            <a:r>
+              <a:rPr lang="en-US" dirty="0"/>
+              <a:t> gets better</a:t>
+            </a:r>
+          </a:p>
+          <a:p>
+            <a:r>
+              <a:rPr lang="en-US" dirty="0"/>
+              <a:t>This is monotonicity</a:t>
+            </a:r>
+          </a:p>
+          <a:p>
+            <a:pPr lvl="1"/>
+            <a:r>
+              <a:rPr lang="en-US" dirty="0"/>
+              <a:t>Not all systems are monotonic</a:t>
+            </a:r>
+          </a:p>
+          <a:p>
+            <a:pPr lvl="1"/>
+            <a:r>
+              <a:rPr lang="en-US" dirty="0"/>
+              <a:t>Hence causes huge debugging headaches when monotonicity is violated!</a:t>
             </a:r>
           </a:p>
         </p:txBody>
@@ -4609,7 +4682,7 @@
     </p:spTree>
     <p:extLst>
       <p:ext uri="{BB962C8B-B14F-4D97-AF65-F5344CB8AC3E}">
-        <p14:creationId xmlns:p14="http://schemas.microsoft.com/office/powerpoint/2010/main" val="318267328"/>
+        <p14:creationId xmlns:p14="http://schemas.microsoft.com/office/powerpoint/2010/main" val="3248023727"/>
       </p:ext>
     </p:extLst>
   </p:cSld>
@@ -4662,6 +4735,2801 @@
             <a:pPr algn="ctr"/>
             <a:r>
               <a:rPr lang="en-US" dirty="0"/>
+              <a:t>Floating-point error behaves non-monotone</a:t>
+            </a:r>
+          </a:p>
+        </p:txBody>
+      </p:sp>
+      <p:sp>
+        <p:nvSpPr>
+          <p:cNvPr id="3" name="Content Placeholder 2">
+            <a:extLst>
+              <a:ext uri="{FF2B5EF4-FFF2-40B4-BE49-F238E27FC236}">
+                <a16:creationId xmlns:a16="http://schemas.microsoft.com/office/drawing/2014/main" id="{428477C0-4B50-6E46-B798-4AA4CC850E2F}"/>
+              </a:ext>
+            </a:extLst>
+          </p:cNvPr>
+          <p:cNvSpPr>
+            <a:spLocks noGrp="1"/>
+          </p:cNvSpPr>
+          <p:nvPr>
+            <p:ph idx="1"/>
+          </p:nvPr>
+        </p:nvSpPr>
+        <p:spPr>
+          <a:xfrm>
+            <a:off x="838200" y="1158240"/>
+            <a:ext cx="10515600" cy="5699759"/>
+          </a:xfrm>
+        </p:spPr>
+        <p:txBody>
+          <a:bodyPr>
+            <a:normAutofit/>
+          </a:bodyPr>
+          <a:lstStyle/>
+          <a:p>
+            <a:r>
+              <a:rPr lang="en-US" dirty="0"/>
+              <a:t>If you plug-in a component that introduces worse error, the overall error can decrease!</a:t>
+            </a:r>
+          </a:p>
+          <a:p>
+            <a:r>
+              <a:rPr lang="en-US" dirty="0"/>
+              <a:t>See plots next slide!</a:t>
+            </a:r>
+          </a:p>
+        </p:txBody>
+      </p:sp>
+    </p:spTree>
+    <p:extLst>
+      <p:ext uri="{BB962C8B-B14F-4D97-AF65-F5344CB8AC3E}">
+        <p14:creationId xmlns:p14="http://schemas.microsoft.com/office/powerpoint/2010/main" val="3283302318"/>
+      </p:ext>
+    </p:extLst>
+  </p:cSld>
+  <p:clrMapOvr>
+    <a:masterClrMapping/>
+  </p:clrMapOvr>
+</p:sld>
+</file>
+
+<file path=ppt/slides/slide16.xml><?xml version="1.0" encoding="utf-8"?>
+<p:sld xmlns:a="http://schemas.openxmlformats.org/drawingml/2006/main" xmlns:r="http://schemas.openxmlformats.org/officeDocument/2006/relationships" xmlns:p="http://schemas.openxmlformats.org/presentationml/2006/main">
+  <p:cSld>
+    <p:spTree>
+      <p:nvGrpSpPr>
+        <p:cNvPr id="1" name=""/>
+        <p:cNvGrpSpPr/>
+        <p:nvPr/>
+      </p:nvGrpSpPr>
+      <p:grpSpPr>
+        <a:xfrm>
+          <a:off x="0" y="0"/>
+          <a:ext cx="0" cy="0"/>
+          <a:chOff x="0" y="0"/>
+          <a:chExt cx="0" cy="0"/>
+        </a:xfrm>
+      </p:grpSpPr>
+      <p:sp>
+        <p:nvSpPr>
+          <p:cNvPr id="2" name="Title 1">
+            <a:extLst>
+              <a:ext uri="{FF2B5EF4-FFF2-40B4-BE49-F238E27FC236}">
+                <a16:creationId xmlns:a16="http://schemas.microsoft.com/office/drawing/2014/main" id="{834AF434-D305-904D-A40C-ABD9F796CB85}"/>
+              </a:ext>
+            </a:extLst>
+          </p:cNvPr>
+          <p:cNvSpPr>
+            <a:spLocks noGrp="1"/>
+          </p:cNvSpPr>
+          <p:nvPr>
+            <p:ph type="title"/>
+          </p:nvPr>
+        </p:nvSpPr>
+        <p:spPr>
+          <a:xfrm>
+            <a:off x="838200" y="234494"/>
+            <a:ext cx="10515600" cy="618286"/>
+          </a:xfrm>
+        </p:spPr>
+        <p:txBody>
+          <a:bodyPr>
+            <a:normAutofit fontScale="90000"/>
+          </a:bodyPr>
+          <a:lstStyle/>
+          <a:p>
+            <a:r>
+              <a:rPr lang="en-US" dirty="0"/>
+              <a:t>Example of non-monotonicity (FP example)</a:t>
+            </a:r>
+          </a:p>
+        </p:txBody>
+      </p:sp>
+      <p:sp>
+        <p:nvSpPr>
+          <p:cNvPr id="3" name="Content Placeholder 2">
+            <a:extLst>
+              <a:ext uri="{FF2B5EF4-FFF2-40B4-BE49-F238E27FC236}">
+                <a16:creationId xmlns:a16="http://schemas.microsoft.com/office/drawing/2014/main" id="{B46CB7F6-BA5A-1D4D-A4C4-D3E9B32FCA4B}"/>
+              </a:ext>
+            </a:extLst>
+          </p:cNvPr>
+          <p:cNvSpPr>
+            <a:spLocks noGrp="1"/>
+          </p:cNvSpPr>
+          <p:nvPr>
+            <p:ph idx="1"/>
+          </p:nvPr>
+        </p:nvSpPr>
+        <p:spPr>
+          <a:xfrm>
+            <a:off x="838200" y="1207339"/>
+            <a:ext cx="10515600" cy="618286"/>
+          </a:xfrm>
+        </p:spPr>
+        <p:txBody>
+          <a:bodyPr/>
+          <a:lstStyle/>
+          <a:p>
+            <a:r>
+              <a:rPr lang="en-US" dirty="0"/>
+              <a:t>This example was discussed last class – here are the plots</a:t>
+            </a:r>
+          </a:p>
+        </p:txBody>
+      </p:sp>
+      <p:pic>
+        <p:nvPicPr>
+          <p:cNvPr id="5" name="Picture 4">
+            <a:extLst>
+              <a:ext uri="{FF2B5EF4-FFF2-40B4-BE49-F238E27FC236}">
+                <a16:creationId xmlns:a16="http://schemas.microsoft.com/office/drawing/2014/main" id="{6459D0E2-6F44-C049-85C7-98572BB2851B}"/>
+              </a:ext>
+            </a:extLst>
+          </p:cNvPr>
+          <p:cNvPicPr>
+            <a:picLocks noChangeAspect="1"/>
+          </p:cNvPicPr>
+          <p:nvPr/>
+        </p:nvPicPr>
+        <p:blipFill>
+          <a:blip r:embed="rId2"/>
+          <a:stretch>
+            <a:fillRect/>
+          </a:stretch>
+        </p:blipFill>
+        <p:spPr>
+          <a:xfrm>
+            <a:off x="6096000" y="2041072"/>
+            <a:ext cx="5834741" cy="4376056"/>
+          </a:xfrm>
+          <a:prstGeom prst="rect">
+            <a:avLst/>
+          </a:prstGeom>
+        </p:spPr>
+      </p:pic>
+      <p:pic>
+        <p:nvPicPr>
+          <p:cNvPr id="7" name="Picture 6" descr="Graphical user interface&#10;&#10;Description automatically generated with medium confidence">
+            <a:extLst>
+              <a:ext uri="{FF2B5EF4-FFF2-40B4-BE49-F238E27FC236}">
+                <a16:creationId xmlns:a16="http://schemas.microsoft.com/office/drawing/2014/main" id="{5BD94B1F-C7DD-CC4A-B2F2-16158E4B6B33}"/>
+              </a:ext>
+            </a:extLst>
+          </p:cNvPr>
+          <p:cNvPicPr>
+            <a:picLocks noChangeAspect="1"/>
+          </p:cNvPicPr>
+          <p:nvPr/>
+        </p:nvPicPr>
+        <p:blipFill>
+          <a:blip r:embed="rId3"/>
+          <a:stretch>
+            <a:fillRect/>
+          </a:stretch>
+        </p:blipFill>
+        <p:spPr>
+          <a:xfrm>
+            <a:off x="261259" y="2041071"/>
+            <a:ext cx="5834742" cy="4376057"/>
+          </a:xfrm>
+          <a:prstGeom prst="rect">
+            <a:avLst/>
+          </a:prstGeom>
+        </p:spPr>
+      </p:pic>
+    </p:spTree>
+    <p:extLst>
+      <p:ext uri="{BB962C8B-B14F-4D97-AF65-F5344CB8AC3E}">
+        <p14:creationId xmlns:p14="http://schemas.microsoft.com/office/powerpoint/2010/main" val="2650550385"/>
+      </p:ext>
+    </p:extLst>
+  </p:cSld>
+  <p:clrMapOvr>
+    <a:masterClrMapping/>
+  </p:clrMapOvr>
+</p:sld>
+</file>
+
+<file path=ppt/slides/slide17.xml><?xml version="1.0" encoding="utf-8"?>
+<p:sld xmlns:a="http://schemas.openxmlformats.org/drawingml/2006/main" xmlns:r="http://schemas.openxmlformats.org/officeDocument/2006/relationships" xmlns:p="http://schemas.openxmlformats.org/presentationml/2006/main">
+  <p:cSld>
+    <p:spTree>
+      <p:nvGrpSpPr>
+        <p:cNvPr id="1" name=""/>
+        <p:cNvGrpSpPr/>
+        <p:nvPr/>
+      </p:nvGrpSpPr>
+      <p:grpSpPr>
+        <a:xfrm>
+          <a:off x="0" y="0"/>
+          <a:ext cx="0" cy="0"/>
+          <a:chOff x="0" y="0"/>
+          <a:chExt cx="0" cy="0"/>
+        </a:xfrm>
+      </p:grpSpPr>
+      <p:sp>
+        <p:nvSpPr>
+          <p:cNvPr id="2" name="Title 1">
+            <a:extLst>
+              <a:ext uri="{FF2B5EF4-FFF2-40B4-BE49-F238E27FC236}">
+                <a16:creationId xmlns:a16="http://schemas.microsoft.com/office/drawing/2014/main" id="{5548C101-1BE6-B342-B74F-1C9EF1DDAC81}"/>
+              </a:ext>
+            </a:extLst>
+          </p:cNvPr>
+          <p:cNvSpPr>
+            <a:spLocks noGrp="1"/>
+          </p:cNvSpPr>
+          <p:nvPr>
+            <p:ph type="title"/>
+          </p:nvPr>
+        </p:nvSpPr>
+        <p:spPr/>
+        <p:txBody>
+          <a:bodyPr>
+            <a:normAutofit fontScale="90000"/>
+          </a:bodyPr>
+          <a:lstStyle/>
+          <a:p>
+            <a:r>
+              <a:rPr lang="en-US" dirty="0"/>
+              <a:t>Solving for a pair of unknowns is natural</a:t>
+            </a:r>
+          </a:p>
+        </p:txBody>
+      </p:sp>
+      <p:sp>
+        <p:nvSpPr>
+          <p:cNvPr id="3" name="Content Placeholder 2">
+            <a:extLst>
+              <a:ext uri="{FF2B5EF4-FFF2-40B4-BE49-F238E27FC236}">
+                <a16:creationId xmlns:a16="http://schemas.microsoft.com/office/drawing/2014/main" id="{905744E2-6782-DE42-B7EB-6EC81E7C9C2B}"/>
+              </a:ext>
+            </a:extLst>
+          </p:cNvPr>
+          <p:cNvSpPr>
+            <a:spLocks noGrp="1"/>
+          </p:cNvSpPr>
+          <p:nvPr>
+            <p:ph idx="1"/>
+          </p:nvPr>
+        </p:nvSpPr>
+        <p:spPr/>
+        <p:txBody>
+          <a:bodyPr>
+            <a:normAutofit/>
+          </a:bodyPr>
+          <a:lstStyle/>
+          <a:p>
+            <a:r>
+              <a:rPr lang="en-US" dirty="0"/>
+              <a:t>Mutual recursion, i.e. defining two languages </a:t>
+            </a:r>
+          </a:p>
+          <a:p>
+            <a:pPr lvl="1"/>
+            <a:r>
+              <a:rPr lang="en-US" dirty="0"/>
+              <a:t>S -&gt; epsilon | ( W S</a:t>
+            </a:r>
+          </a:p>
+          <a:p>
+            <a:pPr lvl="1"/>
+            <a:r>
+              <a:rPr lang="en-US" dirty="0"/>
+              <a:t>W -&gt; ( W W | )</a:t>
+            </a:r>
+          </a:p>
+          <a:p>
+            <a:pPr lvl="1"/>
+            <a:endParaRPr lang="en-US" dirty="0"/>
+          </a:p>
+          <a:p>
+            <a:r>
+              <a:rPr lang="en-US" dirty="0"/>
+              <a:t>Solve</a:t>
+            </a:r>
+          </a:p>
+          <a:p>
+            <a:r>
+              <a:rPr lang="en-US" dirty="0"/>
+              <a:t>(L_S, L_W) = </a:t>
+            </a:r>
+            <a:r>
+              <a:rPr lang="en-US" dirty="0">
+                <a:solidFill>
+                  <a:srgbClr val="0F4F97"/>
+                </a:solidFill>
+              </a:rPr>
+              <a:t>(</a:t>
+            </a:r>
+            <a:r>
+              <a:rPr lang="en-US" dirty="0"/>
+              <a:t>   {e} U {(} L_W L_S   ,   {(} L_W  L_W   U  {)}  </a:t>
+            </a:r>
+            <a:r>
+              <a:rPr lang="en-US" dirty="0">
+                <a:solidFill>
+                  <a:srgbClr val="0F4F97"/>
+                </a:solidFill>
+              </a:rPr>
+              <a:t>)</a:t>
+            </a:r>
+          </a:p>
+          <a:p>
+            <a:pPr lvl="1"/>
+            <a:endParaRPr lang="en-US" dirty="0"/>
+          </a:p>
+          <a:p>
+            <a:pPr lvl="1"/>
+            <a:endParaRPr lang="en-US" dirty="0"/>
+          </a:p>
+        </p:txBody>
+      </p:sp>
+    </p:spTree>
+    <p:extLst>
+      <p:ext uri="{BB962C8B-B14F-4D97-AF65-F5344CB8AC3E}">
+        <p14:creationId xmlns:p14="http://schemas.microsoft.com/office/powerpoint/2010/main" val="4121481042"/>
+      </p:ext>
+    </p:extLst>
+  </p:cSld>
+  <p:clrMapOvr>
+    <a:masterClrMapping/>
+  </p:clrMapOvr>
+</p:sld>
+</file>
+
+<file path=ppt/slides/slide18.xml><?xml version="1.0" encoding="utf-8"?>
+<p:sld xmlns:a="http://schemas.openxmlformats.org/drawingml/2006/main" xmlns:r="http://schemas.openxmlformats.org/officeDocument/2006/relationships" xmlns:p="http://schemas.openxmlformats.org/presentationml/2006/main">
+  <p:cSld>
+    <p:spTree>
+      <p:nvGrpSpPr>
+        <p:cNvPr id="1" name=""/>
+        <p:cNvGrpSpPr/>
+        <p:nvPr/>
+      </p:nvGrpSpPr>
+      <p:grpSpPr>
+        <a:xfrm>
+          <a:off x="0" y="0"/>
+          <a:ext cx="0" cy="0"/>
+          <a:chOff x="0" y="0"/>
+          <a:chExt cx="0" cy="0"/>
+        </a:xfrm>
+      </p:grpSpPr>
+      <p:sp>
+        <p:nvSpPr>
+          <p:cNvPr id="2" name="Title 1">
+            <a:extLst>
+              <a:ext uri="{FF2B5EF4-FFF2-40B4-BE49-F238E27FC236}">
+                <a16:creationId xmlns:a16="http://schemas.microsoft.com/office/drawing/2014/main" id="{5548C101-1BE6-B342-B74F-1C9EF1DDAC81}"/>
+              </a:ext>
+            </a:extLst>
+          </p:cNvPr>
+          <p:cNvSpPr>
+            <a:spLocks noGrp="1"/>
+          </p:cNvSpPr>
+          <p:nvPr>
+            <p:ph type="title"/>
+          </p:nvPr>
+        </p:nvSpPr>
+        <p:spPr/>
+        <p:txBody>
+          <a:bodyPr>
+            <a:normAutofit fontScale="90000"/>
+          </a:bodyPr>
+          <a:lstStyle/>
+          <a:p>
+            <a:r>
+              <a:rPr lang="en-US" dirty="0"/>
+              <a:t>Fixpoint Theory to Explain CFGs</a:t>
+            </a:r>
+          </a:p>
+        </p:txBody>
+      </p:sp>
+      <p:sp>
+        <p:nvSpPr>
+          <p:cNvPr id="3" name="Content Placeholder 2">
+            <a:extLst>
+              <a:ext uri="{FF2B5EF4-FFF2-40B4-BE49-F238E27FC236}">
+                <a16:creationId xmlns:a16="http://schemas.microsoft.com/office/drawing/2014/main" id="{905744E2-6782-DE42-B7EB-6EC81E7C9C2B}"/>
+              </a:ext>
+            </a:extLst>
+          </p:cNvPr>
+          <p:cNvSpPr>
+            <a:spLocks noGrp="1"/>
+          </p:cNvSpPr>
+          <p:nvPr>
+            <p:ph idx="1"/>
+          </p:nvPr>
+        </p:nvSpPr>
+        <p:spPr/>
+        <p:txBody>
+          <a:bodyPr>
+            <a:normAutofit/>
+          </a:bodyPr>
+          <a:lstStyle/>
+          <a:p>
+            <a:r>
+              <a:rPr lang="en-US" dirty="0"/>
+              <a:t>Then discuss the system</a:t>
+            </a:r>
+          </a:p>
+          <a:p>
+            <a:pPr lvl="1"/>
+            <a:r>
+              <a:rPr lang="en-US" dirty="0"/>
+              <a:t>S -&gt; epsilon | ( W S</a:t>
+            </a:r>
+          </a:p>
+          <a:p>
+            <a:pPr lvl="1"/>
+            <a:r>
+              <a:rPr lang="en-US" dirty="0"/>
+              <a:t>W -&gt; ( W W | )</a:t>
+            </a:r>
+          </a:p>
+          <a:p>
+            <a:pPr lvl="1"/>
+            <a:endParaRPr lang="en-US" dirty="0"/>
+          </a:p>
+          <a:p>
+            <a:r>
+              <a:rPr lang="en-US" dirty="0"/>
+              <a:t>Solve</a:t>
+            </a:r>
+          </a:p>
+          <a:p>
+            <a:r>
+              <a:rPr lang="en-US" dirty="0"/>
+              <a:t>(L_S, L_W) = </a:t>
+            </a:r>
+            <a:r>
+              <a:rPr lang="en-US" dirty="0">
+                <a:solidFill>
+                  <a:srgbClr val="0F4F97"/>
+                </a:solidFill>
+              </a:rPr>
+              <a:t>(</a:t>
+            </a:r>
+            <a:r>
+              <a:rPr lang="en-US" dirty="0"/>
+              <a:t>   {e} U {(} L_W L_S   ,   {(} L_W  L_W   U  {)}  </a:t>
+            </a:r>
+            <a:r>
+              <a:rPr lang="en-US" dirty="0">
+                <a:solidFill>
+                  <a:srgbClr val="0F4F97"/>
+                </a:solidFill>
+              </a:rPr>
+              <a:t>)</a:t>
+            </a:r>
+          </a:p>
+          <a:p>
+            <a:endParaRPr lang="en-US" dirty="0">
+              <a:solidFill>
+                <a:srgbClr val="0F4F97"/>
+              </a:solidFill>
+            </a:endParaRPr>
+          </a:p>
+          <a:p>
+            <a:r>
+              <a:rPr lang="en-US" dirty="0">
+                <a:solidFill>
+                  <a:srgbClr val="0F4F97"/>
+                </a:solidFill>
+              </a:rPr>
+              <a:t>What fixpoint obtained by iterating up from ({} , {})  ?</a:t>
+            </a:r>
+          </a:p>
+          <a:p>
+            <a:r>
+              <a:rPr lang="en-US" dirty="0">
+                <a:solidFill>
+                  <a:srgbClr val="0F4F97"/>
+                </a:solidFill>
+              </a:rPr>
+              <a:t>What is the lattice ordering?</a:t>
+            </a:r>
+          </a:p>
+          <a:p>
+            <a:pPr lvl="1"/>
+            <a:endParaRPr lang="en-US" dirty="0"/>
+          </a:p>
+          <a:p>
+            <a:pPr lvl="1"/>
+            <a:endParaRPr lang="en-US" dirty="0"/>
+          </a:p>
+        </p:txBody>
+      </p:sp>
+    </p:spTree>
+    <p:extLst>
+      <p:ext uri="{BB962C8B-B14F-4D97-AF65-F5344CB8AC3E}">
+        <p14:creationId xmlns:p14="http://schemas.microsoft.com/office/powerpoint/2010/main" val="1048494348"/>
+      </p:ext>
+    </p:extLst>
+  </p:cSld>
+  <p:clrMapOvr>
+    <a:masterClrMapping/>
+  </p:clrMapOvr>
+</p:sld>
+</file>
+
+<file path=ppt/slides/slide19.xml><?xml version="1.0" encoding="utf-8"?>
+<p:sld xmlns:a="http://schemas.openxmlformats.org/drawingml/2006/main" xmlns:r="http://schemas.openxmlformats.org/officeDocument/2006/relationships" xmlns:p="http://schemas.openxmlformats.org/presentationml/2006/main">
+  <p:cSld>
+    <p:spTree>
+      <p:nvGrpSpPr>
+        <p:cNvPr id="1" name=""/>
+        <p:cNvGrpSpPr/>
+        <p:nvPr/>
+      </p:nvGrpSpPr>
+      <p:grpSpPr>
+        <a:xfrm>
+          <a:off x="0" y="0"/>
+          <a:ext cx="0" cy="0"/>
+          <a:chOff x="0" y="0"/>
+          <a:chExt cx="0" cy="0"/>
+        </a:xfrm>
+      </p:grpSpPr>
+      <p:sp>
+        <p:nvSpPr>
+          <p:cNvPr id="2" name="Title 1">
+            <a:extLst>
+              <a:ext uri="{FF2B5EF4-FFF2-40B4-BE49-F238E27FC236}">
+                <a16:creationId xmlns:a16="http://schemas.microsoft.com/office/drawing/2014/main" id="{CBDE2B1E-5E72-2A41-872C-A61F5FF5D8F6}"/>
+              </a:ext>
+            </a:extLst>
+          </p:cNvPr>
+          <p:cNvSpPr>
+            <a:spLocks noGrp="1"/>
+          </p:cNvSpPr>
+          <p:nvPr>
+            <p:ph type="title"/>
+          </p:nvPr>
+        </p:nvSpPr>
+        <p:spPr/>
+        <p:txBody>
+          <a:bodyPr>
+            <a:normAutofit fontScale="90000"/>
+          </a:bodyPr>
+          <a:lstStyle/>
+          <a:p>
+            <a:pPr algn="ctr"/>
+            <a:r>
+              <a:rPr lang="en-US" dirty="0"/>
+              <a:t>Uniqueness of Least Fixpoints</a:t>
+            </a:r>
+          </a:p>
+        </p:txBody>
+      </p:sp>
+      <p:sp>
+        <p:nvSpPr>
+          <p:cNvPr id="3" name="Content Placeholder 2">
+            <a:extLst>
+              <a:ext uri="{FF2B5EF4-FFF2-40B4-BE49-F238E27FC236}">
+                <a16:creationId xmlns:a16="http://schemas.microsoft.com/office/drawing/2014/main" id="{428477C0-4B50-6E46-B798-4AA4CC850E2F}"/>
+              </a:ext>
+            </a:extLst>
+          </p:cNvPr>
+          <p:cNvSpPr>
+            <a:spLocks noGrp="1"/>
+          </p:cNvSpPr>
+          <p:nvPr>
+            <p:ph idx="1"/>
+          </p:nvPr>
+        </p:nvSpPr>
+        <p:spPr/>
+        <p:txBody>
+          <a:bodyPr/>
+          <a:lstStyle/>
+          <a:p>
+            <a:r>
+              <a:rPr lang="en-US" dirty="0"/>
+              <a:t>Least fixpoints exist and are unique when Tau is</a:t>
+            </a:r>
+          </a:p>
+          <a:p>
+            <a:pPr lvl="1"/>
+            <a:r>
+              <a:rPr lang="en-US" dirty="0"/>
+              <a:t>Monotonic</a:t>
+            </a:r>
+          </a:p>
+          <a:p>
+            <a:pPr lvl="1"/>
+            <a:r>
+              <a:rPr lang="en-US" dirty="0"/>
+              <a:t>Continuous</a:t>
+            </a:r>
+          </a:p>
+          <a:p>
+            <a:pPr lvl="1"/>
+            <a:endParaRPr lang="en-US" dirty="0"/>
+          </a:p>
+          <a:p>
+            <a:r>
+              <a:rPr lang="en-US" dirty="0"/>
+              <a:t>For infinite lattices</a:t>
+            </a:r>
+          </a:p>
+          <a:p>
+            <a:pPr lvl="1"/>
+            <a:r>
+              <a:rPr lang="en-US" dirty="0"/>
+              <a:t>Continuity implies Monotonicity</a:t>
+            </a:r>
+          </a:p>
+          <a:p>
+            <a:pPr lvl="1"/>
+            <a:endParaRPr lang="en-US" dirty="0"/>
+          </a:p>
+          <a:p>
+            <a:r>
+              <a:rPr lang="en-US" dirty="0"/>
+              <a:t>For finite lattices</a:t>
+            </a:r>
+          </a:p>
+          <a:p>
+            <a:pPr lvl="1"/>
+            <a:r>
+              <a:rPr lang="en-US" dirty="0"/>
+              <a:t>Monotonicity implies Continuity</a:t>
+            </a:r>
+          </a:p>
+        </p:txBody>
+      </p:sp>
+    </p:spTree>
+    <p:extLst>
+      <p:ext uri="{BB962C8B-B14F-4D97-AF65-F5344CB8AC3E}">
+        <p14:creationId xmlns:p14="http://schemas.microsoft.com/office/powerpoint/2010/main" val="696591542"/>
+      </p:ext>
+    </p:extLst>
+  </p:cSld>
+  <p:clrMapOvr>
+    <a:masterClrMapping/>
+  </p:clrMapOvr>
+</p:sld>
+</file>
+
+<file path=ppt/slides/slide2.xml><?xml version="1.0" encoding="utf-8"?>
+<p:sld xmlns:a="http://schemas.openxmlformats.org/drawingml/2006/main" xmlns:r="http://schemas.openxmlformats.org/officeDocument/2006/relationships" xmlns:p="http://schemas.openxmlformats.org/presentationml/2006/main">
+  <p:cSld>
+    <p:spTree>
+      <p:nvGrpSpPr>
+        <p:cNvPr id="1" name=""/>
+        <p:cNvGrpSpPr/>
+        <p:nvPr/>
+      </p:nvGrpSpPr>
+      <p:grpSpPr>
+        <a:xfrm>
+          <a:off x="0" y="0"/>
+          <a:ext cx="0" cy="0"/>
+          <a:chOff x="0" y="0"/>
+          <a:chExt cx="0" cy="0"/>
+        </a:xfrm>
+      </p:grpSpPr>
+      <p:sp>
+        <p:nvSpPr>
+          <p:cNvPr id="2" name="Title 1">
+            <a:extLst>
+              <a:ext uri="{FF2B5EF4-FFF2-40B4-BE49-F238E27FC236}">
+                <a16:creationId xmlns:a16="http://schemas.microsoft.com/office/drawing/2014/main" id="{066F26C0-23E2-F14D-8605-D3A28485A13F}"/>
+              </a:ext>
+            </a:extLst>
+          </p:cNvPr>
+          <p:cNvSpPr>
+            <a:spLocks noGrp="1"/>
+          </p:cNvSpPr>
+          <p:nvPr>
+            <p:ph type="title"/>
+          </p:nvPr>
+        </p:nvSpPr>
+        <p:spPr>
+          <a:xfrm>
+            <a:off x="0" y="-1"/>
+            <a:ext cx="11438021" cy="515519"/>
+          </a:xfrm>
+        </p:spPr>
+        <p:txBody>
+          <a:bodyPr vert="horz" lIns="91440" tIns="45720" rIns="91440" bIns="45720" rtlCol="0" anchor="ctr">
+            <a:normAutofit/>
+          </a:bodyPr>
+          <a:lstStyle/>
+          <a:p>
+            <a:r>
+              <a:rPr lang="en-US" sz="2400" kern="1200" dirty="0">
+                <a:solidFill>
+                  <a:schemeClr val="tx1"/>
+                </a:solidFill>
+                <a:latin typeface="+mj-lt"/>
+                <a:ea typeface="+mj-ea"/>
+                <a:cs typeface="+mj-cs"/>
+              </a:rPr>
+              <a:t>Recap : This pertains to the quiz … ask if I should show you how to get “Tau”…</a:t>
+            </a:r>
+          </a:p>
+        </p:txBody>
+      </p:sp>
+      <p:pic>
+        <p:nvPicPr>
+          <p:cNvPr id="4" name="Picture 3" descr="Diagram&#10;&#10;Description automatically generated with medium confidence">
+            <a:extLst>
+              <a:ext uri="{FF2B5EF4-FFF2-40B4-BE49-F238E27FC236}">
+                <a16:creationId xmlns:a16="http://schemas.microsoft.com/office/drawing/2014/main" id="{488AB08F-8DB9-354D-971D-B7FC860761EF}"/>
+              </a:ext>
+            </a:extLst>
+          </p:cNvPr>
+          <p:cNvPicPr>
+            <a:picLocks noChangeAspect="1"/>
+          </p:cNvPicPr>
+          <p:nvPr/>
+        </p:nvPicPr>
+        <p:blipFill>
+          <a:blip r:embed="rId2"/>
+          <a:stretch>
+            <a:fillRect/>
+          </a:stretch>
+        </p:blipFill>
+        <p:spPr>
+          <a:xfrm>
+            <a:off x="0" y="515518"/>
+            <a:ext cx="12192000" cy="1705970"/>
+          </a:xfrm>
+          <a:prstGeom prst="rect">
+            <a:avLst/>
+          </a:prstGeom>
+        </p:spPr>
+      </p:pic>
+      <p:pic>
+        <p:nvPicPr>
+          <p:cNvPr id="7" name="Picture 6" descr="Text, letter&#10;&#10;Description automatically generated">
+            <a:extLst>
+              <a:ext uri="{FF2B5EF4-FFF2-40B4-BE49-F238E27FC236}">
+                <a16:creationId xmlns:a16="http://schemas.microsoft.com/office/drawing/2014/main" id="{165979BC-E799-0D48-B617-C0F5DBB36146}"/>
+              </a:ext>
+            </a:extLst>
+          </p:cNvPr>
+          <p:cNvPicPr>
+            <a:picLocks noChangeAspect="1"/>
+          </p:cNvPicPr>
+          <p:nvPr/>
+        </p:nvPicPr>
+        <p:blipFill>
+          <a:blip r:embed="rId3"/>
+          <a:stretch>
+            <a:fillRect/>
+          </a:stretch>
+        </p:blipFill>
+        <p:spPr>
+          <a:xfrm>
+            <a:off x="635086" y="2027286"/>
+            <a:ext cx="10167848" cy="1584600"/>
+          </a:xfrm>
+          <a:prstGeom prst="rect">
+            <a:avLst/>
+          </a:prstGeom>
+        </p:spPr>
+      </p:pic>
+      <p:sp>
+        <p:nvSpPr>
+          <p:cNvPr id="8" name="TextBox 7">
+            <a:extLst>
+              <a:ext uri="{FF2B5EF4-FFF2-40B4-BE49-F238E27FC236}">
+                <a16:creationId xmlns:a16="http://schemas.microsoft.com/office/drawing/2014/main" id="{C34B177A-A849-D74F-B82F-BF36CF921F7D}"/>
+              </a:ext>
+            </a:extLst>
+          </p:cNvPr>
+          <p:cNvSpPr txBox="1"/>
+          <p:nvPr/>
+        </p:nvSpPr>
+        <p:spPr>
+          <a:xfrm>
+            <a:off x="1398494" y="3579057"/>
+            <a:ext cx="10167848" cy="3139321"/>
+          </a:xfrm>
+          <a:prstGeom prst="rect">
+            <a:avLst/>
+          </a:prstGeom>
+          <a:noFill/>
+        </p:spPr>
+        <p:txBody>
+          <a:bodyPr wrap="none" rtlCol="0">
+            <a:spAutoFit/>
+          </a:bodyPr>
+          <a:lstStyle/>
+          <a:p>
+            <a:r>
+              <a:rPr lang="en-US" dirty="0"/>
+              <a:t>Function f3 corresponds to  </a:t>
+            </a:r>
+            <a:r>
+              <a:rPr lang="en-US" dirty="0" err="1"/>
+              <a:t>lim_i</a:t>
+            </a:r>
+            <a:r>
+              <a:rPr lang="en-US" dirty="0"/>
+              <a:t> { </a:t>
+            </a:r>
+            <a:r>
+              <a:rPr lang="en-US" dirty="0" err="1"/>
+              <a:t>Tau^i</a:t>
+            </a:r>
+            <a:r>
+              <a:rPr lang="en-US" dirty="0"/>
+              <a:t> [ </a:t>
+            </a:r>
+            <a:r>
+              <a:rPr lang="en-US" dirty="0" err="1"/>
+              <a:t>Bottom_fn</a:t>
+            </a:r>
+            <a:r>
+              <a:rPr lang="en-US" dirty="0"/>
+              <a:t> ] }</a:t>
+            </a:r>
+          </a:p>
+          <a:p>
+            <a:endParaRPr lang="en-US" dirty="0"/>
+          </a:p>
+          <a:p>
+            <a:r>
+              <a:rPr lang="en-US" dirty="0"/>
+              <a:t>Where Tau for “F” above is:  </a:t>
+            </a:r>
+            <a:r>
+              <a:rPr lang="en-US" dirty="0">
+                <a:solidFill>
+                  <a:srgbClr val="0F4F97"/>
+                </a:solidFill>
+              </a:rPr>
+              <a:t>…fill this…  </a:t>
+            </a:r>
+            <a:r>
+              <a:rPr lang="en-US" dirty="0"/>
+              <a:t>and is called </a:t>
+            </a:r>
+          </a:p>
+          <a:p>
+            <a:r>
+              <a:rPr lang="en-US" dirty="0"/>
+              <a:t>the “functional underlying the recursive definition (in Manna’s book)</a:t>
+            </a:r>
+          </a:p>
+          <a:p>
+            <a:endParaRPr lang="en-US" dirty="0"/>
+          </a:p>
+          <a:p>
+            <a:r>
+              <a:rPr lang="en-US" dirty="0"/>
+              <a:t>In Chapter 18 of Book-3, it is called the “pre” function (e.g. </a:t>
+            </a:r>
+            <a:r>
+              <a:rPr lang="en-US" dirty="0" err="1"/>
+              <a:t>PreFact</a:t>
+            </a:r>
+            <a:r>
+              <a:rPr lang="en-US" dirty="0"/>
+              <a:t> </a:t>
+            </a:r>
+            <a:r>
+              <a:rPr lang="en-US" dirty="0" err="1"/>
+              <a:t>etc</a:t>
+            </a:r>
+            <a:r>
+              <a:rPr lang="en-US" dirty="0"/>
+              <a:t>) on</a:t>
+            </a:r>
+          </a:p>
+          <a:p>
+            <a:r>
+              <a:rPr lang="en-US" dirty="0"/>
+              <a:t> which the Y combinator is applied.</a:t>
+            </a:r>
+          </a:p>
+          <a:p>
+            <a:endParaRPr lang="en-US" dirty="0"/>
+          </a:p>
+          <a:p>
+            <a:r>
+              <a:rPr lang="en-US" dirty="0"/>
+              <a:t>Applying the Y combinator gives the same effect as computing the limit of this chain of functions</a:t>
+            </a:r>
+          </a:p>
+          <a:p>
+            <a:endParaRPr lang="en-US" dirty="0"/>
+          </a:p>
+          <a:p>
+            <a:r>
+              <a:rPr lang="en-US" dirty="0"/>
+              <a:t>What does Tau^1[Bottom] correspond to? What about Tau^2 ? Tau^3 ? </a:t>
+            </a:r>
+            <a:r>
+              <a:rPr lang="en-US" dirty="0">
+                <a:solidFill>
+                  <a:srgbClr val="0F4F97"/>
+                </a:solidFill>
+              </a:rPr>
+              <a:t>…fill this…</a:t>
+            </a:r>
+          </a:p>
+        </p:txBody>
+      </p:sp>
+    </p:spTree>
+    <p:extLst>
+      <p:ext uri="{BB962C8B-B14F-4D97-AF65-F5344CB8AC3E}">
+        <p14:creationId xmlns:p14="http://schemas.microsoft.com/office/powerpoint/2010/main" val="109610687"/>
+      </p:ext>
+    </p:extLst>
+  </p:cSld>
+  <p:clrMapOvr>
+    <a:masterClrMapping/>
+  </p:clrMapOvr>
+</p:sld>
+</file>
+
+<file path=ppt/slides/slide20.xml><?xml version="1.0" encoding="utf-8"?>
+<p:sld xmlns:a="http://schemas.openxmlformats.org/drawingml/2006/main" xmlns:r="http://schemas.openxmlformats.org/officeDocument/2006/relationships" xmlns:p="http://schemas.openxmlformats.org/presentationml/2006/main">
+  <p:cSld>
+    <p:spTree>
+      <p:nvGrpSpPr>
+        <p:cNvPr id="1" name=""/>
+        <p:cNvGrpSpPr/>
+        <p:nvPr/>
+      </p:nvGrpSpPr>
+      <p:grpSpPr>
+        <a:xfrm>
+          <a:off x="0" y="0"/>
+          <a:ext cx="0" cy="0"/>
+          <a:chOff x="0" y="0"/>
+          <a:chExt cx="0" cy="0"/>
+        </a:xfrm>
+      </p:grpSpPr>
+      <p:sp>
+        <p:nvSpPr>
+          <p:cNvPr id="2" name="Title 1">
+            <a:extLst>
+              <a:ext uri="{FF2B5EF4-FFF2-40B4-BE49-F238E27FC236}">
+                <a16:creationId xmlns:a16="http://schemas.microsoft.com/office/drawing/2014/main" id="{5548C101-1BE6-B342-B74F-1C9EF1DDAC81}"/>
+              </a:ext>
+            </a:extLst>
+          </p:cNvPr>
+          <p:cNvSpPr>
+            <a:spLocks noGrp="1"/>
+          </p:cNvSpPr>
+          <p:nvPr>
+            <p:ph type="title"/>
+          </p:nvPr>
+        </p:nvSpPr>
+        <p:spPr/>
+        <p:txBody>
+          <a:bodyPr>
+            <a:normAutofit fontScale="90000"/>
+          </a:bodyPr>
+          <a:lstStyle/>
+          <a:p>
+            <a:r>
+              <a:rPr lang="en-US" dirty="0"/>
+              <a:t>Fixpoint Theory to Explain CFGs</a:t>
+            </a:r>
+          </a:p>
+        </p:txBody>
+      </p:sp>
+      <p:sp>
+        <p:nvSpPr>
+          <p:cNvPr id="3" name="Content Placeholder 2">
+            <a:extLst>
+              <a:ext uri="{FF2B5EF4-FFF2-40B4-BE49-F238E27FC236}">
+                <a16:creationId xmlns:a16="http://schemas.microsoft.com/office/drawing/2014/main" id="{905744E2-6782-DE42-B7EB-6EC81E7C9C2B}"/>
+              </a:ext>
+            </a:extLst>
+          </p:cNvPr>
+          <p:cNvSpPr>
+            <a:spLocks noGrp="1"/>
+          </p:cNvSpPr>
+          <p:nvPr>
+            <p:ph idx="1"/>
+          </p:nvPr>
+        </p:nvSpPr>
+        <p:spPr/>
+        <p:txBody>
+          <a:bodyPr>
+            <a:normAutofit/>
+          </a:bodyPr>
+          <a:lstStyle/>
+          <a:p>
+            <a:r>
+              <a:rPr lang="en-US" dirty="0"/>
+              <a:t>Context-free Grammars re-interpreted as recursive equations</a:t>
+            </a:r>
+          </a:p>
+          <a:p>
+            <a:pPr lvl="1"/>
+            <a:r>
+              <a:rPr lang="en-US" dirty="0"/>
+              <a:t>S -&gt; </a:t>
+            </a:r>
+            <a:r>
+              <a:rPr lang="en-US" dirty="0" err="1"/>
+              <a:t>aSbS</a:t>
+            </a:r>
+            <a:r>
+              <a:rPr lang="en-US" dirty="0"/>
+              <a:t> | </a:t>
+            </a:r>
+            <a:r>
+              <a:rPr lang="en-US" dirty="0" err="1"/>
+              <a:t>bSaS</a:t>
+            </a:r>
+            <a:r>
+              <a:rPr lang="en-US" dirty="0"/>
+              <a:t> | SS | epsilon </a:t>
+            </a:r>
+          </a:p>
+          <a:p>
+            <a:pPr lvl="2"/>
+            <a:r>
+              <a:rPr lang="en-US" dirty="0"/>
+              <a:t>Versus</a:t>
+            </a:r>
+          </a:p>
+          <a:p>
+            <a:pPr lvl="1"/>
+            <a:r>
+              <a:rPr lang="en-US" dirty="0"/>
+              <a:t>S -&gt; </a:t>
+            </a:r>
+            <a:r>
+              <a:rPr lang="en-US" dirty="0" err="1"/>
+              <a:t>aSbS</a:t>
+            </a:r>
+            <a:r>
+              <a:rPr lang="en-US" dirty="0"/>
+              <a:t> | </a:t>
+            </a:r>
+            <a:r>
+              <a:rPr lang="en-US" dirty="0" err="1"/>
+              <a:t>bSaS</a:t>
+            </a:r>
+            <a:r>
+              <a:rPr lang="en-US" dirty="0"/>
+              <a:t> | epsilon </a:t>
+            </a:r>
+          </a:p>
+          <a:p>
+            <a:endParaRPr lang="en-US" dirty="0"/>
+          </a:p>
+          <a:p>
+            <a:r>
+              <a:rPr lang="en-US" dirty="0"/>
+              <a:t>Then discuss the system</a:t>
+            </a:r>
+          </a:p>
+          <a:p>
+            <a:pPr lvl="1"/>
+            <a:r>
+              <a:rPr lang="en-US" dirty="0"/>
+              <a:t>S -&gt; epsilon | ( W S</a:t>
+            </a:r>
+          </a:p>
+          <a:p>
+            <a:pPr lvl="1"/>
+            <a:r>
+              <a:rPr lang="en-US" dirty="0"/>
+              <a:t>W -&gt; ( W W | )</a:t>
+            </a:r>
+          </a:p>
+          <a:p>
+            <a:pPr lvl="1"/>
+            <a:endParaRPr lang="en-US" dirty="0"/>
+          </a:p>
+          <a:p>
+            <a:pPr lvl="1"/>
+            <a:endParaRPr lang="en-US" dirty="0"/>
+          </a:p>
+        </p:txBody>
+      </p:sp>
+    </p:spTree>
+    <p:extLst>
+      <p:ext uri="{BB962C8B-B14F-4D97-AF65-F5344CB8AC3E}">
+        <p14:creationId xmlns:p14="http://schemas.microsoft.com/office/powerpoint/2010/main" val="1514084496"/>
+      </p:ext>
+    </p:extLst>
+  </p:cSld>
+  <p:clrMapOvr>
+    <a:masterClrMapping/>
+  </p:clrMapOvr>
+</p:sld>
+</file>
+
+<file path=ppt/slides/slide21.xml><?xml version="1.0" encoding="utf-8"?>
+<p:sld xmlns:a="http://schemas.openxmlformats.org/drawingml/2006/main" xmlns:r="http://schemas.openxmlformats.org/officeDocument/2006/relationships" xmlns:p="http://schemas.openxmlformats.org/presentationml/2006/main">
+  <p:cSld>
+    <p:spTree>
+      <p:nvGrpSpPr>
+        <p:cNvPr id="1" name=""/>
+        <p:cNvGrpSpPr/>
+        <p:nvPr/>
+      </p:nvGrpSpPr>
+      <p:grpSpPr>
+        <a:xfrm>
+          <a:off x="0" y="0"/>
+          <a:ext cx="0" cy="0"/>
+          <a:chOff x="0" y="0"/>
+          <a:chExt cx="0" cy="0"/>
+        </a:xfrm>
+      </p:grpSpPr>
+      <p:sp>
+        <p:nvSpPr>
+          <p:cNvPr id="2" name="Title 1">
+            <a:extLst>
+              <a:ext uri="{FF2B5EF4-FFF2-40B4-BE49-F238E27FC236}">
+                <a16:creationId xmlns:a16="http://schemas.microsoft.com/office/drawing/2014/main" id="{5548C101-1BE6-B342-B74F-1C9EF1DDAC81}"/>
+              </a:ext>
+            </a:extLst>
+          </p:cNvPr>
+          <p:cNvSpPr>
+            <a:spLocks noGrp="1"/>
+          </p:cNvSpPr>
+          <p:nvPr>
+            <p:ph type="title"/>
+          </p:nvPr>
+        </p:nvSpPr>
+        <p:spPr/>
+        <p:txBody>
+          <a:bodyPr>
+            <a:normAutofit fontScale="90000"/>
+          </a:bodyPr>
+          <a:lstStyle/>
+          <a:p>
+            <a:r>
+              <a:rPr lang="en-US" dirty="0"/>
+              <a:t>Fixpoint Theory to Explain CFGs</a:t>
+            </a:r>
+          </a:p>
+        </p:txBody>
+      </p:sp>
+      <p:sp>
+        <p:nvSpPr>
+          <p:cNvPr id="3" name="Content Placeholder 2">
+            <a:extLst>
+              <a:ext uri="{FF2B5EF4-FFF2-40B4-BE49-F238E27FC236}">
+                <a16:creationId xmlns:a16="http://schemas.microsoft.com/office/drawing/2014/main" id="{905744E2-6782-DE42-B7EB-6EC81E7C9C2B}"/>
+              </a:ext>
+            </a:extLst>
+          </p:cNvPr>
+          <p:cNvSpPr>
+            <a:spLocks noGrp="1"/>
+          </p:cNvSpPr>
+          <p:nvPr>
+            <p:ph idx="1"/>
+          </p:nvPr>
+        </p:nvSpPr>
+        <p:spPr/>
+        <p:txBody>
+          <a:bodyPr>
+            <a:normAutofit/>
+          </a:bodyPr>
+          <a:lstStyle/>
+          <a:p>
+            <a:r>
+              <a:rPr lang="en-US" dirty="0"/>
+              <a:t>Context-free Grammars re-interpreted as recursive equations</a:t>
+            </a:r>
+          </a:p>
+          <a:p>
+            <a:pPr lvl="1"/>
+            <a:r>
+              <a:rPr lang="en-US" dirty="0"/>
+              <a:t>S -&gt; </a:t>
+            </a:r>
+            <a:r>
+              <a:rPr lang="en-US" dirty="0" err="1"/>
+              <a:t>aSbS</a:t>
+            </a:r>
+            <a:r>
+              <a:rPr lang="en-US" dirty="0"/>
+              <a:t> | </a:t>
+            </a:r>
+            <a:r>
+              <a:rPr lang="en-US" dirty="0" err="1"/>
+              <a:t>bSaS</a:t>
+            </a:r>
+            <a:r>
+              <a:rPr lang="en-US" dirty="0"/>
+              <a:t> | epsilon  </a:t>
+            </a:r>
+          </a:p>
+          <a:p>
+            <a:pPr lvl="1"/>
+            <a:r>
+              <a:rPr lang="en-US" dirty="0"/>
+              <a:t>Solve the recursive language equation</a:t>
+            </a:r>
+          </a:p>
+          <a:p>
+            <a:pPr lvl="1"/>
+            <a:endParaRPr lang="en-US" dirty="0"/>
+          </a:p>
+          <a:p>
+            <a:r>
+              <a:rPr lang="en-US" dirty="0"/>
+              <a:t>L_S = {a} L_S {b} L_S  U  {b} L_S {a} L_S  U {e}</a:t>
+            </a:r>
+          </a:p>
+          <a:p>
+            <a:pPr marL="0" indent="0">
+              <a:buNone/>
+            </a:pPr>
+            <a:endParaRPr lang="en-US" dirty="0"/>
+          </a:p>
+          <a:p>
+            <a:pPr lvl="1"/>
+            <a:endParaRPr lang="en-US" dirty="0"/>
+          </a:p>
+        </p:txBody>
+      </p:sp>
+    </p:spTree>
+    <p:extLst>
+      <p:ext uri="{BB962C8B-B14F-4D97-AF65-F5344CB8AC3E}">
+        <p14:creationId xmlns:p14="http://schemas.microsoft.com/office/powerpoint/2010/main" val="1297711767"/>
+      </p:ext>
+    </p:extLst>
+  </p:cSld>
+  <p:clrMapOvr>
+    <a:masterClrMapping/>
+  </p:clrMapOvr>
+</p:sld>
+</file>
+
+<file path=ppt/slides/slide22.xml><?xml version="1.0" encoding="utf-8"?>
+<p:sld xmlns:a="http://schemas.openxmlformats.org/drawingml/2006/main" xmlns:r="http://schemas.openxmlformats.org/officeDocument/2006/relationships" xmlns:p="http://schemas.openxmlformats.org/presentationml/2006/main">
+  <p:cSld>
+    <p:spTree>
+      <p:nvGrpSpPr>
+        <p:cNvPr id="1" name=""/>
+        <p:cNvGrpSpPr/>
+        <p:nvPr/>
+      </p:nvGrpSpPr>
+      <p:grpSpPr>
+        <a:xfrm>
+          <a:off x="0" y="0"/>
+          <a:ext cx="0" cy="0"/>
+          <a:chOff x="0" y="0"/>
+          <a:chExt cx="0" cy="0"/>
+        </a:xfrm>
+      </p:grpSpPr>
+      <p:sp>
+        <p:nvSpPr>
+          <p:cNvPr id="2" name="Title 1">
+            <a:extLst>
+              <a:ext uri="{FF2B5EF4-FFF2-40B4-BE49-F238E27FC236}">
+                <a16:creationId xmlns:a16="http://schemas.microsoft.com/office/drawing/2014/main" id="{5548C101-1BE6-B342-B74F-1C9EF1DDAC81}"/>
+              </a:ext>
+            </a:extLst>
+          </p:cNvPr>
+          <p:cNvSpPr>
+            <a:spLocks noGrp="1"/>
+          </p:cNvSpPr>
+          <p:nvPr>
+            <p:ph type="title"/>
+          </p:nvPr>
+        </p:nvSpPr>
+        <p:spPr/>
+        <p:txBody>
+          <a:bodyPr>
+            <a:normAutofit fontScale="90000"/>
+          </a:bodyPr>
+          <a:lstStyle/>
+          <a:p>
+            <a:r>
+              <a:rPr lang="en-US" dirty="0"/>
+              <a:t>Fixpoint Theory to Explain CFGs</a:t>
+            </a:r>
+          </a:p>
+        </p:txBody>
+      </p:sp>
+      <p:sp>
+        <p:nvSpPr>
+          <p:cNvPr id="3" name="Content Placeholder 2">
+            <a:extLst>
+              <a:ext uri="{FF2B5EF4-FFF2-40B4-BE49-F238E27FC236}">
+                <a16:creationId xmlns:a16="http://schemas.microsoft.com/office/drawing/2014/main" id="{905744E2-6782-DE42-B7EB-6EC81E7C9C2B}"/>
+              </a:ext>
+            </a:extLst>
+          </p:cNvPr>
+          <p:cNvSpPr>
+            <a:spLocks noGrp="1"/>
+          </p:cNvSpPr>
+          <p:nvPr>
+            <p:ph idx="1"/>
+          </p:nvPr>
+        </p:nvSpPr>
+        <p:spPr/>
+        <p:txBody>
+          <a:bodyPr>
+            <a:normAutofit/>
+          </a:bodyPr>
+          <a:lstStyle/>
+          <a:p>
+            <a:r>
+              <a:rPr lang="en-US" dirty="0"/>
+              <a:t>Context-free Grammars re-interpreted as recursive equations</a:t>
+            </a:r>
+          </a:p>
+          <a:p>
+            <a:pPr lvl="1"/>
+            <a:r>
+              <a:rPr lang="en-US" dirty="0"/>
+              <a:t>S -&gt; </a:t>
+            </a:r>
+            <a:r>
+              <a:rPr lang="en-US" dirty="0" err="1"/>
+              <a:t>aSbS</a:t>
+            </a:r>
+            <a:r>
+              <a:rPr lang="en-US" dirty="0"/>
+              <a:t> | </a:t>
+            </a:r>
+            <a:r>
+              <a:rPr lang="en-US" dirty="0" err="1"/>
+              <a:t>bSaS</a:t>
+            </a:r>
+            <a:r>
+              <a:rPr lang="en-US" dirty="0"/>
+              <a:t> | epsilon  </a:t>
+            </a:r>
+          </a:p>
+          <a:p>
+            <a:pPr lvl="1"/>
+            <a:r>
+              <a:rPr lang="en-US" dirty="0"/>
+              <a:t>Solve the recursive language equation</a:t>
+            </a:r>
+          </a:p>
+          <a:p>
+            <a:pPr lvl="1"/>
+            <a:endParaRPr lang="en-US" dirty="0"/>
+          </a:p>
+          <a:p>
+            <a:r>
+              <a:rPr lang="en-US" dirty="0"/>
+              <a:t>L_S = {a} L_S {b} L_S  U  {b} L_S {a} L_S  U {e}</a:t>
+            </a:r>
+          </a:p>
+          <a:p>
+            <a:endParaRPr lang="en-US" dirty="0"/>
+          </a:p>
+          <a:p>
+            <a:r>
+              <a:rPr lang="en-US" dirty="0"/>
+              <a:t>What do we get when we iterate from L_S = {}  “upwards” ?</a:t>
+            </a:r>
+          </a:p>
+          <a:p>
+            <a:pPr marL="0" indent="0">
+              <a:buNone/>
+            </a:pPr>
+            <a:endParaRPr lang="en-US" dirty="0"/>
+          </a:p>
+          <a:p>
+            <a:pPr lvl="1"/>
+            <a:endParaRPr lang="en-US" dirty="0"/>
+          </a:p>
+        </p:txBody>
+      </p:sp>
+    </p:spTree>
+    <p:extLst>
+      <p:ext uri="{BB962C8B-B14F-4D97-AF65-F5344CB8AC3E}">
+        <p14:creationId xmlns:p14="http://schemas.microsoft.com/office/powerpoint/2010/main" val="937737704"/>
+      </p:ext>
+    </p:extLst>
+  </p:cSld>
+  <p:clrMapOvr>
+    <a:masterClrMapping/>
+  </p:clrMapOvr>
+</p:sld>
+</file>
+
+<file path=ppt/slides/slide23.xml><?xml version="1.0" encoding="utf-8"?>
+<p:sld xmlns:a="http://schemas.openxmlformats.org/drawingml/2006/main" xmlns:r="http://schemas.openxmlformats.org/officeDocument/2006/relationships" xmlns:p="http://schemas.openxmlformats.org/presentationml/2006/main">
+  <p:cSld>
+    <p:spTree>
+      <p:nvGrpSpPr>
+        <p:cNvPr id="1" name=""/>
+        <p:cNvGrpSpPr/>
+        <p:nvPr/>
+      </p:nvGrpSpPr>
+      <p:grpSpPr>
+        <a:xfrm>
+          <a:off x="0" y="0"/>
+          <a:ext cx="0" cy="0"/>
+          <a:chOff x="0" y="0"/>
+          <a:chExt cx="0" cy="0"/>
+        </a:xfrm>
+      </p:grpSpPr>
+      <p:sp>
+        <p:nvSpPr>
+          <p:cNvPr id="2" name="Title 1">
+            <a:extLst>
+              <a:ext uri="{FF2B5EF4-FFF2-40B4-BE49-F238E27FC236}">
+                <a16:creationId xmlns:a16="http://schemas.microsoft.com/office/drawing/2014/main" id="{5548C101-1BE6-B342-B74F-1C9EF1DDAC81}"/>
+              </a:ext>
+            </a:extLst>
+          </p:cNvPr>
+          <p:cNvSpPr>
+            <a:spLocks noGrp="1"/>
+          </p:cNvSpPr>
+          <p:nvPr>
+            <p:ph type="title"/>
+          </p:nvPr>
+        </p:nvSpPr>
+        <p:spPr/>
+        <p:txBody>
+          <a:bodyPr>
+            <a:normAutofit fontScale="90000"/>
+          </a:bodyPr>
+          <a:lstStyle/>
+          <a:p>
+            <a:r>
+              <a:rPr lang="en-US" dirty="0"/>
+              <a:t>Fixpoint Theory to Explain CFGs</a:t>
+            </a:r>
+          </a:p>
+        </p:txBody>
+      </p:sp>
+      <p:sp>
+        <p:nvSpPr>
+          <p:cNvPr id="3" name="Content Placeholder 2">
+            <a:extLst>
+              <a:ext uri="{FF2B5EF4-FFF2-40B4-BE49-F238E27FC236}">
+                <a16:creationId xmlns:a16="http://schemas.microsoft.com/office/drawing/2014/main" id="{905744E2-6782-DE42-B7EB-6EC81E7C9C2B}"/>
+              </a:ext>
+            </a:extLst>
+          </p:cNvPr>
+          <p:cNvSpPr>
+            <a:spLocks noGrp="1"/>
+          </p:cNvSpPr>
+          <p:nvPr>
+            <p:ph idx="1"/>
+          </p:nvPr>
+        </p:nvSpPr>
+        <p:spPr/>
+        <p:txBody>
+          <a:bodyPr>
+            <a:normAutofit/>
+          </a:bodyPr>
+          <a:lstStyle/>
+          <a:p>
+            <a:r>
+              <a:rPr lang="en-US" dirty="0"/>
+              <a:t>Context-free Grammars re-interpreted as recursive equations</a:t>
+            </a:r>
+          </a:p>
+          <a:p>
+            <a:pPr lvl="1"/>
+            <a:r>
+              <a:rPr lang="en-US" dirty="0"/>
+              <a:t>S -&gt; </a:t>
+            </a:r>
+            <a:r>
+              <a:rPr lang="en-US" dirty="0" err="1"/>
+              <a:t>aSbS</a:t>
+            </a:r>
+            <a:r>
+              <a:rPr lang="en-US" dirty="0"/>
+              <a:t> | </a:t>
+            </a:r>
+            <a:r>
+              <a:rPr lang="en-US" dirty="0" err="1"/>
+              <a:t>bSaS</a:t>
+            </a:r>
+            <a:r>
+              <a:rPr lang="en-US" dirty="0"/>
+              <a:t> | SS | epsilon </a:t>
+            </a:r>
+          </a:p>
+          <a:p>
+            <a:pPr lvl="1"/>
+            <a:endParaRPr lang="en-US" dirty="0"/>
+          </a:p>
+          <a:p>
+            <a:r>
+              <a:rPr lang="en-US" dirty="0"/>
+              <a:t>L_S = {a} L_S {b} L_S  U  {b} L_S {a} L_S  U {e}  U  L_S L_S</a:t>
+            </a:r>
+          </a:p>
+          <a:p>
+            <a:pPr lvl="1"/>
+            <a:endParaRPr lang="en-US" dirty="0"/>
+          </a:p>
+          <a:p>
+            <a:endParaRPr lang="en-US" dirty="0"/>
+          </a:p>
+          <a:p>
+            <a:pPr marL="457200" lvl="1" indent="0">
+              <a:buNone/>
+            </a:pPr>
+            <a:endParaRPr lang="en-US" dirty="0"/>
+          </a:p>
+          <a:p>
+            <a:pPr lvl="1"/>
+            <a:endParaRPr lang="en-US" dirty="0"/>
+          </a:p>
+        </p:txBody>
+      </p:sp>
+    </p:spTree>
+    <p:extLst>
+      <p:ext uri="{BB962C8B-B14F-4D97-AF65-F5344CB8AC3E}">
+        <p14:creationId xmlns:p14="http://schemas.microsoft.com/office/powerpoint/2010/main" val="1139540920"/>
+      </p:ext>
+    </p:extLst>
+  </p:cSld>
+  <p:clrMapOvr>
+    <a:masterClrMapping/>
+  </p:clrMapOvr>
+</p:sld>
+</file>
+
+<file path=ppt/slides/slide24.xml><?xml version="1.0" encoding="utf-8"?>
+<p:sld xmlns:a="http://schemas.openxmlformats.org/drawingml/2006/main" xmlns:r="http://schemas.openxmlformats.org/officeDocument/2006/relationships" xmlns:p="http://schemas.openxmlformats.org/presentationml/2006/main">
+  <p:cSld>
+    <p:spTree>
+      <p:nvGrpSpPr>
+        <p:cNvPr id="1" name=""/>
+        <p:cNvGrpSpPr/>
+        <p:nvPr/>
+      </p:nvGrpSpPr>
+      <p:grpSpPr>
+        <a:xfrm>
+          <a:off x="0" y="0"/>
+          <a:ext cx="0" cy="0"/>
+          <a:chOff x="0" y="0"/>
+          <a:chExt cx="0" cy="0"/>
+        </a:xfrm>
+      </p:grpSpPr>
+      <p:sp>
+        <p:nvSpPr>
+          <p:cNvPr id="2" name="Title 1">
+            <a:extLst>
+              <a:ext uri="{FF2B5EF4-FFF2-40B4-BE49-F238E27FC236}">
+                <a16:creationId xmlns:a16="http://schemas.microsoft.com/office/drawing/2014/main" id="{5548C101-1BE6-B342-B74F-1C9EF1DDAC81}"/>
+              </a:ext>
+            </a:extLst>
+          </p:cNvPr>
+          <p:cNvSpPr>
+            <a:spLocks noGrp="1"/>
+          </p:cNvSpPr>
+          <p:nvPr>
+            <p:ph type="title"/>
+          </p:nvPr>
+        </p:nvSpPr>
+        <p:spPr/>
+        <p:txBody>
+          <a:bodyPr>
+            <a:normAutofit fontScale="90000"/>
+          </a:bodyPr>
+          <a:lstStyle/>
+          <a:p>
+            <a:r>
+              <a:rPr lang="en-US" dirty="0"/>
+              <a:t>Fixpoint Theory to Explain CFGs</a:t>
+            </a:r>
+          </a:p>
+        </p:txBody>
+      </p:sp>
+      <p:sp>
+        <p:nvSpPr>
+          <p:cNvPr id="3" name="Content Placeholder 2">
+            <a:extLst>
+              <a:ext uri="{FF2B5EF4-FFF2-40B4-BE49-F238E27FC236}">
+                <a16:creationId xmlns:a16="http://schemas.microsoft.com/office/drawing/2014/main" id="{905744E2-6782-DE42-B7EB-6EC81E7C9C2B}"/>
+              </a:ext>
+            </a:extLst>
+          </p:cNvPr>
+          <p:cNvSpPr>
+            <a:spLocks noGrp="1"/>
+          </p:cNvSpPr>
+          <p:nvPr>
+            <p:ph idx="1"/>
+          </p:nvPr>
+        </p:nvSpPr>
+        <p:spPr/>
+        <p:txBody>
+          <a:bodyPr>
+            <a:normAutofit/>
+          </a:bodyPr>
+          <a:lstStyle/>
+          <a:p>
+            <a:r>
+              <a:rPr lang="en-US" dirty="0"/>
+              <a:t>Context-free Grammars re-interpreted as recursive equations</a:t>
+            </a:r>
+          </a:p>
+          <a:p>
+            <a:pPr lvl="1"/>
+            <a:r>
+              <a:rPr lang="en-US" dirty="0"/>
+              <a:t>S -&gt; </a:t>
+            </a:r>
+            <a:r>
+              <a:rPr lang="en-US" dirty="0" err="1"/>
+              <a:t>aSbS</a:t>
+            </a:r>
+            <a:r>
+              <a:rPr lang="en-US" dirty="0"/>
+              <a:t> | </a:t>
+            </a:r>
+            <a:r>
+              <a:rPr lang="en-US" dirty="0" err="1"/>
+              <a:t>bSaS</a:t>
+            </a:r>
+            <a:r>
+              <a:rPr lang="en-US" dirty="0"/>
+              <a:t> | SS | epsilon </a:t>
+            </a:r>
+          </a:p>
+          <a:p>
+            <a:pPr lvl="1"/>
+            <a:endParaRPr lang="en-US" dirty="0"/>
+          </a:p>
+          <a:p>
+            <a:r>
+              <a:rPr lang="en-US" dirty="0"/>
+              <a:t>L_S = {a} L_S {b} L_S  U  {b} L_S {a} L_S  U {e}  U  L_S L_S</a:t>
+            </a:r>
+          </a:p>
+          <a:p>
+            <a:endParaRPr lang="en-US" dirty="0"/>
+          </a:p>
+          <a:p>
+            <a:r>
+              <a:rPr lang="en-US" dirty="0"/>
+              <a:t>Are there 2 fixpoints? Which is found using iteration using {} as the bottom (going up)?</a:t>
+            </a:r>
+          </a:p>
+          <a:p>
+            <a:pPr lvl="1"/>
+            <a:endParaRPr lang="en-US" dirty="0"/>
+          </a:p>
+          <a:p>
+            <a:endParaRPr lang="en-US" dirty="0"/>
+          </a:p>
+          <a:p>
+            <a:pPr marL="457200" lvl="1" indent="0">
+              <a:buNone/>
+            </a:pPr>
+            <a:endParaRPr lang="en-US" dirty="0"/>
+          </a:p>
+          <a:p>
+            <a:pPr lvl="1"/>
+            <a:endParaRPr lang="en-US" dirty="0"/>
+          </a:p>
+        </p:txBody>
+      </p:sp>
+    </p:spTree>
+    <p:extLst>
+      <p:ext uri="{BB962C8B-B14F-4D97-AF65-F5344CB8AC3E}">
+        <p14:creationId xmlns:p14="http://schemas.microsoft.com/office/powerpoint/2010/main" val="58073631"/>
+      </p:ext>
+    </p:extLst>
+  </p:cSld>
+  <p:clrMapOvr>
+    <a:masterClrMapping/>
+  </p:clrMapOvr>
+</p:sld>
+</file>
+
+<file path=ppt/slides/slide25.xml><?xml version="1.0" encoding="utf-8"?>
+<p:sld xmlns:a="http://schemas.openxmlformats.org/drawingml/2006/main" xmlns:r="http://schemas.openxmlformats.org/officeDocument/2006/relationships" xmlns:p="http://schemas.openxmlformats.org/presentationml/2006/main">
+  <p:cSld>
+    <p:spTree>
+      <p:nvGrpSpPr>
+        <p:cNvPr id="1" name=""/>
+        <p:cNvGrpSpPr/>
+        <p:nvPr/>
+      </p:nvGrpSpPr>
+      <p:grpSpPr>
+        <a:xfrm>
+          <a:off x="0" y="0"/>
+          <a:ext cx="0" cy="0"/>
+          <a:chOff x="0" y="0"/>
+          <a:chExt cx="0" cy="0"/>
+        </a:xfrm>
+      </p:grpSpPr>
+      <p:sp>
+        <p:nvSpPr>
+          <p:cNvPr id="2" name="Title 1">
+            <a:extLst>
+              <a:ext uri="{FF2B5EF4-FFF2-40B4-BE49-F238E27FC236}">
+                <a16:creationId xmlns:a16="http://schemas.microsoft.com/office/drawing/2014/main" id="{5548C101-1BE6-B342-B74F-1C9EF1DDAC81}"/>
+              </a:ext>
+            </a:extLst>
+          </p:cNvPr>
+          <p:cNvSpPr>
+            <a:spLocks noGrp="1"/>
+          </p:cNvSpPr>
+          <p:nvPr>
+            <p:ph type="title"/>
+          </p:nvPr>
+        </p:nvSpPr>
+        <p:spPr/>
+        <p:txBody>
+          <a:bodyPr>
+            <a:normAutofit fontScale="90000"/>
+          </a:bodyPr>
+          <a:lstStyle/>
+          <a:p>
+            <a:r>
+              <a:rPr lang="en-US" dirty="0"/>
+              <a:t>Fixpoint Theory to Explain CFGs</a:t>
+            </a:r>
+          </a:p>
+        </p:txBody>
+      </p:sp>
+      <p:sp>
+        <p:nvSpPr>
+          <p:cNvPr id="3" name="Content Placeholder 2">
+            <a:extLst>
+              <a:ext uri="{FF2B5EF4-FFF2-40B4-BE49-F238E27FC236}">
+                <a16:creationId xmlns:a16="http://schemas.microsoft.com/office/drawing/2014/main" id="{905744E2-6782-DE42-B7EB-6EC81E7C9C2B}"/>
+              </a:ext>
+            </a:extLst>
+          </p:cNvPr>
+          <p:cNvSpPr>
+            <a:spLocks noGrp="1"/>
+          </p:cNvSpPr>
+          <p:nvPr>
+            <p:ph idx="1"/>
+          </p:nvPr>
+        </p:nvSpPr>
+        <p:spPr/>
+        <p:txBody>
+          <a:bodyPr>
+            <a:normAutofit/>
+          </a:bodyPr>
+          <a:lstStyle/>
+          <a:p>
+            <a:r>
+              <a:rPr lang="en-US" dirty="0"/>
+              <a:t>Then discuss the system</a:t>
+            </a:r>
+          </a:p>
+          <a:p>
+            <a:pPr lvl="1"/>
+            <a:r>
+              <a:rPr lang="en-US" dirty="0"/>
+              <a:t>S -&gt; epsilon | ( W S</a:t>
+            </a:r>
+          </a:p>
+          <a:p>
+            <a:pPr lvl="1"/>
+            <a:r>
+              <a:rPr lang="en-US" dirty="0"/>
+              <a:t>W -&gt; ( W W | )</a:t>
+            </a:r>
+          </a:p>
+          <a:p>
+            <a:pPr lvl="1"/>
+            <a:endParaRPr lang="en-US" dirty="0"/>
+          </a:p>
+          <a:p>
+            <a:r>
+              <a:rPr lang="en-US" dirty="0"/>
+              <a:t>Solve</a:t>
+            </a:r>
+          </a:p>
+          <a:p>
+            <a:r>
+              <a:rPr lang="en-US" dirty="0"/>
+              <a:t>(L_S, L_W) = </a:t>
+            </a:r>
+            <a:r>
+              <a:rPr lang="en-US" dirty="0">
+                <a:solidFill>
+                  <a:srgbClr val="0F4F97"/>
+                </a:solidFill>
+              </a:rPr>
+              <a:t>(</a:t>
+            </a:r>
+            <a:r>
+              <a:rPr lang="en-US" dirty="0"/>
+              <a:t>   {e} U {(} L_W L_S   ,   {(} L_W  L_W   U  {)}  </a:t>
+            </a:r>
+            <a:r>
+              <a:rPr lang="en-US" dirty="0">
+                <a:solidFill>
+                  <a:srgbClr val="0F4F97"/>
+                </a:solidFill>
+              </a:rPr>
+              <a:t>)</a:t>
+            </a:r>
+          </a:p>
+          <a:p>
+            <a:pPr lvl="1"/>
+            <a:endParaRPr lang="en-US" dirty="0"/>
+          </a:p>
+          <a:p>
+            <a:pPr lvl="1"/>
+            <a:endParaRPr lang="en-US" dirty="0"/>
+          </a:p>
+        </p:txBody>
+      </p:sp>
+    </p:spTree>
+    <p:extLst>
+      <p:ext uri="{BB962C8B-B14F-4D97-AF65-F5344CB8AC3E}">
+        <p14:creationId xmlns:p14="http://schemas.microsoft.com/office/powerpoint/2010/main" val="3612620117"/>
+      </p:ext>
+    </p:extLst>
+  </p:cSld>
+  <p:clrMapOvr>
+    <a:masterClrMapping/>
+  </p:clrMapOvr>
+</p:sld>
+</file>
+
+<file path=ppt/slides/slide26.xml><?xml version="1.0" encoding="utf-8"?>
+<p:sld xmlns:a="http://schemas.openxmlformats.org/drawingml/2006/main" xmlns:r="http://schemas.openxmlformats.org/officeDocument/2006/relationships" xmlns:p="http://schemas.openxmlformats.org/presentationml/2006/main">
+  <p:cSld>
+    <p:spTree>
+      <p:nvGrpSpPr>
+        <p:cNvPr id="1" name=""/>
+        <p:cNvGrpSpPr/>
+        <p:nvPr/>
+      </p:nvGrpSpPr>
+      <p:grpSpPr>
+        <a:xfrm>
+          <a:off x="0" y="0"/>
+          <a:ext cx="0" cy="0"/>
+          <a:chOff x="0" y="0"/>
+          <a:chExt cx="0" cy="0"/>
+        </a:xfrm>
+      </p:grpSpPr>
+      <p:sp>
+        <p:nvSpPr>
+          <p:cNvPr id="2" name="Title 1">
+            <a:extLst>
+              <a:ext uri="{FF2B5EF4-FFF2-40B4-BE49-F238E27FC236}">
+                <a16:creationId xmlns:a16="http://schemas.microsoft.com/office/drawing/2014/main" id="{5548C101-1BE6-B342-B74F-1C9EF1DDAC81}"/>
+              </a:ext>
+            </a:extLst>
+          </p:cNvPr>
+          <p:cNvSpPr>
+            <a:spLocks noGrp="1"/>
+          </p:cNvSpPr>
+          <p:nvPr>
+            <p:ph type="title"/>
+          </p:nvPr>
+        </p:nvSpPr>
+        <p:spPr/>
+        <p:txBody>
+          <a:bodyPr>
+            <a:normAutofit fontScale="90000"/>
+          </a:bodyPr>
+          <a:lstStyle/>
+          <a:p>
+            <a:r>
+              <a:rPr lang="en-US" dirty="0"/>
+              <a:t>Fixpoint Theory to Explain CFGs</a:t>
+            </a:r>
+          </a:p>
+        </p:txBody>
+      </p:sp>
+      <p:sp>
+        <p:nvSpPr>
+          <p:cNvPr id="3" name="Content Placeholder 2">
+            <a:extLst>
+              <a:ext uri="{FF2B5EF4-FFF2-40B4-BE49-F238E27FC236}">
+                <a16:creationId xmlns:a16="http://schemas.microsoft.com/office/drawing/2014/main" id="{905744E2-6782-DE42-B7EB-6EC81E7C9C2B}"/>
+              </a:ext>
+            </a:extLst>
+          </p:cNvPr>
+          <p:cNvSpPr>
+            <a:spLocks noGrp="1"/>
+          </p:cNvSpPr>
+          <p:nvPr>
+            <p:ph idx="1"/>
+          </p:nvPr>
+        </p:nvSpPr>
+        <p:spPr/>
+        <p:txBody>
+          <a:bodyPr>
+            <a:normAutofit/>
+          </a:bodyPr>
+          <a:lstStyle/>
+          <a:p>
+            <a:r>
+              <a:rPr lang="en-US" dirty="0"/>
+              <a:t>Then discuss the system</a:t>
+            </a:r>
+          </a:p>
+          <a:p>
+            <a:pPr lvl="1"/>
+            <a:r>
+              <a:rPr lang="en-US" dirty="0"/>
+              <a:t>S -&gt; epsilon | ( W S</a:t>
+            </a:r>
+          </a:p>
+          <a:p>
+            <a:pPr lvl="1"/>
+            <a:r>
+              <a:rPr lang="en-US" dirty="0"/>
+              <a:t>W -&gt; ( W W | )</a:t>
+            </a:r>
+          </a:p>
+          <a:p>
+            <a:pPr lvl="1"/>
+            <a:endParaRPr lang="en-US" dirty="0"/>
+          </a:p>
+          <a:p>
+            <a:r>
+              <a:rPr lang="en-US" dirty="0"/>
+              <a:t>Solve</a:t>
+            </a:r>
+          </a:p>
+          <a:p>
+            <a:r>
+              <a:rPr lang="en-US" dirty="0"/>
+              <a:t>(L_S, L_W) = </a:t>
+            </a:r>
+            <a:r>
+              <a:rPr lang="en-US" dirty="0">
+                <a:solidFill>
+                  <a:srgbClr val="0F4F97"/>
+                </a:solidFill>
+              </a:rPr>
+              <a:t>(</a:t>
+            </a:r>
+            <a:r>
+              <a:rPr lang="en-US" dirty="0"/>
+              <a:t>   {e} U {(} L_W L_S   ,   {(} L_W  L_W   U  {)}  </a:t>
+            </a:r>
+            <a:r>
+              <a:rPr lang="en-US" dirty="0">
+                <a:solidFill>
+                  <a:srgbClr val="0F4F97"/>
+                </a:solidFill>
+              </a:rPr>
+              <a:t>)</a:t>
+            </a:r>
+          </a:p>
+          <a:p>
+            <a:endParaRPr lang="en-US" dirty="0">
+              <a:solidFill>
+                <a:srgbClr val="0F4F97"/>
+              </a:solidFill>
+            </a:endParaRPr>
+          </a:p>
+          <a:p>
+            <a:r>
+              <a:rPr lang="en-US" dirty="0">
+                <a:solidFill>
+                  <a:srgbClr val="0F4F97"/>
+                </a:solidFill>
+              </a:rPr>
+              <a:t>What fixpoint obtained by iterating up from ({} , {})  ?</a:t>
+            </a:r>
+          </a:p>
+          <a:p>
+            <a:r>
+              <a:rPr lang="en-US" dirty="0">
+                <a:solidFill>
+                  <a:srgbClr val="0F4F97"/>
+                </a:solidFill>
+              </a:rPr>
+              <a:t>What is the lattice ordering?</a:t>
+            </a:r>
+          </a:p>
+          <a:p>
+            <a:pPr lvl="1"/>
+            <a:endParaRPr lang="en-US" dirty="0"/>
+          </a:p>
+          <a:p>
+            <a:pPr lvl="1"/>
+            <a:endParaRPr lang="en-US" dirty="0"/>
+          </a:p>
+        </p:txBody>
+      </p:sp>
+    </p:spTree>
+    <p:extLst>
+      <p:ext uri="{BB962C8B-B14F-4D97-AF65-F5344CB8AC3E}">
+        <p14:creationId xmlns:p14="http://schemas.microsoft.com/office/powerpoint/2010/main" val="4213971796"/>
+      </p:ext>
+    </p:extLst>
+  </p:cSld>
+  <p:clrMapOvr>
+    <a:masterClrMapping/>
+  </p:clrMapOvr>
+</p:sld>
+</file>
+
+<file path=ppt/slides/slide27.xml><?xml version="1.0" encoding="utf-8"?>
+<p:sld xmlns:a="http://schemas.openxmlformats.org/drawingml/2006/main" xmlns:r="http://schemas.openxmlformats.org/officeDocument/2006/relationships" xmlns:p="http://schemas.openxmlformats.org/presentationml/2006/main">
+  <p:cSld>
+    <p:spTree>
+      <p:nvGrpSpPr>
+        <p:cNvPr id="1" name=""/>
+        <p:cNvGrpSpPr/>
+        <p:nvPr/>
+      </p:nvGrpSpPr>
+      <p:grpSpPr>
+        <a:xfrm>
+          <a:off x="0" y="0"/>
+          <a:ext cx="0" cy="0"/>
+          <a:chOff x="0" y="0"/>
+          <a:chExt cx="0" cy="0"/>
+        </a:xfrm>
+      </p:grpSpPr>
+      <p:sp>
+        <p:nvSpPr>
+          <p:cNvPr id="2" name="Title 1">
+            <a:extLst>
+              <a:ext uri="{FF2B5EF4-FFF2-40B4-BE49-F238E27FC236}">
+                <a16:creationId xmlns:a16="http://schemas.microsoft.com/office/drawing/2014/main" id="{066F26C0-23E2-F14D-8605-D3A28485A13F}"/>
+              </a:ext>
+            </a:extLst>
+          </p:cNvPr>
+          <p:cNvSpPr>
+            <a:spLocks noGrp="1"/>
+          </p:cNvSpPr>
+          <p:nvPr>
+            <p:ph type="title"/>
+          </p:nvPr>
+        </p:nvSpPr>
+        <p:spPr>
+          <a:xfrm>
+            <a:off x="0" y="-1"/>
+            <a:ext cx="11438021" cy="515519"/>
+          </a:xfrm>
+        </p:spPr>
+        <p:txBody>
+          <a:bodyPr vert="horz" lIns="91440" tIns="45720" rIns="91440" bIns="45720" rtlCol="0" anchor="ctr">
+            <a:normAutofit/>
+          </a:bodyPr>
+          <a:lstStyle/>
+          <a:p>
+            <a:r>
+              <a:rPr lang="en-US" sz="2400" kern="1200" dirty="0">
+                <a:solidFill>
+                  <a:schemeClr val="tx1"/>
+                </a:solidFill>
+                <a:latin typeface="+mj-lt"/>
+                <a:ea typeface="+mj-ea"/>
+                <a:cs typeface="+mj-cs"/>
+              </a:rPr>
+              <a:t>Fixpoint Theory to understand Recursion</a:t>
+            </a:r>
+          </a:p>
+        </p:txBody>
+      </p:sp>
+      <p:pic>
+        <p:nvPicPr>
+          <p:cNvPr id="4" name="Picture 3" descr="Diagram&#10;&#10;Description automatically generated with medium confidence">
+            <a:extLst>
+              <a:ext uri="{FF2B5EF4-FFF2-40B4-BE49-F238E27FC236}">
+                <a16:creationId xmlns:a16="http://schemas.microsoft.com/office/drawing/2014/main" id="{488AB08F-8DB9-354D-971D-B7FC860761EF}"/>
+              </a:ext>
+            </a:extLst>
+          </p:cNvPr>
+          <p:cNvPicPr>
+            <a:picLocks noChangeAspect="1"/>
+          </p:cNvPicPr>
+          <p:nvPr/>
+        </p:nvPicPr>
+        <p:blipFill>
+          <a:blip r:embed="rId2"/>
+          <a:stretch>
+            <a:fillRect/>
+          </a:stretch>
+        </p:blipFill>
+        <p:spPr>
+          <a:xfrm>
+            <a:off x="0" y="515518"/>
+            <a:ext cx="12192000" cy="1705970"/>
+          </a:xfrm>
+          <a:prstGeom prst="rect">
+            <a:avLst/>
+          </a:prstGeom>
+        </p:spPr>
+      </p:pic>
+      <p:pic>
+        <p:nvPicPr>
+          <p:cNvPr id="7" name="Picture 6" descr="Text, letter&#10;&#10;Description automatically generated">
+            <a:extLst>
+              <a:ext uri="{FF2B5EF4-FFF2-40B4-BE49-F238E27FC236}">
+                <a16:creationId xmlns:a16="http://schemas.microsoft.com/office/drawing/2014/main" id="{165979BC-E799-0D48-B617-C0F5DBB36146}"/>
+              </a:ext>
+            </a:extLst>
+          </p:cNvPr>
+          <p:cNvPicPr>
+            <a:picLocks noChangeAspect="1"/>
+          </p:cNvPicPr>
+          <p:nvPr/>
+        </p:nvPicPr>
+        <p:blipFill>
+          <a:blip r:embed="rId3"/>
+          <a:stretch>
+            <a:fillRect/>
+          </a:stretch>
+        </p:blipFill>
+        <p:spPr>
+          <a:xfrm>
+            <a:off x="635086" y="2027286"/>
+            <a:ext cx="10167848" cy="1584600"/>
+          </a:xfrm>
+          <a:prstGeom prst="rect">
+            <a:avLst/>
+          </a:prstGeom>
+        </p:spPr>
+      </p:pic>
+      <p:sp>
+        <p:nvSpPr>
+          <p:cNvPr id="8" name="TextBox 7">
+            <a:extLst>
+              <a:ext uri="{FF2B5EF4-FFF2-40B4-BE49-F238E27FC236}">
+                <a16:creationId xmlns:a16="http://schemas.microsoft.com/office/drawing/2014/main" id="{C34B177A-A849-D74F-B82F-BF36CF921F7D}"/>
+              </a:ext>
+            </a:extLst>
+          </p:cNvPr>
+          <p:cNvSpPr txBox="1"/>
+          <p:nvPr/>
+        </p:nvSpPr>
+        <p:spPr>
+          <a:xfrm>
+            <a:off x="1398494" y="3579057"/>
+            <a:ext cx="10167848" cy="3139321"/>
+          </a:xfrm>
+          <a:prstGeom prst="rect">
+            <a:avLst/>
+          </a:prstGeom>
+          <a:noFill/>
+        </p:spPr>
+        <p:txBody>
+          <a:bodyPr wrap="none" rtlCol="0">
+            <a:spAutoFit/>
+          </a:bodyPr>
+          <a:lstStyle/>
+          <a:p>
+            <a:r>
+              <a:rPr lang="en-US" dirty="0"/>
+              <a:t>Function f3 corresponds to  </a:t>
+            </a:r>
+            <a:r>
+              <a:rPr lang="en-US" dirty="0" err="1"/>
+              <a:t>lim_i</a:t>
+            </a:r>
+            <a:r>
+              <a:rPr lang="en-US" dirty="0"/>
+              <a:t> { </a:t>
+            </a:r>
+            <a:r>
+              <a:rPr lang="en-US" dirty="0" err="1"/>
+              <a:t>Tau^i</a:t>
+            </a:r>
+            <a:r>
+              <a:rPr lang="en-US" dirty="0"/>
+              <a:t> [ </a:t>
+            </a:r>
+            <a:r>
+              <a:rPr lang="en-US" dirty="0" err="1"/>
+              <a:t>Bottom_fn</a:t>
+            </a:r>
+            <a:r>
+              <a:rPr lang="en-US" dirty="0"/>
+              <a:t> ] }</a:t>
+            </a:r>
+          </a:p>
+          <a:p>
+            <a:endParaRPr lang="en-US" dirty="0"/>
+          </a:p>
+          <a:p>
+            <a:r>
+              <a:rPr lang="en-US" dirty="0"/>
+              <a:t>Where Tau for “F” above is:  </a:t>
+            </a:r>
+            <a:r>
+              <a:rPr lang="en-US" dirty="0">
+                <a:solidFill>
+                  <a:srgbClr val="0F4F97"/>
+                </a:solidFill>
+              </a:rPr>
+              <a:t>…fill this…  </a:t>
+            </a:r>
+            <a:r>
+              <a:rPr lang="en-US" dirty="0"/>
+              <a:t>and is called </a:t>
+            </a:r>
+          </a:p>
+          <a:p>
+            <a:r>
+              <a:rPr lang="en-US" dirty="0"/>
+              <a:t>the “functional underlying the recursive definition (in Manna’s book)</a:t>
+            </a:r>
+          </a:p>
+          <a:p>
+            <a:endParaRPr lang="en-US" dirty="0"/>
+          </a:p>
+          <a:p>
+            <a:r>
+              <a:rPr lang="en-US" dirty="0"/>
+              <a:t>In Chapter 18 of Book-3, it is called the “pre” function (e.g. </a:t>
+            </a:r>
+            <a:r>
+              <a:rPr lang="en-US" dirty="0" err="1"/>
+              <a:t>PreFact</a:t>
+            </a:r>
+            <a:r>
+              <a:rPr lang="en-US" dirty="0"/>
+              <a:t> </a:t>
+            </a:r>
+            <a:r>
+              <a:rPr lang="en-US" dirty="0" err="1"/>
+              <a:t>etc</a:t>
+            </a:r>
+            <a:r>
+              <a:rPr lang="en-US" dirty="0"/>
+              <a:t>) on</a:t>
+            </a:r>
+          </a:p>
+          <a:p>
+            <a:r>
+              <a:rPr lang="en-US" dirty="0"/>
+              <a:t> which the Y combinator is applied.</a:t>
+            </a:r>
+          </a:p>
+          <a:p>
+            <a:endParaRPr lang="en-US" dirty="0"/>
+          </a:p>
+          <a:p>
+            <a:r>
+              <a:rPr lang="en-US" dirty="0"/>
+              <a:t>Applying the Y combinator gives the same effect as computing the limit of this chain of functions</a:t>
+            </a:r>
+          </a:p>
+          <a:p>
+            <a:endParaRPr lang="en-US" dirty="0"/>
+          </a:p>
+          <a:p>
+            <a:r>
+              <a:rPr lang="en-US" dirty="0"/>
+              <a:t>What does Tau^1[Bottom] correspond to? What about Tau^2 ? Tau^3 ? </a:t>
+            </a:r>
+            <a:r>
+              <a:rPr lang="en-US" dirty="0">
+                <a:solidFill>
+                  <a:srgbClr val="0F4F97"/>
+                </a:solidFill>
+              </a:rPr>
+              <a:t>…fill this…</a:t>
+            </a:r>
+          </a:p>
+        </p:txBody>
+      </p:sp>
+    </p:spTree>
+    <p:extLst>
+      <p:ext uri="{BB962C8B-B14F-4D97-AF65-F5344CB8AC3E}">
+        <p14:creationId xmlns:p14="http://schemas.microsoft.com/office/powerpoint/2010/main" val="3268384358"/>
+      </p:ext>
+    </p:extLst>
+  </p:cSld>
+  <p:clrMapOvr>
+    <a:masterClrMapping/>
+  </p:clrMapOvr>
+</p:sld>
+</file>
+
+<file path=ppt/slides/slide28.xml><?xml version="1.0" encoding="utf-8"?>
+<p:sld xmlns:a="http://schemas.openxmlformats.org/drawingml/2006/main" xmlns:r="http://schemas.openxmlformats.org/officeDocument/2006/relationships" xmlns:p="http://schemas.openxmlformats.org/presentationml/2006/main">
+  <p:cSld>
+    <p:spTree>
+      <p:nvGrpSpPr>
+        <p:cNvPr id="1" name=""/>
+        <p:cNvGrpSpPr/>
+        <p:nvPr/>
+      </p:nvGrpSpPr>
+      <p:grpSpPr>
+        <a:xfrm>
+          <a:off x="0" y="0"/>
+          <a:ext cx="0" cy="0"/>
+          <a:chOff x="0" y="0"/>
+          <a:chExt cx="0" cy="0"/>
+        </a:xfrm>
+      </p:grpSpPr>
+      <p:sp>
+        <p:nvSpPr>
+          <p:cNvPr id="2" name="Title 1">
+            <a:extLst>
+              <a:ext uri="{FF2B5EF4-FFF2-40B4-BE49-F238E27FC236}">
+                <a16:creationId xmlns:a16="http://schemas.microsoft.com/office/drawing/2014/main" id="{CBDE2B1E-5E72-2A41-872C-A61F5FF5D8F6}"/>
+              </a:ext>
+            </a:extLst>
+          </p:cNvPr>
+          <p:cNvSpPr>
+            <a:spLocks noGrp="1"/>
+          </p:cNvSpPr>
+          <p:nvPr>
+            <p:ph type="title"/>
+          </p:nvPr>
+        </p:nvSpPr>
+        <p:spPr/>
+        <p:txBody>
+          <a:bodyPr>
+            <a:normAutofit fontScale="90000"/>
+          </a:bodyPr>
+          <a:lstStyle/>
+          <a:p>
+            <a:pPr algn="ctr"/>
+            <a:r>
+              <a:rPr lang="en-US" dirty="0"/>
+              <a:t>Now discuss notes in this directory</a:t>
+            </a:r>
+          </a:p>
+        </p:txBody>
+      </p:sp>
+      <p:sp>
+        <p:nvSpPr>
+          <p:cNvPr id="3" name="Content Placeholder 2">
+            <a:extLst>
+              <a:ext uri="{FF2B5EF4-FFF2-40B4-BE49-F238E27FC236}">
+                <a16:creationId xmlns:a16="http://schemas.microsoft.com/office/drawing/2014/main" id="{428477C0-4B50-6E46-B798-4AA4CC850E2F}"/>
+              </a:ext>
+            </a:extLst>
+          </p:cNvPr>
+          <p:cNvSpPr>
+            <a:spLocks noGrp="1"/>
+          </p:cNvSpPr>
+          <p:nvPr>
+            <p:ph idx="1"/>
+          </p:nvPr>
+        </p:nvSpPr>
+        <p:spPr/>
+        <p:txBody>
+          <a:bodyPr>
+            <a:normAutofit fontScale="92500" lnSpcReduction="10000"/>
+          </a:bodyPr>
+          <a:lstStyle/>
+          <a:p>
+            <a:r>
+              <a:rPr lang="en-US" dirty="0"/>
+              <a:t>Manna’s work on interpreting these functions</a:t>
+            </a:r>
+          </a:p>
+          <a:p>
+            <a:r>
+              <a:rPr lang="en-US" dirty="0"/>
+              <a:t>Which function can we “experimentally compute”?</a:t>
+            </a:r>
+          </a:p>
+          <a:p>
+            <a:pPr lvl="1"/>
+            <a:r>
+              <a:rPr lang="en-US" dirty="0"/>
+              <a:t>If we keep experimenting with F in say Python , what function table can we fill ?</a:t>
+            </a:r>
+          </a:p>
+          <a:p>
+            <a:pPr lvl="1"/>
+            <a:r>
+              <a:rPr lang="en-US" dirty="0"/>
+              <a:t>What if we did it in a different (lazy) language)?</a:t>
+            </a:r>
+          </a:p>
+          <a:p>
+            <a:pPr lvl="1"/>
+            <a:endParaRPr lang="en-US" dirty="0"/>
+          </a:p>
+          <a:p>
+            <a:r>
+              <a:rPr lang="en-US" dirty="0"/>
+              <a:t>That is, if we compute according to a fixpoint computation rule, we will get the “true answer”</a:t>
+            </a:r>
+          </a:p>
+          <a:p>
+            <a:endParaRPr lang="en-US" dirty="0"/>
+          </a:p>
+          <a:p>
+            <a:r>
+              <a:rPr lang="en-US" dirty="0"/>
+              <a:t>None of this is largely of concern for finite lattices </a:t>
+            </a:r>
+          </a:p>
+          <a:p>
+            <a:pPr lvl="1"/>
+            <a:r>
+              <a:rPr lang="en-US" dirty="0"/>
+              <a:t>Many static-analysis situations</a:t>
+            </a:r>
+          </a:p>
+          <a:p>
+            <a:r>
+              <a:rPr lang="en-US" dirty="0"/>
+              <a:t>But the general story is important to know.</a:t>
+            </a:r>
+          </a:p>
+        </p:txBody>
+      </p:sp>
+    </p:spTree>
+    <p:extLst>
+      <p:ext uri="{BB962C8B-B14F-4D97-AF65-F5344CB8AC3E}">
+        <p14:creationId xmlns:p14="http://schemas.microsoft.com/office/powerpoint/2010/main" val="318267328"/>
+      </p:ext>
+    </p:extLst>
+  </p:cSld>
+  <p:clrMapOvr>
+    <a:masterClrMapping/>
+  </p:clrMapOvr>
+</p:sld>
+</file>
+
+<file path=ppt/slides/slide29.xml><?xml version="1.0" encoding="utf-8"?>
+<p:sld xmlns:a="http://schemas.openxmlformats.org/drawingml/2006/main" xmlns:r="http://schemas.openxmlformats.org/officeDocument/2006/relationships" xmlns:p="http://schemas.openxmlformats.org/presentationml/2006/main">
+  <p:cSld>
+    <p:spTree>
+      <p:nvGrpSpPr>
+        <p:cNvPr id="1" name=""/>
+        <p:cNvGrpSpPr/>
+        <p:nvPr/>
+      </p:nvGrpSpPr>
+      <p:grpSpPr>
+        <a:xfrm>
+          <a:off x="0" y="0"/>
+          <a:ext cx="0" cy="0"/>
+          <a:chOff x="0" y="0"/>
+          <a:chExt cx="0" cy="0"/>
+        </a:xfrm>
+      </p:grpSpPr>
+      <p:sp>
+        <p:nvSpPr>
+          <p:cNvPr id="2" name="Title 1">
+            <a:extLst>
+              <a:ext uri="{FF2B5EF4-FFF2-40B4-BE49-F238E27FC236}">
+                <a16:creationId xmlns:a16="http://schemas.microsoft.com/office/drawing/2014/main" id="{CBDE2B1E-5E72-2A41-872C-A61F5FF5D8F6}"/>
+              </a:ext>
+            </a:extLst>
+          </p:cNvPr>
+          <p:cNvSpPr>
+            <a:spLocks noGrp="1"/>
+          </p:cNvSpPr>
+          <p:nvPr>
+            <p:ph type="title"/>
+          </p:nvPr>
+        </p:nvSpPr>
+        <p:spPr/>
+        <p:txBody>
+          <a:bodyPr>
+            <a:normAutofit fontScale="90000"/>
+          </a:bodyPr>
+          <a:lstStyle/>
+          <a:p>
+            <a:pPr algn="ctr"/>
+            <a:r>
+              <a:rPr lang="en-US" dirty="0"/>
+              <a:t>CTL Model Checking</a:t>
+            </a:r>
+          </a:p>
+        </p:txBody>
+      </p:sp>
+      <p:sp>
+        <p:nvSpPr>
+          <p:cNvPr id="3" name="Content Placeholder 2">
+            <a:extLst>
+              <a:ext uri="{FF2B5EF4-FFF2-40B4-BE49-F238E27FC236}">
+                <a16:creationId xmlns:a16="http://schemas.microsoft.com/office/drawing/2014/main" id="{428477C0-4B50-6E46-B798-4AA4CC850E2F}"/>
+              </a:ext>
+            </a:extLst>
+          </p:cNvPr>
+          <p:cNvSpPr>
+            <a:spLocks noGrp="1"/>
+          </p:cNvSpPr>
+          <p:nvPr>
+            <p:ph idx="1"/>
+          </p:nvPr>
+        </p:nvSpPr>
+        <p:spPr/>
+        <p:txBody>
+          <a:bodyPr/>
+          <a:lstStyle/>
+          <a:p>
+            <a:r>
+              <a:rPr lang="en-US" dirty="0"/>
+              <a:t>Least fixpoints exist and are unique when Tau is</a:t>
+            </a:r>
+          </a:p>
+          <a:p>
+            <a:pPr lvl="1"/>
+            <a:r>
+              <a:rPr lang="en-US" dirty="0"/>
+              <a:t>Monotonic</a:t>
+            </a:r>
+          </a:p>
+          <a:p>
+            <a:pPr lvl="1"/>
+            <a:r>
+              <a:rPr lang="en-US" dirty="0"/>
+              <a:t>Continuous</a:t>
+            </a:r>
+          </a:p>
+          <a:p>
+            <a:pPr lvl="1"/>
+            <a:endParaRPr lang="en-US" dirty="0"/>
+          </a:p>
+          <a:p>
+            <a:r>
+              <a:rPr lang="en-US" dirty="0"/>
+              <a:t>For infinite lattices</a:t>
+            </a:r>
+          </a:p>
+          <a:p>
+            <a:pPr lvl="1"/>
+            <a:r>
+              <a:rPr lang="en-US" dirty="0"/>
+              <a:t>Continuity implies Monotonicity</a:t>
+            </a:r>
+          </a:p>
+          <a:p>
+            <a:pPr lvl="1"/>
+            <a:endParaRPr lang="en-US" dirty="0"/>
+          </a:p>
+          <a:p>
+            <a:r>
+              <a:rPr lang="en-US" dirty="0"/>
+              <a:t>For finite lattices</a:t>
+            </a:r>
+          </a:p>
+          <a:p>
+            <a:pPr lvl="1"/>
+            <a:r>
+              <a:rPr lang="en-US" dirty="0"/>
+              <a:t>Monotonicity implies Continuity</a:t>
+            </a:r>
+          </a:p>
+        </p:txBody>
+      </p:sp>
+    </p:spTree>
+    <p:extLst>
+      <p:ext uri="{BB962C8B-B14F-4D97-AF65-F5344CB8AC3E}">
+        <p14:creationId xmlns:p14="http://schemas.microsoft.com/office/powerpoint/2010/main" val="881600790"/>
+      </p:ext>
+    </p:extLst>
+  </p:cSld>
+  <p:clrMapOvr>
+    <a:masterClrMapping/>
+  </p:clrMapOvr>
+</p:sld>
+</file>
+
+<file path=ppt/slides/slide3.xml><?xml version="1.0" encoding="utf-8"?>
+<p:sld xmlns:a="http://schemas.openxmlformats.org/drawingml/2006/main" xmlns:r="http://schemas.openxmlformats.org/officeDocument/2006/relationships" xmlns:p="http://schemas.openxmlformats.org/presentationml/2006/main">
+  <p:cSld>
+    <p:spTree>
+      <p:nvGrpSpPr>
+        <p:cNvPr id="1" name=""/>
+        <p:cNvGrpSpPr/>
+        <p:nvPr/>
+      </p:nvGrpSpPr>
+      <p:grpSpPr>
+        <a:xfrm>
+          <a:off x="0" y="0"/>
+          <a:ext cx="0" cy="0"/>
+          <a:chOff x="0" y="0"/>
+          <a:chExt cx="0" cy="0"/>
+        </a:xfrm>
+      </p:grpSpPr>
+      <p:sp>
+        <p:nvSpPr>
+          <p:cNvPr id="2" name="Title 1">
+            <a:extLst>
+              <a:ext uri="{FF2B5EF4-FFF2-40B4-BE49-F238E27FC236}">
+                <a16:creationId xmlns:a16="http://schemas.microsoft.com/office/drawing/2014/main" id="{308E45E7-3E06-E843-B5D3-268F8E40E6F4}"/>
+              </a:ext>
+            </a:extLst>
+          </p:cNvPr>
+          <p:cNvSpPr>
+            <a:spLocks noGrp="1"/>
+          </p:cNvSpPr>
+          <p:nvPr>
+            <p:ph type="title"/>
+          </p:nvPr>
+        </p:nvSpPr>
+        <p:spPr/>
+        <p:txBody>
+          <a:bodyPr>
+            <a:normAutofit fontScale="90000"/>
+          </a:bodyPr>
+          <a:lstStyle/>
+          <a:p>
+            <a:r>
+              <a:rPr lang="en-US" dirty="0"/>
+              <a:t>What I’m trying to do</a:t>
+            </a:r>
+          </a:p>
+        </p:txBody>
+      </p:sp>
+      <p:sp>
+        <p:nvSpPr>
+          <p:cNvPr id="3" name="Content Placeholder 2">
+            <a:extLst>
+              <a:ext uri="{FF2B5EF4-FFF2-40B4-BE49-F238E27FC236}">
+                <a16:creationId xmlns:a16="http://schemas.microsoft.com/office/drawing/2014/main" id="{26224B8C-5FA9-A149-A7EF-E7DF2A5EC981}"/>
+              </a:ext>
+            </a:extLst>
+          </p:cNvPr>
+          <p:cNvSpPr>
+            <a:spLocks noGrp="1"/>
+          </p:cNvSpPr>
+          <p:nvPr>
+            <p:ph idx="1"/>
+          </p:nvPr>
+        </p:nvSpPr>
+        <p:spPr>
+          <a:xfrm>
+            <a:off x="838200" y="1158240"/>
+            <a:ext cx="10515600" cy="5334633"/>
+          </a:xfrm>
+        </p:spPr>
+        <p:txBody>
+          <a:bodyPr>
+            <a:normAutofit/>
+          </a:bodyPr>
+          <a:lstStyle/>
+          <a:p>
+            <a:r>
+              <a:rPr lang="en-US" dirty="0"/>
+              <a:t>Tell you that an elephant can be viewed from many sides</a:t>
+            </a:r>
+          </a:p>
+          <a:p>
+            <a:pPr lvl="1"/>
+            <a:r>
+              <a:rPr lang="en-US" dirty="0"/>
+              <a:t>A tube</a:t>
+            </a:r>
+          </a:p>
+          <a:p>
+            <a:pPr lvl="1"/>
+            <a:r>
+              <a:rPr lang="en-US" dirty="0"/>
+              <a:t>A pancake</a:t>
+            </a:r>
+          </a:p>
+          <a:p>
+            <a:pPr lvl="1"/>
+            <a:r>
+              <a:rPr lang="en-US" dirty="0"/>
+              <a:t>A pokey thing</a:t>
+            </a:r>
+          </a:p>
+          <a:p>
+            <a:r>
+              <a:rPr lang="en-US" dirty="0"/>
+              <a:t>Fixpoint theory is in many areas of CS</a:t>
+            </a:r>
+          </a:p>
+          <a:p>
+            <a:pPr lvl="1"/>
+            <a:r>
+              <a:rPr lang="en-US" dirty="0"/>
+              <a:t>Context-free Languages</a:t>
+            </a:r>
+          </a:p>
+          <a:p>
+            <a:pPr lvl="1"/>
+            <a:r>
+              <a:rPr lang="en-US" dirty="0"/>
+              <a:t>PL semantics</a:t>
+            </a:r>
+          </a:p>
+          <a:p>
+            <a:pPr lvl="1"/>
+            <a:r>
+              <a:rPr lang="en-US" dirty="0"/>
+              <a:t>Static analysis</a:t>
+            </a:r>
+          </a:p>
+          <a:p>
+            <a:pPr lvl="1"/>
+            <a:r>
+              <a:rPr lang="en-US" dirty="0"/>
+              <a:t>CTL model checking</a:t>
+            </a:r>
+          </a:p>
+          <a:p>
+            <a:pPr lvl="1"/>
+            <a:r>
+              <a:rPr lang="en-US" dirty="0"/>
+              <a:t>Even CMOS transistor simulation</a:t>
+            </a:r>
+          </a:p>
+          <a:p>
+            <a:r>
+              <a:rPr lang="en-US" dirty="0"/>
+              <a:t>Learning it in “just one class” may give you the view that elephants are pokey objects </a:t>
+            </a:r>
+            <a:r>
+              <a:rPr lang="en-US" dirty="0">
+                <a:sym typeface="Wingdings" pitchFamily="2" charset="2"/>
+              </a:rPr>
+              <a:t> </a:t>
+            </a:r>
+            <a:endParaRPr lang="en-US" dirty="0"/>
+          </a:p>
+        </p:txBody>
+      </p:sp>
+    </p:spTree>
+    <p:extLst>
+      <p:ext uri="{BB962C8B-B14F-4D97-AF65-F5344CB8AC3E}">
+        <p14:creationId xmlns:p14="http://schemas.microsoft.com/office/powerpoint/2010/main" val="2424973363"/>
+      </p:ext>
+    </p:extLst>
+  </p:cSld>
+  <p:clrMapOvr>
+    <a:masterClrMapping/>
+  </p:clrMapOvr>
+</p:sld>
+</file>
+
+<file path=ppt/slides/slide30.xml><?xml version="1.0" encoding="utf-8"?>
+<p:sld xmlns:a="http://schemas.openxmlformats.org/drawingml/2006/main" xmlns:r="http://schemas.openxmlformats.org/officeDocument/2006/relationships" xmlns:p="http://schemas.openxmlformats.org/presentationml/2006/main">
+  <p:cSld>
+    <p:spTree>
+      <p:nvGrpSpPr>
+        <p:cNvPr id="1" name=""/>
+        <p:cNvGrpSpPr/>
+        <p:nvPr/>
+      </p:nvGrpSpPr>
+      <p:grpSpPr>
+        <a:xfrm>
+          <a:off x="0" y="0"/>
+          <a:ext cx="0" cy="0"/>
+          <a:chOff x="0" y="0"/>
+          <a:chExt cx="0" cy="0"/>
+        </a:xfrm>
+      </p:grpSpPr>
+      <p:sp>
+        <p:nvSpPr>
+          <p:cNvPr id="2" name="Title 1">
+            <a:extLst>
+              <a:ext uri="{FF2B5EF4-FFF2-40B4-BE49-F238E27FC236}">
+                <a16:creationId xmlns:a16="http://schemas.microsoft.com/office/drawing/2014/main" id="{CBDE2B1E-5E72-2A41-872C-A61F5FF5D8F6}"/>
+              </a:ext>
+            </a:extLst>
+          </p:cNvPr>
+          <p:cNvSpPr>
+            <a:spLocks noGrp="1"/>
+          </p:cNvSpPr>
+          <p:nvPr>
+            <p:ph type="title"/>
+          </p:nvPr>
+        </p:nvSpPr>
+        <p:spPr/>
+        <p:txBody>
+          <a:bodyPr>
+            <a:normAutofit fontScale="90000"/>
+          </a:bodyPr>
+          <a:lstStyle/>
+          <a:p>
+            <a:pPr algn="ctr"/>
+            <a:r>
+              <a:rPr lang="en-US" dirty="0"/>
               <a:t>State-Space Travel via BDDs</a:t>
             </a:r>
           </a:p>
@@ -4728,7 +7596,7 @@
 </p:sld>
 </file>
 
-<file path=ppt/slides/slide16.xml><?xml version="1.0" encoding="utf-8"?>
+<file path=ppt/slides/slide31.xml><?xml version="1.0" encoding="utf-8"?>
 <p:sld xmlns:a="http://schemas.openxmlformats.org/drawingml/2006/main" xmlns:r="http://schemas.openxmlformats.org/officeDocument/2006/relationships" xmlns:p="http://schemas.openxmlformats.org/presentationml/2006/main">
   <p:cSld>
     <p:spTree>
@@ -4879,7 +7747,7 @@
 </p:sld>
 </file>
 
-<file path=ppt/slides/slide17.xml><?xml version="1.0" encoding="utf-8"?>
+<file path=ppt/slides/slide32.xml><?xml version="1.0" encoding="utf-8"?>
 <p:sld xmlns:a="http://schemas.openxmlformats.org/drawingml/2006/main" xmlns:r="http://schemas.openxmlformats.org/officeDocument/2006/relationships" xmlns:p="http://schemas.openxmlformats.org/presentationml/2006/main">
   <p:cSld>
     <p:spTree>
@@ -4970,7 +7838,7 @@
 </p:sld>
 </file>
 
-<file path=ppt/slides/slide18.xml><?xml version="1.0" encoding="utf-8"?>
+<file path=ppt/slides/slide33.xml><?xml version="1.0" encoding="utf-8"?>
 <p:sld xmlns:a="http://schemas.openxmlformats.org/drawingml/2006/main" xmlns:r="http://schemas.openxmlformats.org/officeDocument/2006/relationships" xmlns:p="http://schemas.openxmlformats.org/presentationml/2006/main">
   <p:cSld>
     <p:spTree>
@@ -5130,7 +7998,7 @@
 </p:sld>
 </file>
 
-<file path=ppt/slides/slide19.xml><?xml version="1.0" encoding="utf-8"?>
+<file path=ppt/slides/slide34.xml><?xml version="1.0" encoding="utf-8"?>
 <p:sld xmlns:a="http://schemas.openxmlformats.org/drawingml/2006/main" xmlns:r="http://schemas.openxmlformats.org/officeDocument/2006/relationships" xmlns:p="http://schemas.openxmlformats.org/presentationml/2006/main">
   <p:cSld>
     <p:spTree>
@@ -5221,113 +8089,7 @@
 </p:sld>
 </file>
 
-<file path=ppt/slides/slide2.xml><?xml version="1.0" encoding="utf-8"?>
-<p:sld xmlns:a="http://schemas.openxmlformats.org/drawingml/2006/main" xmlns:r="http://schemas.openxmlformats.org/officeDocument/2006/relationships" xmlns:p="http://schemas.openxmlformats.org/presentationml/2006/main">
-  <p:cSld>
-    <p:spTree>
-      <p:nvGrpSpPr>
-        <p:cNvPr id="1" name=""/>
-        <p:cNvGrpSpPr/>
-        <p:nvPr/>
-      </p:nvGrpSpPr>
-      <p:grpSpPr>
-        <a:xfrm>
-          <a:off x="0" y="0"/>
-          <a:ext cx="0" cy="0"/>
-          <a:chOff x="0" y="0"/>
-          <a:chExt cx="0" cy="0"/>
-        </a:xfrm>
-      </p:grpSpPr>
-      <p:sp>
-        <p:nvSpPr>
-          <p:cNvPr id="2" name="Title 1">
-            <a:extLst>
-              <a:ext uri="{FF2B5EF4-FFF2-40B4-BE49-F238E27FC236}">
-                <a16:creationId xmlns:a16="http://schemas.microsoft.com/office/drawing/2014/main" id="{3EA25469-74F9-AD43-9AD4-038AEE67E9C2}"/>
-              </a:ext>
-            </a:extLst>
-          </p:cNvPr>
-          <p:cNvSpPr>
-            <a:spLocks noGrp="1"/>
-          </p:cNvSpPr>
-          <p:nvPr>
-            <p:ph type="title"/>
-          </p:nvPr>
-        </p:nvSpPr>
-        <p:spPr/>
-        <p:txBody>
-          <a:bodyPr/>
-          <a:lstStyle/>
-          <a:p>
-            <a:r>
-              <a:rPr lang="en-US" dirty="0"/>
-              <a:t>18</a:t>
-            </a:r>
-          </a:p>
-        </p:txBody>
-      </p:sp>
-      <p:sp>
-        <p:nvSpPr>
-          <p:cNvPr id="3" name="Text Placeholder 2">
-            <a:extLst>
-              <a:ext uri="{FF2B5EF4-FFF2-40B4-BE49-F238E27FC236}">
-                <a16:creationId xmlns:a16="http://schemas.microsoft.com/office/drawing/2014/main" id="{686CD4B8-662E-1049-A3C6-BF9F9804CD68}"/>
-              </a:ext>
-            </a:extLst>
-          </p:cNvPr>
-          <p:cNvSpPr>
-            <a:spLocks noGrp="1"/>
-          </p:cNvSpPr>
-          <p:nvPr>
-            <p:ph type="body" idx="1"/>
-          </p:nvPr>
-        </p:nvSpPr>
-        <p:spPr>
-          <a:xfrm>
-            <a:off x="1190625" y="3536155"/>
-            <a:ext cx="9810750" cy="1175693"/>
-          </a:xfrm>
-        </p:spPr>
-        <p:txBody>
-          <a:bodyPr>
-            <a:normAutofit/>
-          </a:bodyPr>
-          <a:lstStyle/>
-          <a:p>
-            <a:r>
-              <a:rPr lang="en-US" dirty="0"/>
-              <a:t>Least Fixpoint of Functionals</a:t>
-            </a:r>
-          </a:p>
-          <a:p>
-            <a:r>
-              <a:rPr lang="en-US" dirty="0"/>
-              <a:t>Fixpoint Theory to Explain Context-Free Grammars</a:t>
-            </a:r>
-          </a:p>
-          <a:p>
-            <a:r>
-              <a:rPr lang="en-US" dirty="0"/>
-              <a:t>Fixpoint Theory for Computational Tree Logic</a:t>
-            </a:r>
-          </a:p>
-        </p:txBody>
-      </p:sp>
-    </p:spTree>
-    <p:extLst>
-      <p:ext uri="{BB962C8B-B14F-4D97-AF65-F5344CB8AC3E}">
-        <p14:creationId xmlns:p14="http://schemas.microsoft.com/office/powerpoint/2010/main" val="2044344968"/>
-      </p:ext>
-    </p:extLst>
-  </p:cSld>
-  <p:clrMapOvr>
-    <a:masterClrMapping/>
-  </p:clrMapOvr>
-  <p:transition spd="med"/>
-</p:sld>
-</file>
-
-<file path=ppt/slides/slide20.xml><?xml version="1.0" encoding="utf-8"?>
+<file path=ppt/slides/slide35.xml><?xml version="1.0" encoding="utf-8"?>
 <p:sld xmlns:a="http://schemas.openxmlformats.org/drawingml/2006/main" xmlns:r="http://schemas.openxmlformats.org/officeDocument/2006/relationships" xmlns:p="http://schemas.openxmlformats.org/presentationml/2006/main">
   <p:cSld>
     <p:spTree>
@@ -5418,7 +8180,7 @@
 </p:sld>
 </file>
 
-<file path=ppt/slides/slide21.xml><?xml version="1.0" encoding="utf-8"?>
+<file path=ppt/slides/slide36.xml><?xml version="1.0" encoding="utf-8"?>
 <p:sld xmlns:a="http://schemas.openxmlformats.org/drawingml/2006/main" xmlns:r="http://schemas.openxmlformats.org/officeDocument/2006/relationships" xmlns:p="http://schemas.openxmlformats.org/presentationml/2006/main">
   <p:cSld>
     <p:spTree>
@@ -5522,7 +8284,7 @@
 </p:sld>
 </file>
 
-<file path=ppt/slides/slide22.xml><?xml version="1.0" encoding="utf-8"?>
+<file path=ppt/slides/slide37.xml><?xml version="1.0" encoding="utf-8"?>
 <p:sld xmlns:a="http://schemas.openxmlformats.org/drawingml/2006/main" xmlns:r="http://schemas.openxmlformats.org/officeDocument/2006/relationships" xmlns:p="http://schemas.openxmlformats.org/presentationml/2006/main">
   <p:cSld>
     <p:spTree>
@@ -5626,7 +8388,7 @@
 </p:sld>
 </file>
 
-<file path=ppt/slides/slide23.xml><?xml version="1.0" encoding="utf-8"?>
+<file path=ppt/slides/slide38.xml><?xml version="1.0" encoding="utf-8"?>
 <p:sld xmlns:a="http://schemas.openxmlformats.org/drawingml/2006/main" xmlns:r="http://schemas.openxmlformats.org/officeDocument/2006/relationships" xmlns:p="http://schemas.openxmlformats.org/presentationml/2006/main">
   <p:cSld>
     <p:spTree>
@@ -5722,7 +8484,7 @@
 </p:sld>
 </file>
 
-<file path=ppt/slides/slide24.xml><?xml version="1.0" encoding="utf-8"?>
+<file path=ppt/slides/slide39.xml><?xml version="1.0" encoding="utf-8"?>
 <p:sld xmlns:a="http://schemas.openxmlformats.org/drawingml/2006/main" xmlns:r="http://schemas.openxmlformats.org/officeDocument/2006/relationships" xmlns:p="http://schemas.openxmlformats.org/presentationml/2006/main">
   <p:cSld>
     <p:spTree>
@@ -5848,7 +8610,144 @@
 </p:sld>
 </file>
 
-<file path=ppt/slides/slide25.xml><?xml version="1.0" encoding="utf-8"?>
+<file path=ppt/slides/slide4.xml><?xml version="1.0" encoding="utf-8"?>
+<p:sld xmlns:a="http://schemas.openxmlformats.org/drawingml/2006/main" xmlns:r="http://schemas.openxmlformats.org/officeDocument/2006/relationships" xmlns:p="http://schemas.openxmlformats.org/presentationml/2006/main">
+  <p:cSld>
+    <p:spTree>
+      <p:nvGrpSpPr>
+        <p:cNvPr id="1" name=""/>
+        <p:cNvGrpSpPr/>
+        <p:nvPr/>
+      </p:nvGrpSpPr>
+      <p:grpSpPr>
+        <a:xfrm>
+          <a:off x="0" y="0"/>
+          <a:ext cx="0" cy="0"/>
+          <a:chOff x="0" y="0"/>
+          <a:chExt cx="0" cy="0"/>
+        </a:xfrm>
+      </p:grpSpPr>
+      <p:sp>
+        <p:nvSpPr>
+          <p:cNvPr id="2" name="Title 1">
+            <a:extLst>
+              <a:ext uri="{FF2B5EF4-FFF2-40B4-BE49-F238E27FC236}">
+                <a16:creationId xmlns:a16="http://schemas.microsoft.com/office/drawing/2014/main" id="{308E45E7-3E06-E843-B5D3-268F8E40E6F4}"/>
+              </a:ext>
+            </a:extLst>
+          </p:cNvPr>
+          <p:cNvSpPr>
+            <a:spLocks noGrp="1"/>
+          </p:cNvSpPr>
+          <p:nvPr>
+            <p:ph type="title"/>
+          </p:nvPr>
+        </p:nvSpPr>
+        <p:spPr/>
+        <p:txBody>
+          <a:bodyPr>
+            <a:normAutofit fontScale="90000"/>
+          </a:bodyPr>
+          <a:lstStyle/>
+          <a:p>
+            <a:r>
+              <a:rPr lang="en-US" dirty="0"/>
+              <a:t>What fixed-point/fixpoint theory is aimed at</a:t>
+            </a:r>
+          </a:p>
+        </p:txBody>
+      </p:sp>
+      <p:sp>
+        <p:nvSpPr>
+          <p:cNvPr id="3" name="Content Placeholder 2">
+            <a:extLst>
+              <a:ext uri="{FF2B5EF4-FFF2-40B4-BE49-F238E27FC236}">
+                <a16:creationId xmlns:a16="http://schemas.microsoft.com/office/drawing/2014/main" id="{26224B8C-5FA9-A149-A7EF-E7DF2A5EC981}"/>
+              </a:ext>
+            </a:extLst>
+          </p:cNvPr>
+          <p:cNvSpPr>
+            <a:spLocks noGrp="1"/>
+          </p:cNvSpPr>
+          <p:nvPr>
+            <p:ph idx="1"/>
+          </p:nvPr>
+        </p:nvSpPr>
+        <p:spPr>
+          <a:xfrm>
+            <a:off x="838200" y="1158240"/>
+            <a:ext cx="10515600" cy="5334633"/>
+          </a:xfrm>
+        </p:spPr>
+        <p:txBody>
+          <a:bodyPr>
+            <a:normAutofit/>
+          </a:bodyPr>
+          <a:lstStyle/>
+          <a:p>
+            <a:r>
+              <a:rPr lang="en-US" dirty="0"/>
+              <a:t>Solving equations</a:t>
+            </a:r>
+          </a:p>
+          <a:p>
+            <a:pPr lvl="1"/>
+            <a:r>
+              <a:rPr lang="en-US" dirty="0"/>
+              <a:t>Some equations make sense, some don’t</a:t>
+            </a:r>
+          </a:p>
+          <a:p>
+            <a:pPr lvl="2"/>
+            <a:r>
+              <a:rPr lang="en-US" dirty="0"/>
+              <a:t>X = 2 – yes </a:t>
+            </a:r>
+          </a:p>
+          <a:p>
+            <a:pPr lvl="2"/>
+            <a:r>
+              <a:rPr lang="en-US" dirty="0"/>
+              <a:t>X = X + 1 – no, in int </a:t>
+            </a:r>
+          </a:p>
+          <a:p>
+            <a:pPr lvl="2"/>
+            <a:r>
+              <a:rPr lang="en-US" dirty="0"/>
+              <a:t>F(x) = F(x) – yes , but too many solutions</a:t>
+            </a:r>
+          </a:p>
+          <a:p>
+            <a:pPr lvl="2"/>
+            <a:r>
+              <a:rPr lang="en-US" dirty="0"/>
+              <a:t>F(x) = F(x+1) - &lt;your answer&gt;</a:t>
+            </a:r>
+          </a:p>
+          <a:p>
+            <a:pPr lvl="2"/>
+            <a:r>
+              <a:rPr lang="en-US" dirty="0"/>
+              <a:t>F(x) = F(x) + 1 - &lt;your answer_</a:t>
+            </a:r>
+          </a:p>
+        </p:txBody>
+      </p:sp>
+    </p:spTree>
+    <p:extLst>
+      <p:ext uri="{BB962C8B-B14F-4D97-AF65-F5344CB8AC3E}">
+        <p14:creationId xmlns:p14="http://schemas.microsoft.com/office/powerpoint/2010/main" val="1933758753"/>
+      </p:ext>
+    </p:extLst>
+  </p:cSld>
+  <p:clrMapOvr>
+    <a:masterClrMapping/>
+  </p:clrMapOvr>
+</p:sld>
+</file>
+
+<file path=ppt/slides/slide40.xml><?xml version="1.0" encoding="utf-8"?>
 <p:sld xmlns:a="http://schemas.openxmlformats.org/drawingml/2006/main" xmlns:r="http://schemas.openxmlformats.org/officeDocument/2006/relationships" xmlns:p="http://schemas.openxmlformats.org/presentationml/2006/main">
   <p:cSld>
     <p:spTree>
@@ -5974,7 +8873,7 @@
 </p:sld>
 </file>
 
-<file path=ppt/slides/slide26.xml><?xml version="1.0" encoding="utf-8"?>
+<file path=ppt/slides/slide41.xml><?xml version="1.0" encoding="utf-8"?>
 <p:sld xmlns:a="http://schemas.openxmlformats.org/drawingml/2006/main" xmlns:r="http://schemas.openxmlformats.org/officeDocument/2006/relationships" xmlns:p="http://schemas.openxmlformats.org/presentationml/2006/main">
   <p:cSld>
     <p:spTree>
@@ -6100,7 +8999,7 @@
 </p:sld>
 </file>
 
-<file path=ppt/slides/slide27.xml><?xml version="1.0" encoding="utf-8"?>
+<file path=ppt/slides/slide42.xml><?xml version="1.0" encoding="utf-8"?>
 <p:sld xmlns:a="http://schemas.openxmlformats.org/drawingml/2006/main" xmlns:r="http://schemas.openxmlformats.org/officeDocument/2006/relationships" xmlns:p="http://schemas.openxmlformats.org/presentationml/2006/main">
   <p:cSld>
     <p:spTree>
@@ -6226,7 +9125,7 @@
 </p:sld>
 </file>
 
-<file path=ppt/slides/slide28.xml><?xml version="1.0" encoding="utf-8"?>
+<file path=ppt/slides/slide43.xml><?xml version="1.0" encoding="utf-8"?>
 <p:sld xmlns:a="http://schemas.openxmlformats.org/drawingml/2006/main" xmlns:r="http://schemas.openxmlformats.org/officeDocument/2006/relationships" xmlns:p="http://schemas.openxmlformats.org/presentationml/2006/main">
   <p:cSld>
     <p:spTree>
@@ -6352,7 +9251,7 @@
 </p:sld>
 </file>
 
-<file path=ppt/slides/slide29.xml><?xml version="1.0" encoding="utf-8"?>
+<file path=ppt/slides/slide44.xml><?xml version="1.0" encoding="utf-8"?>
 <p:sld xmlns:a="http://schemas.openxmlformats.org/drawingml/2006/main" xmlns:r="http://schemas.openxmlformats.org/officeDocument/2006/relationships" xmlns:p="http://schemas.openxmlformats.org/presentationml/2006/main">
   <p:cSld>
     <p:spTree>
@@ -6478,103 +9377,7 @@
 </p:sld>
 </file>
 
-<file path=ppt/slides/slide3.xml><?xml version="1.0" encoding="utf-8"?>
-<p:sld xmlns:a="http://schemas.openxmlformats.org/drawingml/2006/main" xmlns:r="http://schemas.openxmlformats.org/officeDocument/2006/relationships" xmlns:p="http://schemas.openxmlformats.org/presentationml/2006/main">
-  <p:cSld>
-    <p:spTree>
-      <p:nvGrpSpPr>
-        <p:cNvPr id="1" name=""/>
-        <p:cNvGrpSpPr/>
-        <p:nvPr/>
-      </p:nvGrpSpPr>
-      <p:grpSpPr>
-        <a:xfrm>
-          <a:off x="0" y="0"/>
-          <a:ext cx="0" cy="0"/>
-          <a:chOff x="0" y="0"/>
-          <a:chExt cx="0" cy="0"/>
-        </a:xfrm>
-      </p:grpSpPr>
-      <p:sp>
-        <p:nvSpPr>
-          <p:cNvPr id="2" name="Title 1">
-            <a:extLst>
-              <a:ext uri="{FF2B5EF4-FFF2-40B4-BE49-F238E27FC236}">
-                <a16:creationId xmlns:a16="http://schemas.microsoft.com/office/drawing/2014/main" id="{3EA25469-74F9-AD43-9AD4-038AEE67E9C2}"/>
-              </a:ext>
-            </a:extLst>
-          </p:cNvPr>
-          <p:cNvSpPr>
-            <a:spLocks noGrp="1"/>
-          </p:cNvSpPr>
-          <p:nvPr>
-            <p:ph type="title"/>
-          </p:nvPr>
-        </p:nvSpPr>
-        <p:spPr>
-          <a:xfrm>
-            <a:off x="159026" y="167192"/>
-            <a:ext cx="2295939" cy="6223669"/>
-          </a:xfrm>
-        </p:spPr>
-        <p:txBody>
-          <a:bodyPr>
-            <a:normAutofit/>
-          </a:bodyPr>
-          <a:lstStyle/>
-          <a:p>
-            <a:r>
-              <a:rPr lang="en-US" dirty="0"/>
-              <a:t>Where we are</a:t>
-            </a:r>
-          </a:p>
-        </p:txBody>
-      </p:sp>
-      <p:pic>
-        <p:nvPicPr>
-          <p:cNvPr id="5" name="Picture 4" descr="Table&#10;&#10;Description automatically generated">
-            <a:extLst>
-              <a:ext uri="{FF2B5EF4-FFF2-40B4-BE49-F238E27FC236}">
-                <a16:creationId xmlns:a16="http://schemas.microsoft.com/office/drawing/2014/main" id="{738F60CD-60E2-144B-81A6-4F3FA89DC315}"/>
-              </a:ext>
-            </a:extLst>
-          </p:cNvPr>
-          <p:cNvPicPr>
-            <a:picLocks noChangeAspect="1"/>
-          </p:cNvPicPr>
-          <p:nvPr/>
-        </p:nvPicPr>
-        <p:blipFill>
-          <a:blip r:embed="rId2"/>
-          <a:stretch>
-            <a:fillRect/>
-          </a:stretch>
-        </p:blipFill>
-        <p:spPr>
-          <a:xfrm>
-            <a:off x="2786444" y="298450"/>
-            <a:ext cx="7805355" cy="5435085"/>
-          </a:xfrm>
-          <a:prstGeom prst="rect">
-            <a:avLst/>
-          </a:prstGeom>
-        </p:spPr>
-      </p:pic>
-    </p:spTree>
-    <p:extLst>
-      <p:ext uri="{BB962C8B-B14F-4D97-AF65-F5344CB8AC3E}">
-        <p14:creationId xmlns:p14="http://schemas.microsoft.com/office/powerpoint/2010/main" val="3275477145"/>
-      </p:ext>
-    </p:extLst>
-  </p:cSld>
-  <p:clrMapOvr>
-    <a:masterClrMapping/>
-  </p:clrMapOvr>
-  <p:transition spd="med"/>
-</p:sld>
-</file>
-
-<file path=ppt/slides/slide30.xml><?xml version="1.0" encoding="utf-8"?>
+<file path=ppt/slides/slide45.xml><?xml version="1.0" encoding="utf-8"?>
 <p:sld xmlns:a="http://schemas.openxmlformats.org/drawingml/2006/main" xmlns:r="http://schemas.openxmlformats.org/officeDocument/2006/relationships" xmlns:p="http://schemas.openxmlformats.org/presentationml/2006/main">
   <p:cSld>
     <p:spTree>
@@ -6730,7 +9533,7 @@
 </p:sld>
 </file>
 
-<file path=ppt/slides/slide31.xml><?xml version="1.0" encoding="utf-8"?>
+<file path=ppt/slides/slide46.xml><?xml version="1.0" encoding="utf-8"?>
 <p:sld xmlns:a="http://schemas.openxmlformats.org/drawingml/2006/main" xmlns:r="http://schemas.openxmlformats.org/officeDocument/2006/relationships" xmlns:p="http://schemas.openxmlformats.org/presentationml/2006/main">
   <p:cSld>
     <p:spTree>
@@ -6896,7 +9699,7 @@
 </p:sld>
 </file>
 
-<file path=ppt/slides/slide32.xml><?xml version="1.0" encoding="utf-8"?>
+<file path=ppt/slides/slide47.xml><?xml version="1.0" encoding="utf-8"?>
 <p:sld xmlns:a="http://schemas.openxmlformats.org/drawingml/2006/main" xmlns:r="http://schemas.openxmlformats.org/officeDocument/2006/relationships" xmlns:p="http://schemas.openxmlformats.org/presentationml/2006/main">
   <p:cSld>
     <p:spTree>
@@ -6948,164 +9751,6 @@
     <p:extLst>
       <p:ext uri="{BB962C8B-B14F-4D97-AF65-F5344CB8AC3E}">
         <p14:creationId xmlns:p14="http://schemas.microsoft.com/office/powerpoint/2010/main" val="3950297647"/>
-      </p:ext>
-    </p:extLst>
-  </p:cSld>
-  <p:clrMapOvr>
-    <a:masterClrMapping/>
-  </p:clrMapOvr>
-</p:sld>
-</file>
-
-<file path=ppt/slides/slide4.xml><?xml version="1.0" encoding="utf-8"?>
-<p:sld xmlns:a="http://schemas.openxmlformats.org/drawingml/2006/main" xmlns:r="http://schemas.openxmlformats.org/officeDocument/2006/relationships" xmlns:p="http://schemas.openxmlformats.org/presentationml/2006/main">
-  <p:cSld>
-    <p:spTree>
-      <p:nvGrpSpPr>
-        <p:cNvPr id="1" name=""/>
-        <p:cNvGrpSpPr/>
-        <p:nvPr/>
-      </p:nvGrpSpPr>
-      <p:grpSpPr>
-        <a:xfrm>
-          <a:off x="0" y="0"/>
-          <a:ext cx="0" cy="0"/>
-          <a:chOff x="0" y="0"/>
-          <a:chExt cx="0" cy="0"/>
-        </a:xfrm>
-      </p:grpSpPr>
-      <p:sp>
-        <p:nvSpPr>
-          <p:cNvPr id="2" name="Title 1">
-            <a:extLst>
-              <a:ext uri="{FF2B5EF4-FFF2-40B4-BE49-F238E27FC236}">
-                <a16:creationId xmlns:a16="http://schemas.microsoft.com/office/drawing/2014/main" id="{834AF434-D305-904D-A40C-ABD9F796CB85}"/>
-              </a:ext>
-            </a:extLst>
-          </p:cNvPr>
-          <p:cNvSpPr>
-            <a:spLocks noGrp="1"/>
-          </p:cNvSpPr>
-          <p:nvPr>
-            <p:ph type="title"/>
-          </p:nvPr>
-        </p:nvSpPr>
-        <p:spPr>
-          <a:xfrm>
-            <a:off x="838200" y="234494"/>
-            <a:ext cx="10515600" cy="618286"/>
-          </a:xfrm>
-        </p:spPr>
-        <p:txBody>
-          <a:bodyPr>
-            <a:normAutofit fontScale="90000"/>
-          </a:bodyPr>
-          <a:lstStyle/>
-          <a:p>
-            <a:r>
-              <a:rPr lang="en-US" dirty="0"/>
-              <a:t>Example of non-monotonicity (FP example)</a:t>
-            </a:r>
-          </a:p>
-        </p:txBody>
-      </p:sp>
-      <p:sp>
-        <p:nvSpPr>
-          <p:cNvPr id="3" name="Content Placeholder 2">
-            <a:extLst>
-              <a:ext uri="{FF2B5EF4-FFF2-40B4-BE49-F238E27FC236}">
-                <a16:creationId xmlns:a16="http://schemas.microsoft.com/office/drawing/2014/main" id="{B46CB7F6-BA5A-1D4D-A4C4-D3E9B32FCA4B}"/>
-              </a:ext>
-            </a:extLst>
-          </p:cNvPr>
-          <p:cNvSpPr>
-            <a:spLocks noGrp="1"/>
-          </p:cNvSpPr>
-          <p:nvPr>
-            <p:ph idx="1"/>
-          </p:nvPr>
-        </p:nvSpPr>
-        <p:spPr>
-          <a:xfrm>
-            <a:off x="838200" y="1207339"/>
-            <a:ext cx="10515600" cy="618286"/>
-          </a:xfrm>
-        </p:spPr>
-        <p:txBody>
-          <a:bodyPr/>
-          <a:lstStyle/>
-          <a:p>
-            <a:r>
-              <a:rPr lang="en-US" dirty="0"/>
-              <a:t>This example was discussed last class – here are the plots</a:t>
-            </a:r>
-          </a:p>
-        </p:txBody>
-      </p:sp>
-      <p:pic>
-        <p:nvPicPr>
-          <p:cNvPr id="5" name="Picture 4">
-            <a:extLst>
-              <a:ext uri="{FF2B5EF4-FFF2-40B4-BE49-F238E27FC236}">
-                <a16:creationId xmlns:a16="http://schemas.microsoft.com/office/drawing/2014/main" id="{6459D0E2-6F44-C049-85C7-98572BB2851B}"/>
-              </a:ext>
-            </a:extLst>
-          </p:cNvPr>
-          <p:cNvPicPr>
-            <a:picLocks noChangeAspect="1"/>
-          </p:cNvPicPr>
-          <p:nvPr/>
-        </p:nvPicPr>
-        <p:blipFill>
-          <a:blip r:embed="rId2"/>
-          <a:stretch>
-            <a:fillRect/>
-          </a:stretch>
-        </p:blipFill>
-        <p:spPr>
-          <a:xfrm>
-            <a:off x="6096000" y="2041072"/>
-            <a:ext cx="5834741" cy="4376056"/>
-          </a:xfrm>
-          <a:prstGeom prst="rect">
-            <a:avLst/>
-          </a:prstGeom>
-        </p:spPr>
-      </p:pic>
-      <p:pic>
-        <p:nvPicPr>
-          <p:cNvPr id="7" name="Picture 6" descr="Graphical user interface&#10;&#10;Description automatically generated with medium confidence">
-            <a:extLst>
-              <a:ext uri="{FF2B5EF4-FFF2-40B4-BE49-F238E27FC236}">
-                <a16:creationId xmlns:a16="http://schemas.microsoft.com/office/drawing/2014/main" id="{5BD94B1F-C7DD-CC4A-B2F2-16158E4B6B33}"/>
-              </a:ext>
-            </a:extLst>
-          </p:cNvPr>
-          <p:cNvPicPr>
-            <a:picLocks noChangeAspect="1"/>
-          </p:cNvPicPr>
-          <p:nvPr/>
-        </p:nvPicPr>
-        <p:blipFill>
-          <a:blip r:embed="rId3"/>
-          <a:stretch>
-            <a:fillRect/>
-          </a:stretch>
-        </p:blipFill>
-        <p:spPr>
-          <a:xfrm>
-            <a:off x="261259" y="2041071"/>
-            <a:ext cx="5834742" cy="4376057"/>
-          </a:xfrm>
-          <a:prstGeom prst="rect">
-            <a:avLst/>
-          </a:prstGeom>
-        </p:spPr>
-      </p:pic>
-    </p:spTree>
-    <p:extLst>
-      <p:ext uri="{BB962C8B-B14F-4D97-AF65-F5344CB8AC3E}">
-        <p14:creationId xmlns:p14="http://schemas.microsoft.com/office/powerpoint/2010/main" val="208259882"/>
       </p:ext>
     </p:extLst>
   </p:cSld>
@@ -7137,7 +9782,7 @@
           <p:cNvPr id="2" name="Title 1">
             <a:extLst>
               <a:ext uri="{FF2B5EF4-FFF2-40B4-BE49-F238E27FC236}">
-                <a16:creationId xmlns:a16="http://schemas.microsoft.com/office/drawing/2014/main" id="{066F26C0-23E2-F14D-8605-D3A28485A13F}"/>
+                <a16:creationId xmlns:a16="http://schemas.microsoft.com/office/drawing/2014/main" id="{308E45E7-3E06-E843-B5D3-268F8E40E6F4}"/>
               </a:ext>
             </a:extLst>
           </p:cNvPr>
@@ -7146,233 +9791,95 @@
           </p:cNvSpPr>
           <p:nvPr>
             <p:ph type="title"/>
+          </p:nvPr>
+        </p:nvSpPr>
+        <p:spPr/>
+        <p:txBody>
+          <a:bodyPr>
+            <a:normAutofit fontScale="90000"/>
+          </a:bodyPr>
+          <a:lstStyle/>
+          <a:p>
+            <a:r>
+              <a:rPr lang="en-US" dirty="0"/>
+              <a:t>What fixed-point/fixpoint theory is aimed at</a:t>
+            </a:r>
+          </a:p>
+        </p:txBody>
+      </p:sp>
+      <p:sp>
+        <p:nvSpPr>
+          <p:cNvPr id="3" name="Content Placeholder 2">
+            <a:extLst>
+              <a:ext uri="{FF2B5EF4-FFF2-40B4-BE49-F238E27FC236}">
+                <a16:creationId xmlns:a16="http://schemas.microsoft.com/office/drawing/2014/main" id="{26224B8C-5FA9-A149-A7EF-E7DF2A5EC981}"/>
+              </a:ext>
+            </a:extLst>
+          </p:cNvPr>
+          <p:cNvSpPr>
+            <a:spLocks noGrp="1"/>
+          </p:cNvSpPr>
+          <p:nvPr>
+            <p:ph idx="1"/>
           </p:nvPr>
         </p:nvSpPr>
         <p:spPr>
           <a:xfrm>
-            <a:off x="0" y="-1"/>
-            <a:ext cx="11438021" cy="515519"/>
+            <a:off x="838200" y="1158240"/>
+            <a:ext cx="10515600" cy="5334633"/>
           </a:xfrm>
         </p:spPr>
         <p:txBody>
-          <a:bodyPr vert="horz" lIns="91440" tIns="45720" rIns="91440" bIns="45720" rtlCol="0" anchor="ctr">
+          <a:bodyPr>
             <a:normAutofit/>
           </a:bodyPr>
           <a:lstStyle/>
           <a:p>
             <a:r>
-              <a:rPr lang="en-US" sz="2400" kern="1200" dirty="0">
-                <a:solidFill>
-                  <a:schemeClr val="tx1"/>
-                </a:solidFill>
-                <a:latin typeface="+mj-lt"/>
-                <a:ea typeface="+mj-ea"/>
-                <a:cs typeface="+mj-cs"/>
-              </a:rPr>
-              <a:t>Recap : This pertains to the quiz … ask if I should show you how to get “Tau”…</a:t>
-            </a:r>
-          </a:p>
-        </p:txBody>
-      </p:sp>
-      <p:pic>
-        <p:nvPicPr>
-          <p:cNvPr id="4" name="Picture 3" descr="Diagram&#10;&#10;Description automatically generated with medium confidence">
-            <a:extLst>
-              <a:ext uri="{FF2B5EF4-FFF2-40B4-BE49-F238E27FC236}">
-                <a16:creationId xmlns:a16="http://schemas.microsoft.com/office/drawing/2014/main" id="{488AB08F-8DB9-354D-971D-B7FC860761EF}"/>
-              </a:ext>
-            </a:extLst>
-          </p:cNvPr>
-          <p:cNvPicPr>
-            <a:picLocks noChangeAspect="1"/>
-          </p:cNvPicPr>
-          <p:nvPr/>
-        </p:nvPicPr>
-        <p:blipFill>
-          <a:blip r:embed="rId2"/>
-          <a:stretch>
-            <a:fillRect/>
-          </a:stretch>
-        </p:blipFill>
-        <p:spPr>
-          <a:xfrm>
-            <a:off x="0" y="515518"/>
-            <a:ext cx="12192000" cy="1705970"/>
-          </a:xfrm>
-          <a:prstGeom prst="rect">
-            <a:avLst/>
-          </a:prstGeom>
-        </p:spPr>
-      </p:pic>
-      <p:pic>
-        <p:nvPicPr>
-          <p:cNvPr id="7" name="Picture 6" descr="Text, letter&#10;&#10;Description automatically generated">
-            <a:extLst>
-              <a:ext uri="{FF2B5EF4-FFF2-40B4-BE49-F238E27FC236}">
-                <a16:creationId xmlns:a16="http://schemas.microsoft.com/office/drawing/2014/main" id="{165979BC-E799-0D48-B617-C0F5DBB36146}"/>
-              </a:ext>
-            </a:extLst>
-          </p:cNvPr>
-          <p:cNvPicPr>
-            <a:picLocks noChangeAspect="1"/>
-          </p:cNvPicPr>
-          <p:nvPr/>
-        </p:nvPicPr>
-        <p:blipFill>
-          <a:blip r:embed="rId3"/>
-          <a:stretch>
-            <a:fillRect/>
-          </a:stretch>
-        </p:blipFill>
-        <p:spPr>
-          <a:xfrm>
-            <a:off x="635086" y="2027286"/>
-            <a:ext cx="10167848" cy="1584600"/>
-          </a:xfrm>
-          <a:prstGeom prst="rect">
-            <a:avLst/>
-          </a:prstGeom>
-        </p:spPr>
-      </p:pic>
-      <p:sp>
-        <p:nvSpPr>
-          <p:cNvPr id="8" name="TextBox 7">
-            <a:extLst>
-              <a:ext uri="{FF2B5EF4-FFF2-40B4-BE49-F238E27FC236}">
-                <a16:creationId xmlns:a16="http://schemas.microsoft.com/office/drawing/2014/main" id="{C34B177A-A849-D74F-B82F-BF36CF921F7D}"/>
-              </a:ext>
-            </a:extLst>
-          </p:cNvPr>
-          <p:cNvSpPr txBox="1"/>
-          <p:nvPr/>
-        </p:nvSpPr>
-        <p:spPr>
-          <a:xfrm>
-            <a:off x="1398494" y="3579057"/>
-            <a:ext cx="10167848" cy="3139321"/>
-          </a:xfrm>
-          <a:prstGeom prst="rect">
-            <a:avLst/>
-          </a:prstGeom>
-          <a:noFill/>
-        </p:spPr>
-        <p:txBody>
-          <a:bodyPr wrap="none" rtlCol="0">
-            <a:spAutoFit/>
-          </a:bodyPr>
-          <a:lstStyle/>
-          <a:p>
-            <a:r>
-              <a:rPr lang="en-US" dirty="0"/>
-              <a:t>Function f3 corresponds to  </a:t>
-            </a:r>
-            <a:r>
-              <a:rPr lang="en-US" dirty="0" err="1"/>
-              <a:t>lim_i</a:t>
-            </a:r>
-            <a:r>
-              <a:rPr lang="en-US" dirty="0"/>
-              <a:t> { </a:t>
-            </a:r>
-            <a:r>
-              <a:rPr lang="en-US" dirty="0" err="1"/>
-              <a:t>Tau^i</a:t>
-            </a:r>
-            <a:r>
-              <a:rPr lang="en-US" dirty="0"/>
-              <a:t> [ </a:t>
-            </a:r>
-            <a:r>
-              <a:rPr lang="en-US" dirty="0" err="1"/>
-              <a:t>Bottom_fn</a:t>
-            </a:r>
-            <a:r>
-              <a:rPr lang="en-US" dirty="0"/>
-              <a:t> ] }</a:t>
-            </a:r>
-          </a:p>
-          <a:p>
-            <a:endParaRPr lang="en-US" dirty="0"/>
-          </a:p>
-          <a:p>
-            <a:r>
-              <a:rPr lang="en-US" dirty="0"/>
-              <a:t>Where Tau for “F” above is:  </a:t>
-            </a:r>
-            <a:r>
-              <a:rPr lang="en-US" dirty="0">
-                <a:solidFill>
-                  <a:srgbClr val="0F4F97"/>
-                </a:solidFill>
-              </a:rPr>
-              <a:t>…fill this…  </a:t>
-            </a:r>
-            <a:r>
-              <a:rPr lang="en-US" dirty="0"/>
-              <a:t>and is called </a:t>
-            </a:r>
-          </a:p>
-          <a:p>
-            <a:r>
-              <a:rPr lang="en-US" dirty="0"/>
-              <a:t>the “functional underlying the recursive definition (in Manna’s book)</a:t>
-            </a:r>
-          </a:p>
-          <a:p>
-            <a:endParaRPr lang="en-US" dirty="0"/>
-          </a:p>
-          <a:p>
-            <a:r>
-              <a:rPr lang="en-US" dirty="0"/>
-              <a:t>In Chapter 18 of Book-3, it is called the “pre” function (e.g. </a:t>
-            </a:r>
-            <a:r>
-              <a:rPr lang="en-US" dirty="0" err="1"/>
-              <a:t>PreFact</a:t>
-            </a:r>
-            <a:r>
-              <a:rPr lang="en-US" dirty="0"/>
-              <a:t> </a:t>
-            </a:r>
-            <a:r>
-              <a:rPr lang="en-US" dirty="0" err="1"/>
-              <a:t>etc</a:t>
-            </a:r>
-            <a:r>
-              <a:rPr lang="en-US" dirty="0"/>
-              <a:t>) on</a:t>
-            </a:r>
-          </a:p>
-          <a:p>
-            <a:r>
-              <a:rPr lang="en-US" dirty="0"/>
-              <a:t> which the Y combinator is applied.</a:t>
-            </a:r>
-          </a:p>
-          <a:p>
-            <a:endParaRPr lang="en-US" dirty="0"/>
-          </a:p>
-          <a:p>
-            <a:r>
-              <a:rPr lang="en-US" dirty="0"/>
-              <a:t>Applying the Y combinator gives the same effect as computing the limit of this chain of functions</a:t>
-            </a:r>
-          </a:p>
-          <a:p>
-            <a:endParaRPr lang="en-US" dirty="0"/>
-          </a:p>
-          <a:p>
-            <a:r>
-              <a:rPr lang="en-US" dirty="0"/>
-              <a:t>What does Tau^1[Bottom] correspond to? What about Tau^2 ? Tau^3 ? </a:t>
-            </a:r>
-            <a:r>
-              <a:rPr lang="en-US" dirty="0">
-                <a:solidFill>
-                  <a:srgbClr val="0F4F97"/>
-                </a:solidFill>
-              </a:rPr>
-              <a:t>…fill this…</a:t>
+              <a:rPr lang="en-US" dirty="0"/>
+              <a:t>Solving equations</a:t>
+            </a:r>
+          </a:p>
+          <a:p>
+            <a:pPr lvl="1"/>
+            <a:r>
+              <a:rPr lang="en-US" dirty="0"/>
+              <a:t>Some equations make sense, some don’t</a:t>
+            </a:r>
+          </a:p>
+          <a:p>
+            <a:pPr lvl="2"/>
+            <a:r>
+              <a:rPr lang="en-US" dirty="0"/>
+              <a:t>X = 2 – yes </a:t>
+            </a:r>
+          </a:p>
+          <a:p>
+            <a:pPr lvl="2"/>
+            <a:r>
+              <a:rPr lang="en-US" dirty="0"/>
+              <a:t>X = X + 1 – no, in int </a:t>
+            </a:r>
+          </a:p>
+          <a:p>
+            <a:pPr lvl="2"/>
+            <a:r>
+              <a:rPr lang="en-US" dirty="0"/>
+              <a:t>F(x) = F(x) – yes , but too many solutions</a:t>
+            </a:r>
+          </a:p>
+          <a:p>
+            <a:pPr lvl="2"/>
+            <a:r>
+              <a:rPr lang="en-US" dirty="0"/>
+              <a:t>F(x) = F(x+1) – sure it can</a:t>
+            </a:r>
+          </a:p>
+          <a:p>
+            <a:pPr lvl="2"/>
+            <a:r>
+              <a:rPr lang="en-US" dirty="0"/>
+              <a:t>F(x) = F(x) + 1 - no</a:t>
             </a:r>
           </a:p>
         </p:txBody>
@@ -7380,7 +9887,7 @@
     </p:spTree>
     <p:extLst>
       <p:ext uri="{BB962C8B-B14F-4D97-AF65-F5344CB8AC3E}">
-        <p14:creationId xmlns:p14="http://schemas.microsoft.com/office/powerpoint/2010/main" val="109610687"/>
+        <p14:creationId xmlns:p14="http://schemas.microsoft.com/office/powerpoint/2010/main" val="1862289851"/>
       </p:ext>
     </p:extLst>
   </p:cSld>
@@ -7412,7 +9919,7 @@
           <p:cNvPr id="2" name="Title 1">
             <a:extLst>
               <a:ext uri="{FF2B5EF4-FFF2-40B4-BE49-F238E27FC236}">
-                <a16:creationId xmlns:a16="http://schemas.microsoft.com/office/drawing/2014/main" id="{CBDE2B1E-5E72-2A41-872C-A61F5FF5D8F6}"/>
+                <a16:creationId xmlns:a16="http://schemas.microsoft.com/office/drawing/2014/main" id="{308E45E7-3E06-E843-B5D3-268F8E40E6F4}"/>
               </a:ext>
             </a:extLst>
           </p:cNvPr>
@@ -7430,10 +9937,9 @@
           </a:bodyPr>
           <a:lstStyle/>
           <a:p>
-            <a:pPr algn="ctr"/>
-            <a:r>
-              <a:rPr lang="en-US" dirty="0"/>
-              <a:t>Uniqueness of Least Fixpoints</a:t>
+            <a:r>
+              <a:rPr lang="en-US" dirty="0"/>
+              <a:t>What fixed-point/fixpoint theory is aimed at</a:t>
             </a:r>
           </a:p>
         </p:txBody>
@@ -7443,7 +9949,7 @@
           <p:cNvPr id="3" name="Content Placeholder 2">
             <a:extLst>
               <a:ext uri="{FF2B5EF4-FFF2-40B4-BE49-F238E27FC236}">
-                <a16:creationId xmlns:a16="http://schemas.microsoft.com/office/drawing/2014/main" id="{428477C0-4B50-6E46-B798-4AA4CC850E2F}"/>
+                <a16:creationId xmlns:a16="http://schemas.microsoft.com/office/drawing/2014/main" id="{26224B8C-5FA9-A149-A7EF-E7DF2A5EC981}"/>
               </a:ext>
             </a:extLst>
           </p:cNvPr>
@@ -7454,62 +9960,83 @@
             <p:ph idx="1"/>
           </p:nvPr>
         </p:nvSpPr>
-        <p:spPr/>
-        <p:txBody>
-          <a:bodyPr/>
-          <a:lstStyle/>
-          <a:p>
-            <a:r>
-              <a:rPr lang="en-US" dirty="0"/>
-              <a:t>Least fixpoints exist and are unique when Tau is</a:t>
-            </a:r>
-          </a:p>
-          <a:p>
-            <a:pPr lvl="1"/>
-            <a:r>
-              <a:rPr lang="en-US" dirty="0"/>
-              <a:t>Monotonic</a:t>
-            </a:r>
-          </a:p>
-          <a:p>
-            <a:pPr lvl="1"/>
-            <a:r>
-              <a:rPr lang="en-US" dirty="0"/>
-              <a:t>Continuous</a:t>
-            </a:r>
-          </a:p>
-          <a:p>
-            <a:pPr lvl="1"/>
-            <a:endParaRPr lang="en-US" dirty="0"/>
-          </a:p>
-          <a:p>
-            <a:r>
-              <a:rPr lang="en-US" dirty="0"/>
-              <a:t>For infinite lattices</a:t>
-            </a:r>
-          </a:p>
-          <a:p>
-            <a:pPr lvl="1"/>
-            <a:r>
-              <a:rPr lang="en-US" dirty="0"/>
-              <a:t>Continuity implies Monotonicity</a:t>
-            </a:r>
-          </a:p>
-          <a:p>
-            <a:pPr lvl="1"/>
-            <a:endParaRPr lang="en-US" dirty="0"/>
-          </a:p>
-          <a:p>
-            <a:r>
-              <a:rPr lang="en-US" dirty="0"/>
-              <a:t>For finite lattices</a:t>
-            </a:r>
-          </a:p>
-          <a:p>
-            <a:pPr lvl="1"/>
-            <a:r>
-              <a:rPr lang="en-US" dirty="0"/>
-              <a:t>Monotonicity implies Continuity</a:t>
+        <p:spPr>
+          <a:xfrm>
+            <a:off x="838200" y="1158240"/>
+            <a:ext cx="10515600" cy="5334633"/>
+          </a:xfrm>
+        </p:spPr>
+        <p:txBody>
+          <a:bodyPr>
+            <a:normAutofit/>
+          </a:bodyPr>
+          <a:lstStyle/>
+          <a:p>
+            <a:r>
+              <a:rPr lang="en-US" dirty="0"/>
+              <a:t>Solving equations</a:t>
+            </a:r>
+          </a:p>
+          <a:p>
+            <a:pPr lvl="1"/>
+            <a:r>
+              <a:rPr lang="en-US" dirty="0"/>
+              <a:t>Some equations make sense, some don’t</a:t>
+            </a:r>
+          </a:p>
+          <a:p>
+            <a:pPr lvl="2"/>
+            <a:r>
+              <a:rPr lang="en-US" dirty="0"/>
+              <a:t>X = 2 – yes </a:t>
+            </a:r>
+          </a:p>
+          <a:p>
+            <a:pPr lvl="2"/>
+            <a:r>
+              <a:rPr lang="en-US" dirty="0"/>
+              <a:t>X = X + 1 – no, in int </a:t>
+            </a:r>
+          </a:p>
+          <a:p>
+            <a:pPr lvl="2"/>
+            <a:r>
+              <a:rPr lang="en-US" dirty="0"/>
+              <a:t>F(x) = F(x) – yes , but too many solutions</a:t>
+            </a:r>
+          </a:p>
+          <a:p>
+            <a:pPr lvl="2"/>
+            <a:r>
+              <a:rPr lang="en-US" dirty="0"/>
+              <a:t>F(x) = F(x+1) – sure it can</a:t>
+            </a:r>
+          </a:p>
+          <a:p>
+            <a:pPr lvl="2"/>
+            <a:r>
+              <a:rPr lang="en-US" dirty="0"/>
+              <a:t>F(x) = F(x) + 1 – no</a:t>
+            </a:r>
+          </a:p>
+          <a:p>
+            <a:r>
+              <a:rPr lang="en-US" dirty="0"/>
+              <a:t>Main points</a:t>
+            </a:r>
+          </a:p>
+          <a:p>
+            <a:pPr lvl="1"/>
+            <a:r>
+              <a:rPr lang="en-US" dirty="0"/>
+              <a:t>Recursion / circularity is natural</a:t>
+            </a:r>
+          </a:p>
+          <a:p>
+            <a:pPr lvl="1"/>
+            <a:r>
+              <a:rPr lang="en-US" dirty="0"/>
+              <a:t>How do we solve when we have circular situations?</a:t>
             </a:r>
           </a:p>
         </p:txBody>
@@ -7517,7 +10044,7 @@
     </p:spTree>
     <p:extLst>
       <p:ext uri="{BB962C8B-B14F-4D97-AF65-F5344CB8AC3E}">
-        <p14:creationId xmlns:p14="http://schemas.microsoft.com/office/powerpoint/2010/main" val="696591542"/>
+        <p14:creationId xmlns:p14="http://schemas.microsoft.com/office/powerpoint/2010/main" val="1172424320"/>
       </p:ext>
     </p:extLst>
   </p:cSld>
@@ -7661,21 +10188,7 @@
           <a:p>
             <a:r>
               <a:rPr lang="en-US" dirty="0"/>
-              <a:t>Then discuss the system</a:t>
-            </a:r>
-          </a:p>
-          <a:p>
-            <a:pPr lvl="1"/>
-            <a:r>
-              <a:rPr lang="en-US" dirty="0"/>
-              <a:t>S -&gt; epsilon | ( W S</a:t>
-            </a:r>
-          </a:p>
-          <a:p>
-            <a:pPr lvl="1"/>
-            <a:r>
-              <a:rPr lang="en-US" dirty="0"/>
-              <a:t>W -&gt; ( W W | )</a:t>
+              <a:t>How do we view the above as language equations?</a:t>
             </a:r>
           </a:p>
           <a:p>
@@ -7691,7 +10204,7 @@
     </p:spTree>
     <p:extLst>
       <p:ext uri="{BB962C8B-B14F-4D97-AF65-F5344CB8AC3E}">
-        <p14:creationId xmlns:p14="http://schemas.microsoft.com/office/powerpoint/2010/main" val="1514084496"/>
+        <p14:creationId xmlns:p14="http://schemas.microsoft.com/office/powerpoint/2010/main" val="2254069105"/>
       </p:ext>
     </p:extLst>
   </p:cSld>
@@ -7831,7 +10344,7 @@
     </p:spTree>
     <p:extLst>
       <p:ext uri="{BB962C8B-B14F-4D97-AF65-F5344CB8AC3E}">
-        <p14:creationId xmlns:p14="http://schemas.microsoft.com/office/powerpoint/2010/main" val="1297711767"/>
+        <p14:creationId xmlns:p14="http://schemas.microsoft.com/office/powerpoint/2010/main" val="2782186473"/>
       </p:ext>
     </p:extLst>
   </p:cSld>
@@ -7980,7 +10493,7 @@
     </p:spTree>
     <p:extLst>
       <p:ext uri="{BB962C8B-B14F-4D97-AF65-F5344CB8AC3E}">
-        <p14:creationId xmlns:p14="http://schemas.microsoft.com/office/powerpoint/2010/main" val="937737704"/>
+        <p14:creationId xmlns:p14="http://schemas.microsoft.com/office/powerpoint/2010/main" val="297267534"/>
       </p:ext>
     </p:extLst>
   </p:cSld>

--- a/Lec21/Lec21.pptx
+++ b/Lec21/Lec21.pptx
@@ -5,10 +5,10 @@
     <p:sldMasterId id="2147483648" r:id="rId1"/>
   </p:sldMasterIdLst>
   <p:notesMasterIdLst>
-    <p:notesMasterId r:id="rId49"/>
+    <p:notesMasterId r:id="rId58"/>
   </p:notesMasterIdLst>
   <p:handoutMasterIdLst>
-    <p:handoutMasterId r:id="rId50"/>
+    <p:handoutMasterId r:id="rId59"/>
   </p:handoutMasterIdLst>
   <p:sldIdLst>
     <p:sldId id="414" r:id="rId2"/>
@@ -29,35 +29,44 @@
     <p:sldId id="1346" r:id="rId17"/>
     <p:sldId id="1341" r:id="rId18"/>
     <p:sldId id="1342" r:id="rId19"/>
-    <p:sldId id="1305" r:id="rId20"/>
-    <p:sldId id="1325" r:id="rId21"/>
-    <p:sldId id="1326" r:id="rId22"/>
-    <p:sldId id="1329" r:id="rId23"/>
-    <p:sldId id="1330" r:id="rId24"/>
-    <p:sldId id="1327" r:id="rId25"/>
-    <p:sldId id="1328" r:id="rId26"/>
-    <p:sldId id="1331" r:id="rId27"/>
-    <p:sldId id="1348" r:id="rId28"/>
-    <p:sldId id="1306" r:id="rId29"/>
-    <p:sldId id="1349" r:id="rId30"/>
-    <p:sldId id="1307" r:id="rId31"/>
-    <p:sldId id="1308" r:id="rId32"/>
-    <p:sldId id="1309" r:id="rId33"/>
-    <p:sldId id="1310" r:id="rId34"/>
-    <p:sldId id="1311" r:id="rId35"/>
-    <p:sldId id="1312" r:id="rId36"/>
-    <p:sldId id="1313" r:id="rId37"/>
-    <p:sldId id="1314" r:id="rId38"/>
-    <p:sldId id="1315" r:id="rId39"/>
-    <p:sldId id="1316" r:id="rId40"/>
-    <p:sldId id="1317" r:id="rId41"/>
-    <p:sldId id="1318" r:id="rId42"/>
-    <p:sldId id="1319" r:id="rId43"/>
-    <p:sldId id="1320" r:id="rId44"/>
-    <p:sldId id="1321" r:id="rId45"/>
-    <p:sldId id="1322" r:id="rId46"/>
-    <p:sldId id="1324" r:id="rId47"/>
-    <p:sldId id="1323" r:id="rId48"/>
+    <p:sldId id="1358" r:id="rId20"/>
+    <p:sldId id="1359" r:id="rId21"/>
+    <p:sldId id="1305" r:id="rId22"/>
+    <p:sldId id="1351" r:id="rId23"/>
+    <p:sldId id="1352" r:id="rId24"/>
+    <p:sldId id="1353" r:id="rId25"/>
+    <p:sldId id="1355" r:id="rId26"/>
+    <p:sldId id="1356" r:id="rId27"/>
+    <p:sldId id="1357" r:id="rId28"/>
+    <p:sldId id="1350" r:id="rId29"/>
+    <p:sldId id="1325" r:id="rId30"/>
+    <p:sldId id="1326" r:id="rId31"/>
+    <p:sldId id="1329" r:id="rId32"/>
+    <p:sldId id="1330" r:id="rId33"/>
+    <p:sldId id="1327" r:id="rId34"/>
+    <p:sldId id="1328" r:id="rId35"/>
+    <p:sldId id="1331" r:id="rId36"/>
+    <p:sldId id="1348" r:id="rId37"/>
+    <p:sldId id="1306" r:id="rId38"/>
+    <p:sldId id="1349" r:id="rId39"/>
+    <p:sldId id="1307" r:id="rId40"/>
+    <p:sldId id="1308" r:id="rId41"/>
+    <p:sldId id="1309" r:id="rId42"/>
+    <p:sldId id="1310" r:id="rId43"/>
+    <p:sldId id="1311" r:id="rId44"/>
+    <p:sldId id="1312" r:id="rId45"/>
+    <p:sldId id="1313" r:id="rId46"/>
+    <p:sldId id="1314" r:id="rId47"/>
+    <p:sldId id="1315" r:id="rId48"/>
+    <p:sldId id="1316" r:id="rId49"/>
+    <p:sldId id="1317" r:id="rId50"/>
+    <p:sldId id="1318" r:id="rId51"/>
+    <p:sldId id="1319" r:id="rId52"/>
+    <p:sldId id="1320" r:id="rId53"/>
+    <p:sldId id="1321" r:id="rId54"/>
+    <p:sldId id="1322" r:id="rId55"/>
+    <p:sldId id="1324" r:id="rId56"/>
+    <p:sldId id="1323" r:id="rId57"/>
   </p:sldIdLst>
   <p:sldSz cx="12192000" cy="6858000"/>
   <p:notesSz cx="6858000" cy="9144000"/>
@@ -5297,7 +5306,7 @@
           <p:cNvPr id="2" name="Title 1">
             <a:extLst>
               <a:ext uri="{FF2B5EF4-FFF2-40B4-BE49-F238E27FC236}">
-                <a16:creationId xmlns:a16="http://schemas.microsoft.com/office/drawing/2014/main" id="{CBDE2B1E-5E72-2A41-872C-A61F5FF5D8F6}"/>
+                <a16:creationId xmlns:a16="http://schemas.microsoft.com/office/drawing/2014/main" id="{83D87552-433B-634B-8F10-6F58933A2B51}"/>
               </a:ext>
             </a:extLst>
           </p:cNvPr>
@@ -5315,10 +5324,9 @@
           </a:bodyPr>
           <a:lstStyle/>
           <a:p>
-            <a:pPr algn="ctr"/>
-            <a:r>
-              <a:rPr lang="en-US" dirty="0"/>
-              <a:t>Uniqueness of Least Fixpoints</a:t>
+            <a:r>
+              <a:rPr lang="en-US" dirty="0"/>
+              <a:t>Circular situations in circuits</a:t>
             </a:r>
           </a:p>
         </p:txBody>
@@ -5328,7 +5336,7 @@
           <p:cNvPr id="3" name="Content Placeholder 2">
             <a:extLst>
               <a:ext uri="{FF2B5EF4-FFF2-40B4-BE49-F238E27FC236}">
-                <a16:creationId xmlns:a16="http://schemas.microsoft.com/office/drawing/2014/main" id="{428477C0-4B50-6E46-B798-4AA4CC850E2F}"/>
+                <a16:creationId xmlns:a16="http://schemas.microsoft.com/office/drawing/2014/main" id="{B43BC244-AA7F-7748-BA49-49BB3BEE61A0}"/>
               </a:ext>
             </a:extLst>
           </p:cNvPr>
@@ -5341,26 +5349,21 @@
         </p:nvSpPr>
         <p:spPr/>
         <p:txBody>
-          <a:bodyPr/>
-          <a:lstStyle/>
-          <a:p>
-            <a:r>
-              <a:rPr lang="en-US" dirty="0"/>
-              <a:t>Least fixpoints exist and are unique when Tau is</a:t>
-            </a:r>
-          </a:p>
-          <a:p>
-            <a:pPr lvl="1"/>
-            <a:r>
-              <a:rPr lang="en-US" dirty="0"/>
-              <a:t>Monotonic</a:t>
-            </a:r>
-          </a:p>
-          <a:p>
-            <a:pPr lvl="1"/>
-            <a:r>
-              <a:rPr lang="en-US" dirty="0"/>
-              <a:t>Continuous</a:t>
+          <a:bodyPr>
+            <a:normAutofit lnSpcReduction="10000"/>
+          </a:bodyPr>
+          <a:lstStyle/>
+          <a:p>
+            <a:r>
+              <a:rPr lang="en-US" dirty="0"/>
+              <a:t>Two inverters in a loop</a:t>
+            </a:r>
+          </a:p>
+          <a:p>
+            <a:pPr lvl="1"/>
+            <a:r>
+              <a:rPr lang="en-US" dirty="0"/>
+              <a:t>X = not(not(X))</a:t>
             </a:r>
           </a:p>
           <a:p>
@@ -5370,14 +5373,14 @@
           <a:p>
             <a:r>
               <a:rPr lang="en-US" dirty="0"/>
-              <a:t>For infinite lattices</a:t>
-            </a:r>
-          </a:p>
-          <a:p>
-            <a:pPr lvl="1"/>
-            <a:r>
-              <a:rPr lang="en-US" dirty="0"/>
-              <a:t>Continuity implies Monotonicity</a:t>
+              <a:t>Three (or an odd number of) inverters in a loop</a:t>
+            </a:r>
+          </a:p>
+          <a:p>
+            <a:pPr lvl="1"/>
+            <a:r>
+              <a:rPr lang="en-US" dirty="0"/>
+              <a:t>X = not(not(not(X)))</a:t>
             </a:r>
           </a:p>
           <a:p>
@@ -5387,22 +5390,35 @@
           <a:p>
             <a:r>
               <a:rPr lang="en-US" dirty="0"/>
-              <a:t>For finite lattices</a:t>
-            </a:r>
-          </a:p>
-          <a:p>
-            <a:pPr lvl="1"/>
-            <a:r>
-              <a:rPr lang="en-US" dirty="0"/>
-              <a:t>Monotonicity implies Continuity</a:t>
-            </a:r>
+              <a:t>What are possible fixpoints?</a:t>
+            </a:r>
+          </a:p>
+          <a:p>
+            <a:pPr lvl="1"/>
+            <a:r>
+              <a:rPr lang="en-US" dirty="0"/>
+              <a:t>Is there a “least” fixpoint?</a:t>
+            </a:r>
+          </a:p>
+          <a:p>
+            <a:pPr lvl="1"/>
+            <a:endParaRPr lang="en-US" dirty="0"/>
+          </a:p>
+          <a:p>
+            <a:r>
+              <a:rPr lang="en-US" dirty="0"/>
+              <a:t>This is again another glimpse of “fixpoint thinking”</a:t>
+            </a:r>
+          </a:p>
+          <a:p>
+            <a:endParaRPr lang="en-US" dirty="0"/>
           </a:p>
         </p:txBody>
       </p:sp>
     </p:spTree>
     <p:extLst>
       <p:ext uri="{BB962C8B-B14F-4D97-AF65-F5344CB8AC3E}">
-        <p14:creationId xmlns:p14="http://schemas.microsoft.com/office/powerpoint/2010/main" val="696591542"/>
+        <p14:creationId xmlns:p14="http://schemas.microsoft.com/office/powerpoint/2010/main" val="561123669"/>
       </p:ext>
     </p:extLst>
   </p:cSld>
@@ -5458,16 +5474,17 @@
           <a:lstStyle/>
           <a:p>
             <a:r>
-              <a:rPr lang="en-US" sz="2400" kern="1200" dirty="0">
-                <a:solidFill>
-                  <a:schemeClr val="tx1"/>
-                </a:solidFill>
-                <a:latin typeface="+mj-lt"/>
-                <a:ea typeface="+mj-ea"/>
-                <a:cs typeface="+mj-cs"/>
-              </a:rPr>
-              <a:t>Recap : This pertains to the quiz … ask if I should show you how to get “Tau”…</a:t>
-            </a:r>
+              <a:rPr lang="en-US" sz="2400" dirty="0"/>
+              <a:t>How I got hooked on this topic: Reading Manna, Chapter-5, these examples!</a:t>
+            </a:r>
+            <a:endParaRPr lang="en-US" sz="2400" kern="1200" dirty="0">
+              <a:solidFill>
+                <a:schemeClr val="tx1"/>
+              </a:solidFill>
+              <a:latin typeface="+mj-lt"/>
+              <a:ea typeface="+mj-ea"/>
+              <a:cs typeface="+mj-cs"/>
+            </a:endParaRPr>
           </a:p>
         </p:txBody>
       </p:sp>
@@ -5546,7 +5563,7 @@
         <p:spPr>
           <a:xfrm>
             <a:off x="1398494" y="3579057"/>
-            <a:ext cx="10167848" cy="3139321"/>
+            <a:ext cx="6852197" cy="2585323"/>
           </a:xfrm>
           <a:prstGeom prst="rect">
             <a:avLst/>
@@ -5561,40 +5578,7 @@
           <a:p>
             <a:r>
               <a:rPr lang="en-US" dirty="0"/>
-              <a:t>Function f3 corresponds to  </a:t>
-            </a:r>
-            <a:r>
-              <a:rPr lang="en-US" dirty="0" err="1"/>
-              <a:t>lim_i</a:t>
-            </a:r>
-            <a:r>
-              <a:rPr lang="en-US" dirty="0"/>
-              <a:t> { </a:t>
-            </a:r>
-            <a:r>
-              <a:rPr lang="en-US" dirty="0" err="1"/>
-              <a:t>Tau^i</a:t>
-            </a:r>
-            <a:r>
-              <a:rPr lang="en-US" dirty="0"/>
-              <a:t> [ </a:t>
-            </a:r>
-            <a:r>
-              <a:rPr lang="en-US" dirty="0" err="1"/>
-              <a:t>Bottom_fn</a:t>
-            </a:r>
-            <a:r>
-              <a:rPr lang="en-US" dirty="0"/>
-              <a:t> ] }</a:t>
-            </a:r>
-          </a:p>
-          <a:p>
-            <a:endParaRPr lang="en-US" dirty="0"/>
-          </a:p>
-          <a:p>
-            <a:r>
-              <a:rPr lang="en-US" dirty="0"/>
-              <a:t>Where Tau for “F” above is:  </a:t>
+              <a:t>We can plug-in f1, f2, or f3 in lieu of F</a:t>
             </a:r>
             <a:r>
               <a:rPr lang="en-US" dirty="0">
@@ -5602,75 +5586,92 @@
                   <a:srgbClr val="0F4F97"/>
                 </a:solidFill>
               </a:rPr>
-              <a:t>…fill this…  </a:t>
-            </a:r>
-            <a:r>
-              <a:rPr lang="en-US" dirty="0"/>
-              <a:t>and is called </a:t>
-            </a:r>
-          </a:p>
-          <a:p>
-            <a:r>
-              <a:rPr lang="en-US" dirty="0"/>
-              <a:t>the “functional underlying the recursive definition (in Manna’s book)</a:t>
-            </a:r>
-          </a:p>
-          <a:p>
-            <a:endParaRPr lang="en-US" dirty="0"/>
-          </a:p>
-          <a:p>
-            <a:r>
-              <a:rPr lang="en-US" dirty="0"/>
-              <a:t>In Chapter 18 of Book-3, it is called the “pre” function (e.g. </a:t>
-            </a:r>
-            <a:r>
-              <a:rPr lang="en-US" dirty="0" err="1"/>
-              <a:t>PreFact</a:t>
-            </a:r>
-            <a:r>
-              <a:rPr lang="en-US" dirty="0"/>
-              <a:t> </a:t>
-            </a:r>
-            <a:r>
-              <a:rPr lang="en-US" dirty="0" err="1"/>
-              <a:t>etc</a:t>
-            </a:r>
-            <a:r>
-              <a:rPr lang="en-US" dirty="0"/>
-              <a:t>) on</a:t>
-            </a:r>
-          </a:p>
-          <a:p>
-            <a:r>
-              <a:rPr lang="en-US" dirty="0"/>
-              <a:t> which the Y combinator is applied.</a:t>
-            </a:r>
-          </a:p>
-          <a:p>
-            <a:endParaRPr lang="en-US" dirty="0"/>
-          </a:p>
-          <a:p>
-            <a:r>
-              <a:rPr lang="en-US" dirty="0"/>
-              <a:t>Applying the Y combinator gives the same effect as computing the limit of this chain of functions</a:t>
-            </a:r>
-          </a:p>
-          <a:p>
-            <a:endParaRPr lang="en-US" dirty="0"/>
-          </a:p>
-          <a:p>
-            <a:r>
-              <a:rPr lang="en-US" dirty="0"/>
-              <a:t>What does Tau^1[Bottom] correspond to? What about Tau^2 ? Tau^3 ? </a:t>
-            </a:r>
+              <a:t> and “solve” the equation</a:t>
+            </a:r>
+          </a:p>
+          <a:p>
+            <a:endParaRPr lang="en-US" dirty="0">
+              <a:solidFill>
+                <a:srgbClr val="0F4F97"/>
+              </a:solidFill>
+            </a:endParaRPr>
+          </a:p>
+          <a:p>
             <a:r>
               <a:rPr lang="en-US" dirty="0">
                 <a:solidFill>
                   <a:srgbClr val="0F4F97"/>
                 </a:solidFill>
               </a:rPr>
-              <a:t>…fill this…</a:t>
-            </a:r>
+              <a:t>Which solutions are computed when you</a:t>
+            </a:r>
+          </a:p>
+          <a:p>
+            <a:endParaRPr lang="en-US" dirty="0">
+              <a:solidFill>
+                <a:srgbClr val="0F4F97"/>
+              </a:solidFill>
+            </a:endParaRPr>
+          </a:p>
+          <a:p>
+            <a:r>
+              <a:rPr lang="en-US" dirty="0">
+                <a:solidFill>
+                  <a:srgbClr val="0F4F97"/>
+                </a:solidFill>
+              </a:rPr>
+              <a:t>* Experiment with it in an I/O-gathering session</a:t>
+            </a:r>
+          </a:p>
+          <a:p>
+            <a:pPr marL="285750" indent="-285750">
+              <a:buFont typeface="Arial" panose="020B0604020202020204" pitchFamily="34" charset="0"/>
+              <a:buChar char="•"/>
+            </a:pPr>
+            <a:r>
+              <a:rPr lang="en-US" dirty="0">
+                <a:solidFill>
+                  <a:srgbClr val="0F4F97"/>
+                </a:solidFill>
+              </a:rPr>
+              <a:t>Normally (eagerly, as in Python)</a:t>
+            </a:r>
+          </a:p>
+          <a:p>
+            <a:pPr marL="285750" indent="-285750">
+              <a:buFont typeface="Arial" panose="020B0604020202020204" pitchFamily="34" charset="0"/>
+              <a:buChar char="•"/>
+            </a:pPr>
+            <a:r>
+              <a:rPr lang="en-US" dirty="0">
+                <a:solidFill>
+                  <a:srgbClr val="0F4F97"/>
+                </a:solidFill>
+              </a:rPr>
+              <a:t>Lazily (as in Haskell)</a:t>
+            </a:r>
+          </a:p>
+          <a:p>
+            <a:pPr marL="285750" indent="-285750">
+              <a:buFont typeface="Arial" panose="020B0604020202020204" pitchFamily="34" charset="0"/>
+              <a:buChar char="•"/>
+            </a:pPr>
+            <a:endParaRPr lang="en-US" dirty="0">
+              <a:solidFill>
+                <a:srgbClr val="0F4F97"/>
+              </a:solidFill>
+            </a:endParaRPr>
+          </a:p>
+          <a:p>
+            <a:r>
+              <a:rPr lang="en-US" dirty="0">
+                <a:solidFill>
+                  <a:srgbClr val="0F4F97"/>
+                </a:solidFill>
+              </a:rPr>
+              <a:t>Why does running order determine the function computed?</a:t>
+            </a:r>
+            <a:endParaRPr lang="en-US" dirty="0"/>
           </a:p>
         </p:txBody>
       </p:sp>
@@ -5709,7 +5710,7 @@
           <p:cNvPr id="2" name="Title 1">
             <a:extLst>
               <a:ext uri="{FF2B5EF4-FFF2-40B4-BE49-F238E27FC236}">
-                <a16:creationId xmlns:a16="http://schemas.microsoft.com/office/drawing/2014/main" id="{5548C101-1BE6-B342-B74F-1C9EF1DDAC81}"/>
+                <a16:creationId xmlns:a16="http://schemas.microsoft.com/office/drawing/2014/main" id="{83D87552-433B-634B-8F10-6F58933A2B51}"/>
               </a:ext>
             </a:extLst>
           </p:cNvPr>
@@ -5729,7 +5730,7 @@
           <a:p>
             <a:r>
               <a:rPr lang="en-US" dirty="0"/>
-              <a:t>Fixpoint Theory to Explain CFGs</a:t>
+              <a:t>Fixpoint theory in HW design</a:t>
             </a:r>
           </a:p>
         </p:txBody>
@@ -5739,7 +5740,7 @@
           <p:cNvPr id="3" name="Content Placeholder 2">
             <a:extLst>
               <a:ext uri="{FF2B5EF4-FFF2-40B4-BE49-F238E27FC236}">
-                <a16:creationId xmlns:a16="http://schemas.microsoft.com/office/drawing/2014/main" id="{905744E2-6782-DE42-B7EB-6EC81E7C9C2B}"/>
+                <a16:creationId xmlns:a16="http://schemas.microsoft.com/office/drawing/2014/main" id="{B43BC244-AA7F-7748-BA49-49BB3BEE61A0}"/>
               </a:ext>
             </a:extLst>
           </p:cNvPr>
@@ -5759,99 +5760,28 @@
           <a:p>
             <a:r>
               <a:rPr lang="en-US" dirty="0"/>
-              <a:t>Context-free Grammars re-interpreted as recursive equations</a:t>
-            </a:r>
-          </a:p>
-          <a:p>
-            <a:pPr lvl="1"/>
-            <a:r>
-              <a:rPr lang="en-US" dirty="0"/>
-              <a:t>S -&gt; </a:t>
-            </a:r>
-            <a:r>
-              <a:rPr lang="en-US" dirty="0" err="1"/>
-              <a:t>aSbS</a:t>
-            </a:r>
-            <a:r>
-              <a:rPr lang="en-US" dirty="0"/>
-              <a:t> | </a:t>
-            </a:r>
-            <a:r>
-              <a:rPr lang="en-US" dirty="0" err="1"/>
-              <a:t>bSaS</a:t>
-            </a:r>
-            <a:r>
-              <a:rPr lang="en-US" dirty="0"/>
-              <a:t> | SS | epsilon </a:t>
-            </a:r>
-          </a:p>
-          <a:p>
-            <a:pPr lvl="2"/>
-            <a:r>
-              <a:rPr lang="en-US" dirty="0"/>
-              <a:t>Versus</a:t>
-            </a:r>
-          </a:p>
-          <a:p>
-            <a:pPr lvl="1"/>
-            <a:r>
-              <a:rPr lang="en-US" dirty="0"/>
-              <a:t>S -&gt; </a:t>
-            </a:r>
-            <a:r>
-              <a:rPr lang="en-US" dirty="0" err="1"/>
-              <a:t>aSbS</a:t>
-            </a:r>
-            <a:r>
-              <a:rPr lang="en-US" dirty="0"/>
-              <a:t> | </a:t>
-            </a:r>
-            <a:r>
-              <a:rPr lang="en-US" dirty="0" err="1"/>
-              <a:t>bSaS</a:t>
-            </a:r>
-            <a:r>
-              <a:rPr lang="en-US" dirty="0"/>
-              <a:t> | epsilon </a:t>
-            </a:r>
-          </a:p>
-          <a:p>
-            <a:endParaRPr lang="en-US" dirty="0"/>
-          </a:p>
-          <a:p>
-            <a:r>
-              <a:rPr lang="en-US" dirty="0"/>
-              <a:t>Then discuss the system</a:t>
-            </a:r>
-          </a:p>
-          <a:p>
-            <a:pPr lvl="1"/>
-            <a:r>
-              <a:rPr lang="en-US" dirty="0"/>
-              <a:t>S -&gt; epsilon | ( W S</a:t>
-            </a:r>
-          </a:p>
-          <a:p>
-            <a:pPr lvl="1"/>
-            <a:r>
-              <a:rPr lang="en-US" dirty="0"/>
-              <a:t>W -&gt; ( W W | )</a:t>
-            </a:r>
-          </a:p>
-          <a:p>
-            <a:pPr lvl="1"/>
-            <a:endParaRPr lang="en-US" dirty="0"/>
-          </a:p>
-          <a:p>
-            <a:pPr lvl="1"/>
-            <a:endParaRPr lang="en-US" dirty="0"/>
+              <a:t> Oral history : Randy Bryant</a:t>
+            </a:r>
+          </a:p>
+          <a:p>
+            <a:pPr lvl="1"/>
+            <a:r>
+              <a:rPr lang="en-US" dirty="0">
+                <a:hlinkClick r:id="rId2"/>
+              </a:rPr>
+              <a:t>https://youtu.be/1Ch-wjFT9VE</a:t>
+            </a:r>
+            <a:r>
+              <a:rPr lang="en-US" dirty="0"/>
+              <a:t> </a:t>
+            </a:r>
           </a:p>
         </p:txBody>
       </p:sp>
     </p:spTree>
     <p:extLst>
       <p:ext uri="{BB962C8B-B14F-4D97-AF65-F5344CB8AC3E}">
-        <p14:creationId xmlns:p14="http://schemas.microsoft.com/office/powerpoint/2010/main" val="1514084496"/>
+        <p14:creationId xmlns:p14="http://schemas.microsoft.com/office/powerpoint/2010/main" val="2521182700"/>
       </p:ext>
     </p:extLst>
   </p:cSld>
@@ -5883,7 +5813,7 @@
           <p:cNvPr id="2" name="Title 1">
             <a:extLst>
               <a:ext uri="{FF2B5EF4-FFF2-40B4-BE49-F238E27FC236}">
-                <a16:creationId xmlns:a16="http://schemas.microsoft.com/office/drawing/2014/main" id="{5548C101-1BE6-B342-B74F-1C9EF1DDAC81}"/>
+                <a16:creationId xmlns:a16="http://schemas.microsoft.com/office/drawing/2014/main" id="{CBDE2B1E-5E72-2A41-872C-A61F5FF5D8F6}"/>
               </a:ext>
             </a:extLst>
           </p:cNvPr>
@@ -5901,9 +5831,10 @@
           </a:bodyPr>
           <a:lstStyle/>
           <a:p>
-            <a:r>
-              <a:rPr lang="en-US" dirty="0"/>
-              <a:t>Fixpoint Theory to Explain CFGs</a:t>
+            <a:pPr algn="ctr"/>
+            <a:r>
+              <a:rPr lang="en-US" dirty="0"/>
+              <a:t>Connection w. (flow-sensitive) static-analysis</a:t>
             </a:r>
           </a:p>
         </p:txBody>
@@ -5913,7 +5844,7 @@
           <p:cNvPr id="3" name="Content Placeholder 2">
             <a:extLst>
               <a:ext uri="{FF2B5EF4-FFF2-40B4-BE49-F238E27FC236}">
-                <a16:creationId xmlns:a16="http://schemas.microsoft.com/office/drawing/2014/main" id="{905744E2-6782-DE42-B7EB-6EC81E7C9C2B}"/>
+                <a16:creationId xmlns:a16="http://schemas.microsoft.com/office/drawing/2014/main" id="{428477C0-4B50-6E46-B798-4AA4CC850E2F}"/>
               </a:ext>
             </a:extLst>
           </p:cNvPr>
@@ -5926,72 +5857,20 @@
         </p:nvSpPr>
         <p:spPr/>
         <p:txBody>
-          <a:bodyPr>
-            <a:normAutofit/>
-          </a:bodyPr>
-          <a:lstStyle/>
-          <a:p>
-            <a:r>
-              <a:rPr lang="en-US" dirty="0"/>
-              <a:t>Context-free Grammars re-interpreted as recursive equations</a:t>
-            </a:r>
-          </a:p>
-          <a:p>
-            <a:pPr lvl="1"/>
-            <a:r>
-              <a:rPr lang="en-US" dirty="0"/>
-              <a:t>S -&gt; </a:t>
-            </a:r>
-            <a:r>
-              <a:rPr lang="en-US" dirty="0" err="1"/>
-              <a:t>aSbS</a:t>
-            </a:r>
-            <a:r>
-              <a:rPr lang="en-US" dirty="0"/>
-              <a:t> | </a:t>
-            </a:r>
-            <a:r>
-              <a:rPr lang="en-US" dirty="0" err="1"/>
-              <a:t>bSaS</a:t>
-            </a:r>
-            <a:r>
-              <a:rPr lang="en-US" dirty="0"/>
-              <a:t> | epsilon  </a:t>
-            </a:r>
-          </a:p>
-          <a:p>
-            <a:pPr lvl="1"/>
-            <a:r>
-              <a:rPr lang="en-US" dirty="0"/>
-              <a:t>Solve the recursive language equation</a:t>
-            </a:r>
-          </a:p>
-          <a:p>
-            <a:pPr lvl="1"/>
-            <a:endParaRPr lang="en-US" dirty="0"/>
-          </a:p>
-          <a:p>
-            <a:r>
-              <a:rPr lang="en-US" dirty="0"/>
-              <a:t>L_S = {a} L_S {b} L_S  U  {b} L_S {a} L_S  U {e}</a:t>
-            </a:r>
-          </a:p>
-          <a:p>
-            <a:pPr marL="0" indent="0">
-              <a:buNone/>
-            </a:pPr>
-            <a:endParaRPr lang="en-US" dirty="0"/>
-          </a:p>
-          <a:p>
-            <a:pPr lvl="1"/>
-            <a:endParaRPr lang="en-US" dirty="0"/>
+          <a:bodyPr/>
+          <a:lstStyle/>
+          <a:p>
+            <a:r>
+              <a:rPr lang="en-US" dirty="0"/>
+              <a:t>Flow-sensitive Static analysis ends up solving such mutually recursive situations</a:t>
+            </a:r>
           </a:p>
         </p:txBody>
       </p:sp>
     </p:spTree>
     <p:extLst>
       <p:ext uri="{BB962C8B-B14F-4D97-AF65-F5344CB8AC3E}">
-        <p14:creationId xmlns:p14="http://schemas.microsoft.com/office/powerpoint/2010/main" val="1297711767"/>
+        <p14:creationId xmlns:p14="http://schemas.microsoft.com/office/powerpoint/2010/main" val="696591542"/>
       </p:ext>
     </p:extLst>
   </p:cSld>
@@ -6023,7 +5902,7 @@
           <p:cNvPr id="2" name="Title 1">
             <a:extLst>
               <a:ext uri="{FF2B5EF4-FFF2-40B4-BE49-F238E27FC236}">
-                <a16:creationId xmlns:a16="http://schemas.microsoft.com/office/drawing/2014/main" id="{5548C101-1BE6-B342-B74F-1C9EF1DDAC81}"/>
+                <a16:creationId xmlns:a16="http://schemas.microsoft.com/office/drawing/2014/main" id="{CBDE2B1E-5E72-2A41-872C-A61F5FF5D8F6}"/>
               </a:ext>
             </a:extLst>
           </p:cNvPr>
@@ -6034,113 +5913,68 @@
             <p:ph type="title"/>
           </p:nvPr>
         </p:nvSpPr>
-        <p:spPr/>
+        <p:spPr>
+          <a:xfrm>
+            <a:off x="558800" y="365126"/>
+            <a:ext cx="11391900" cy="618286"/>
+          </a:xfrm>
+        </p:spPr>
         <p:txBody>
           <a:bodyPr>
             <a:normAutofit fontScale="90000"/>
           </a:bodyPr>
           <a:lstStyle/>
           <a:p>
-            <a:r>
-              <a:rPr lang="en-US" dirty="0"/>
-              <a:t>Fixpoint Theory to Explain CFGs</a:t>
-            </a:r>
-          </a:p>
-        </p:txBody>
-      </p:sp>
-      <p:sp>
-        <p:nvSpPr>
-          <p:cNvPr id="3" name="Content Placeholder 2">
-            <a:extLst>
-              <a:ext uri="{FF2B5EF4-FFF2-40B4-BE49-F238E27FC236}">
-                <a16:creationId xmlns:a16="http://schemas.microsoft.com/office/drawing/2014/main" id="{905744E2-6782-DE42-B7EB-6EC81E7C9C2B}"/>
-              </a:ext>
-            </a:extLst>
-          </p:cNvPr>
-          <p:cNvSpPr>
-            <a:spLocks noGrp="1"/>
-          </p:cNvSpPr>
-          <p:nvPr>
-            <p:ph idx="1"/>
-          </p:nvPr>
-        </p:nvSpPr>
-        <p:spPr/>
-        <p:txBody>
-          <a:bodyPr>
-            <a:normAutofit/>
-          </a:bodyPr>
-          <a:lstStyle/>
-          <a:p>
-            <a:r>
-              <a:rPr lang="en-US" dirty="0"/>
-              <a:t>Context-free Grammars re-interpreted as recursive equations</a:t>
-            </a:r>
-          </a:p>
-          <a:p>
-            <a:pPr lvl="1"/>
-            <a:r>
-              <a:rPr lang="en-US" dirty="0"/>
-              <a:t>S -&gt; </a:t>
+            <a:pPr algn="ctr"/>
+            <a:r>
+              <a:rPr lang="en-US" dirty="0"/>
+              <a:t>E.g.,  Analysis (from Moller/</a:t>
             </a:r>
             <a:r>
               <a:rPr lang="en-US" dirty="0" err="1"/>
-              <a:t>aSbS</a:t>
-            </a:r>
-            <a:r>
-              <a:rPr lang="en-US" dirty="0"/>
-              <a:t> | </a:t>
-            </a:r>
-            <a:r>
-              <a:rPr lang="en-US" dirty="0" err="1"/>
-              <a:t>bSaS</a:t>
-            </a:r>
-            <a:r>
-              <a:rPr lang="en-US" dirty="0"/>
-              <a:t> | epsilon  </a:t>
-            </a:r>
-          </a:p>
-          <a:p>
-            <a:pPr lvl="1"/>
-            <a:r>
-              <a:rPr lang="en-US" dirty="0"/>
-              <a:t>Solve the recursive language equation</a:t>
-            </a:r>
-          </a:p>
-          <a:p>
-            <a:pPr lvl="1"/>
-            <a:endParaRPr lang="en-US" dirty="0"/>
-          </a:p>
-          <a:p>
-            <a:r>
-              <a:rPr lang="en-US" dirty="0"/>
-              <a:t>L_S = {a} L_S {b} L_S  U  {b} L_S {a} L_S  U {e}</a:t>
-            </a:r>
-          </a:p>
-          <a:p>
-            <a:endParaRPr lang="en-US" dirty="0"/>
-          </a:p>
-          <a:p>
-            <a:r>
-              <a:rPr lang="en-US" dirty="0"/>
-              <a:t>What do we get when we iterate from L_S = {}  “upwards” ?</a:t>
-            </a:r>
-          </a:p>
-          <a:p>
-            <a:pPr marL="0" indent="0">
-              <a:buNone/>
-            </a:pPr>
-            <a:endParaRPr lang="en-US" dirty="0"/>
-          </a:p>
-          <a:p>
-            <a:pPr lvl="1"/>
-            <a:endParaRPr lang="en-US" dirty="0"/>
-          </a:p>
-        </p:txBody>
-      </p:sp>
+              <a:t>Schwartzbach</a:t>
+            </a:r>
+            <a:r>
+              <a:rPr lang="en-US" dirty="0"/>
+              <a:t>)</a:t>
+            </a:r>
+          </a:p>
+        </p:txBody>
+      </p:sp>
+      <p:pic>
+        <p:nvPicPr>
+          <p:cNvPr id="7" name="Picture 6" descr="Text, letter&#10;&#10;Description automatically generated">
+            <a:extLst>
+              <a:ext uri="{FF2B5EF4-FFF2-40B4-BE49-F238E27FC236}">
+                <a16:creationId xmlns:a16="http://schemas.microsoft.com/office/drawing/2014/main" id="{9068CA7A-BD79-D743-994F-02FC2945D0CB}"/>
+              </a:ext>
+            </a:extLst>
+          </p:cNvPr>
+          <p:cNvPicPr>
+            <a:picLocks noChangeAspect="1"/>
+          </p:cNvPicPr>
+          <p:nvPr/>
+        </p:nvPicPr>
+        <p:blipFill>
+          <a:blip r:embed="rId2"/>
+          <a:stretch>
+            <a:fillRect/>
+          </a:stretch>
+        </p:blipFill>
+        <p:spPr>
+          <a:xfrm>
+            <a:off x="1847460" y="1078522"/>
+            <a:ext cx="9436489" cy="5220677"/>
+          </a:xfrm>
+          <a:prstGeom prst="rect">
+            <a:avLst/>
+          </a:prstGeom>
+        </p:spPr>
+      </p:pic>
     </p:spTree>
     <p:extLst>
       <p:ext uri="{BB962C8B-B14F-4D97-AF65-F5344CB8AC3E}">
-        <p14:creationId xmlns:p14="http://schemas.microsoft.com/office/powerpoint/2010/main" val="937737704"/>
+        <p14:creationId xmlns:p14="http://schemas.microsoft.com/office/powerpoint/2010/main" val="3253336480"/>
       </p:ext>
     </p:extLst>
   </p:cSld>
@@ -6172,7 +6006,7 @@
           <p:cNvPr id="2" name="Title 1">
             <a:extLst>
               <a:ext uri="{FF2B5EF4-FFF2-40B4-BE49-F238E27FC236}">
-                <a16:creationId xmlns:a16="http://schemas.microsoft.com/office/drawing/2014/main" id="{5548C101-1BE6-B342-B74F-1C9EF1DDAC81}"/>
+                <a16:creationId xmlns:a16="http://schemas.microsoft.com/office/drawing/2014/main" id="{CBDE2B1E-5E72-2A41-872C-A61F5FF5D8F6}"/>
               </a:ext>
             </a:extLst>
           </p:cNvPr>
@@ -6183,104 +6017,98 @@
             <p:ph type="title"/>
           </p:nvPr>
         </p:nvSpPr>
-        <p:spPr/>
+        <p:spPr>
+          <a:xfrm>
+            <a:off x="558800" y="365126"/>
+            <a:ext cx="11391900" cy="618286"/>
+          </a:xfrm>
+        </p:spPr>
         <p:txBody>
           <a:bodyPr>
             <a:normAutofit fontScale="90000"/>
           </a:bodyPr>
           <a:lstStyle/>
           <a:p>
-            <a:r>
-              <a:rPr lang="en-US" dirty="0"/>
-              <a:t>Fixpoint Theory to Explain CFGs</a:t>
-            </a:r>
-          </a:p>
-        </p:txBody>
-      </p:sp>
-      <p:sp>
-        <p:nvSpPr>
-          <p:cNvPr id="3" name="Content Placeholder 2">
-            <a:extLst>
-              <a:ext uri="{FF2B5EF4-FFF2-40B4-BE49-F238E27FC236}">
-                <a16:creationId xmlns:a16="http://schemas.microsoft.com/office/drawing/2014/main" id="{905744E2-6782-DE42-B7EB-6EC81E7C9C2B}"/>
-              </a:ext>
-            </a:extLst>
-          </p:cNvPr>
-          <p:cNvSpPr>
-            <a:spLocks noGrp="1"/>
-          </p:cNvSpPr>
-          <p:nvPr>
-            <p:ph idx="1"/>
-          </p:nvPr>
-        </p:nvSpPr>
-        <p:spPr/>
-        <p:txBody>
-          <a:bodyPr>
-            <a:normAutofit/>
-          </a:bodyPr>
-          <a:lstStyle/>
-          <a:p>
-            <a:r>
-              <a:rPr lang="en-US" dirty="0"/>
-              <a:t>Context-free Grammars re-interpreted as recursive equations</a:t>
-            </a:r>
-          </a:p>
-          <a:p>
-            <a:pPr lvl="1"/>
-            <a:r>
-              <a:rPr lang="en-US" dirty="0"/>
-              <a:t>S -&gt; </a:t>
+            <a:pPr algn="ctr"/>
+            <a:r>
+              <a:rPr lang="en-US" dirty="0"/>
+              <a:t>E.g.,  Analysis (from Moller/</a:t>
             </a:r>
             <a:r>
               <a:rPr lang="en-US" dirty="0" err="1"/>
-              <a:t>aSbS</a:t>
-            </a:r>
-            <a:r>
-              <a:rPr lang="en-US" dirty="0"/>
-              <a:t> | </a:t>
-            </a:r>
-            <a:r>
-              <a:rPr lang="en-US" dirty="0" err="1"/>
-              <a:t>bSaS</a:t>
-            </a:r>
-            <a:r>
-              <a:rPr lang="en-US" dirty="0"/>
-              <a:t> | SS | epsilon </a:t>
-            </a:r>
-          </a:p>
-          <a:p>
-            <a:pPr lvl="1"/>
-            <a:endParaRPr lang="en-US" dirty="0"/>
-          </a:p>
-          <a:p>
-            <a:r>
-              <a:rPr lang="en-US" dirty="0"/>
-              <a:t>L_S = {a} L_S {b} L_S  U  {b} L_S {a} L_S  U {e}  U  L_S L_S</a:t>
-            </a:r>
-          </a:p>
-          <a:p>
-            <a:pPr lvl="1"/>
-            <a:endParaRPr lang="en-US" dirty="0"/>
-          </a:p>
-          <a:p>
-            <a:endParaRPr lang="en-US" dirty="0"/>
-          </a:p>
-          <a:p>
-            <a:pPr marL="457200" lvl="1" indent="0">
-              <a:buNone/>
-            </a:pPr>
-            <a:endParaRPr lang="en-US" dirty="0"/>
-          </a:p>
-          <a:p>
-            <a:pPr lvl="1"/>
-            <a:endParaRPr lang="en-US" dirty="0"/>
-          </a:p>
-        </p:txBody>
-      </p:sp>
+              <a:t>Schwartzbach</a:t>
+            </a:r>
+            <a:r>
+              <a:rPr lang="en-US" dirty="0"/>
+              <a:t>)</a:t>
+            </a:r>
+          </a:p>
+        </p:txBody>
+      </p:sp>
+      <p:pic>
+        <p:nvPicPr>
+          <p:cNvPr id="4" name="Picture 3" descr="Text&#10;&#10;Description automatically generated">
+            <a:extLst>
+              <a:ext uri="{FF2B5EF4-FFF2-40B4-BE49-F238E27FC236}">
+                <a16:creationId xmlns:a16="http://schemas.microsoft.com/office/drawing/2014/main" id="{5B9A0F5C-AD7F-BC48-9CD2-74402C777195}"/>
+              </a:ext>
+            </a:extLst>
+          </p:cNvPr>
+          <p:cNvPicPr>
+            <a:picLocks noChangeAspect="1"/>
+          </p:cNvPicPr>
+          <p:nvPr/>
+        </p:nvPicPr>
+        <p:blipFill>
+          <a:blip r:embed="rId2"/>
+          <a:stretch>
+            <a:fillRect/>
+          </a:stretch>
+        </p:blipFill>
+        <p:spPr>
+          <a:xfrm>
+            <a:off x="361950" y="1314450"/>
+            <a:ext cx="3365500" cy="3009900"/>
+          </a:xfrm>
+          <a:prstGeom prst="rect">
+            <a:avLst/>
+          </a:prstGeom>
+        </p:spPr>
+      </p:pic>
+      <p:pic>
+        <p:nvPicPr>
+          <p:cNvPr id="6" name="Picture 5" descr="Diagram&#10;&#10;Description automatically generated">
+            <a:extLst>
+              <a:ext uri="{FF2B5EF4-FFF2-40B4-BE49-F238E27FC236}">
+                <a16:creationId xmlns:a16="http://schemas.microsoft.com/office/drawing/2014/main" id="{60DD3A73-221F-6A41-A7DD-3281A2050D1F}"/>
+              </a:ext>
+            </a:extLst>
+          </p:cNvPr>
+          <p:cNvPicPr>
+            <a:picLocks noChangeAspect="1"/>
+          </p:cNvPicPr>
+          <p:nvPr/>
+        </p:nvPicPr>
+        <p:blipFill>
+          <a:blip r:embed="rId3"/>
+          <a:stretch>
+            <a:fillRect/>
+          </a:stretch>
+        </p:blipFill>
+        <p:spPr>
+          <a:xfrm>
+            <a:off x="3944111" y="1155700"/>
+            <a:ext cx="7885939" cy="5702300"/>
+          </a:xfrm>
+          <a:prstGeom prst="rect">
+            <a:avLst/>
+          </a:prstGeom>
+        </p:spPr>
+      </p:pic>
     </p:spTree>
     <p:extLst>
       <p:ext uri="{BB962C8B-B14F-4D97-AF65-F5344CB8AC3E}">
-        <p14:creationId xmlns:p14="http://schemas.microsoft.com/office/powerpoint/2010/main" val="1139540920"/>
+        <p14:creationId xmlns:p14="http://schemas.microsoft.com/office/powerpoint/2010/main" val="2666047723"/>
       </p:ext>
     </p:extLst>
   </p:cSld>
@@ -6312,7 +6140,7 @@
           <p:cNvPr id="2" name="Title 1">
             <a:extLst>
               <a:ext uri="{FF2B5EF4-FFF2-40B4-BE49-F238E27FC236}">
-                <a16:creationId xmlns:a16="http://schemas.microsoft.com/office/drawing/2014/main" id="{5548C101-1BE6-B342-B74F-1C9EF1DDAC81}"/>
+                <a16:creationId xmlns:a16="http://schemas.microsoft.com/office/drawing/2014/main" id="{CBDE2B1E-5E72-2A41-872C-A61F5FF5D8F6}"/>
               </a:ext>
             </a:extLst>
           </p:cNvPr>
@@ -6323,113 +6151,98 @@
             <p:ph type="title"/>
           </p:nvPr>
         </p:nvSpPr>
-        <p:spPr/>
+        <p:spPr>
+          <a:xfrm>
+            <a:off x="558800" y="365126"/>
+            <a:ext cx="11391900" cy="618286"/>
+          </a:xfrm>
+        </p:spPr>
         <p:txBody>
           <a:bodyPr>
             <a:normAutofit fontScale="90000"/>
           </a:bodyPr>
           <a:lstStyle/>
           <a:p>
-            <a:r>
-              <a:rPr lang="en-US" dirty="0"/>
-              <a:t>Fixpoint Theory to Explain CFGs</a:t>
-            </a:r>
-          </a:p>
-        </p:txBody>
-      </p:sp>
-      <p:sp>
-        <p:nvSpPr>
-          <p:cNvPr id="3" name="Content Placeholder 2">
-            <a:extLst>
-              <a:ext uri="{FF2B5EF4-FFF2-40B4-BE49-F238E27FC236}">
-                <a16:creationId xmlns:a16="http://schemas.microsoft.com/office/drawing/2014/main" id="{905744E2-6782-DE42-B7EB-6EC81E7C9C2B}"/>
-              </a:ext>
-            </a:extLst>
-          </p:cNvPr>
-          <p:cNvSpPr>
-            <a:spLocks noGrp="1"/>
-          </p:cNvSpPr>
-          <p:nvPr>
-            <p:ph idx="1"/>
-          </p:nvPr>
-        </p:nvSpPr>
-        <p:spPr/>
-        <p:txBody>
-          <a:bodyPr>
-            <a:normAutofit/>
-          </a:bodyPr>
-          <a:lstStyle/>
-          <a:p>
-            <a:r>
-              <a:rPr lang="en-US" dirty="0"/>
-              <a:t>Context-free Grammars re-interpreted as recursive equations</a:t>
-            </a:r>
-          </a:p>
-          <a:p>
-            <a:pPr lvl="1"/>
-            <a:r>
-              <a:rPr lang="en-US" dirty="0"/>
-              <a:t>S -&gt; </a:t>
+            <a:pPr algn="ctr"/>
+            <a:r>
+              <a:rPr lang="en-US" dirty="0"/>
+              <a:t>E.g.,  Analysis (from Moller/</a:t>
             </a:r>
             <a:r>
               <a:rPr lang="en-US" dirty="0" err="1"/>
-              <a:t>aSbS</a:t>
-            </a:r>
-            <a:r>
-              <a:rPr lang="en-US" dirty="0"/>
-              <a:t> | </a:t>
-            </a:r>
-            <a:r>
-              <a:rPr lang="en-US" dirty="0" err="1"/>
-              <a:t>bSaS</a:t>
-            </a:r>
-            <a:r>
-              <a:rPr lang="en-US" dirty="0"/>
-              <a:t> | SS | epsilon </a:t>
-            </a:r>
-          </a:p>
-          <a:p>
-            <a:pPr lvl="1"/>
-            <a:endParaRPr lang="en-US" dirty="0"/>
-          </a:p>
-          <a:p>
-            <a:r>
-              <a:rPr lang="en-US" dirty="0"/>
-              <a:t>L_S = {a} L_S {b} L_S  U  {b} L_S {a} L_S  U {e}  U  L_S L_S</a:t>
-            </a:r>
-          </a:p>
-          <a:p>
-            <a:endParaRPr lang="en-US" dirty="0"/>
-          </a:p>
-          <a:p>
-            <a:r>
-              <a:rPr lang="en-US" dirty="0"/>
-              <a:t>Are there 2 fixpoints? Which is found using iteration using {} as the bottom (going up)?</a:t>
-            </a:r>
-          </a:p>
-          <a:p>
-            <a:pPr lvl="1"/>
-            <a:endParaRPr lang="en-US" dirty="0"/>
-          </a:p>
-          <a:p>
-            <a:endParaRPr lang="en-US" dirty="0"/>
-          </a:p>
-          <a:p>
-            <a:pPr marL="457200" lvl="1" indent="0">
-              <a:buNone/>
-            </a:pPr>
-            <a:endParaRPr lang="en-US" dirty="0"/>
-          </a:p>
-          <a:p>
-            <a:pPr lvl="1"/>
-            <a:endParaRPr lang="en-US" dirty="0"/>
-          </a:p>
-        </p:txBody>
-      </p:sp>
+              <a:t>Schwartzbach</a:t>
+            </a:r>
+            <a:r>
+              <a:rPr lang="en-US" dirty="0"/>
+              <a:t>)</a:t>
+            </a:r>
+          </a:p>
+        </p:txBody>
+      </p:sp>
+      <p:pic>
+        <p:nvPicPr>
+          <p:cNvPr id="4" name="Picture 3" descr="A picture containing chart&#10;&#10;Description automatically generated">
+            <a:extLst>
+              <a:ext uri="{FF2B5EF4-FFF2-40B4-BE49-F238E27FC236}">
+                <a16:creationId xmlns:a16="http://schemas.microsoft.com/office/drawing/2014/main" id="{569375A6-0155-6342-A6DB-5D34B9472F20}"/>
+              </a:ext>
+            </a:extLst>
+          </p:cNvPr>
+          <p:cNvPicPr>
+            <a:picLocks noChangeAspect="1"/>
+          </p:cNvPicPr>
+          <p:nvPr/>
+        </p:nvPicPr>
+        <p:blipFill>
+          <a:blip r:embed="rId2"/>
+          <a:stretch>
+            <a:fillRect/>
+          </a:stretch>
+        </p:blipFill>
+        <p:spPr>
+          <a:xfrm>
+            <a:off x="420137" y="983412"/>
+            <a:ext cx="3378200" cy="1181100"/>
+          </a:xfrm>
+          <a:prstGeom prst="rect">
+            <a:avLst/>
+          </a:prstGeom>
+        </p:spPr>
+      </p:pic>
+      <p:pic>
+        <p:nvPicPr>
+          <p:cNvPr id="8" name="Picture 7" descr="Text, letter&#10;&#10;Description automatically generated">
+            <a:extLst>
+              <a:ext uri="{FF2B5EF4-FFF2-40B4-BE49-F238E27FC236}">
+                <a16:creationId xmlns:a16="http://schemas.microsoft.com/office/drawing/2014/main" id="{D040373D-F0BC-7B4C-B157-FFA36E28C5AA}"/>
+              </a:ext>
+            </a:extLst>
+          </p:cNvPr>
+          <p:cNvPicPr>
+            <a:picLocks noChangeAspect="1"/>
+          </p:cNvPicPr>
+          <p:nvPr/>
+        </p:nvPicPr>
+        <p:blipFill>
+          <a:blip r:embed="rId3"/>
+          <a:stretch>
+            <a:fillRect/>
+          </a:stretch>
+        </p:blipFill>
+        <p:spPr>
+          <a:xfrm>
+            <a:off x="4128345" y="1097712"/>
+            <a:ext cx="7492347" cy="5874588"/>
+          </a:xfrm>
+          <a:prstGeom prst="rect">
+            <a:avLst/>
+          </a:prstGeom>
+        </p:spPr>
+      </p:pic>
     </p:spTree>
     <p:extLst>
       <p:ext uri="{BB962C8B-B14F-4D97-AF65-F5344CB8AC3E}">
-        <p14:creationId xmlns:p14="http://schemas.microsoft.com/office/powerpoint/2010/main" val="58073631"/>
+        <p14:creationId xmlns:p14="http://schemas.microsoft.com/office/powerpoint/2010/main" val="1125179546"/>
       </p:ext>
     </p:extLst>
   </p:cSld>
@@ -6461,7 +6274,7 @@
           <p:cNvPr id="2" name="Title 1">
             <a:extLst>
               <a:ext uri="{FF2B5EF4-FFF2-40B4-BE49-F238E27FC236}">
-                <a16:creationId xmlns:a16="http://schemas.microsoft.com/office/drawing/2014/main" id="{5548C101-1BE6-B342-B74F-1C9EF1DDAC81}"/>
+                <a16:creationId xmlns:a16="http://schemas.microsoft.com/office/drawing/2014/main" id="{CBDE2B1E-5E72-2A41-872C-A61F5FF5D8F6}"/>
               </a:ext>
             </a:extLst>
           </p:cNvPr>
@@ -6472,112 +6285,103 @@
             <p:ph type="title"/>
           </p:nvPr>
         </p:nvSpPr>
-        <p:spPr/>
+        <p:spPr>
+          <a:xfrm>
+            <a:off x="558800" y="365126"/>
+            <a:ext cx="11391900" cy="618286"/>
+          </a:xfrm>
+        </p:spPr>
         <p:txBody>
           <a:bodyPr>
             <a:normAutofit fontScale="90000"/>
           </a:bodyPr>
           <a:lstStyle/>
           <a:p>
-            <a:r>
-              <a:rPr lang="en-US" dirty="0"/>
-              <a:t>Fixpoint Theory to Explain CFGs</a:t>
-            </a:r>
-          </a:p>
-        </p:txBody>
-      </p:sp>
-      <p:sp>
-        <p:nvSpPr>
-          <p:cNvPr id="3" name="Content Placeholder 2">
-            <a:extLst>
-              <a:ext uri="{FF2B5EF4-FFF2-40B4-BE49-F238E27FC236}">
-                <a16:creationId xmlns:a16="http://schemas.microsoft.com/office/drawing/2014/main" id="{905744E2-6782-DE42-B7EB-6EC81E7C9C2B}"/>
-              </a:ext>
-            </a:extLst>
-          </p:cNvPr>
-          <p:cNvSpPr>
-            <a:spLocks noGrp="1"/>
-          </p:cNvSpPr>
-          <p:nvPr>
-            <p:ph idx="1"/>
-          </p:nvPr>
-        </p:nvSpPr>
-        <p:spPr/>
-        <p:txBody>
-          <a:bodyPr>
-            <a:normAutofit/>
+            <a:pPr algn="ctr"/>
+            <a:r>
+              <a:rPr lang="en-US" dirty="0"/>
+              <a:t>E.g.,  Analysis (from Moller/</a:t>
+            </a:r>
+            <a:r>
+              <a:rPr lang="en-US" dirty="0" err="1"/>
+              <a:t>Schwartzbach</a:t>
+            </a:r>
+            <a:r>
+              <a:rPr lang="en-US" dirty="0"/>
+              <a:t>)</a:t>
+            </a:r>
+          </a:p>
+        </p:txBody>
+      </p:sp>
+      <p:pic>
+        <p:nvPicPr>
+          <p:cNvPr id="7" name="Picture 6" descr="Text, letter&#10;&#10;Description automatically generated">
+            <a:extLst>
+              <a:ext uri="{FF2B5EF4-FFF2-40B4-BE49-F238E27FC236}">
+                <a16:creationId xmlns:a16="http://schemas.microsoft.com/office/drawing/2014/main" id="{31A6F80D-A25F-A348-8B22-5232DC35FBD8}"/>
+              </a:ext>
+            </a:extLst>
+          </p:cNvPr>
+          <p:cNvPicPr>
+            <a:picLocks noChangeAspect="1"/>
+          </p:cNvPicPr>
+          <p:nvPr/>
+        </p:nvPicPr>
+        <p:blipFill>
+          <a:blip r:embed="rId2"/>
+          <a:stretch>
+            <a:fillRect/>
+          </a:stretch>
+        </p:blipFill>
+        <p:spPr>
+          <a:xfrm>
+            <a:off x="2374900" y="1323974"/>
+            <a:ext cx="7442200" cy="5168900"/>
+          </a:xfrm>
+          <a:prstGeom prst="rect">
+            <a:avLst/>
+          </a:prstGeom>
+        </p:spPr>
+      </p:pic>
+      <p:sp>
+        <p:nvSpPr>
+          <p:cNvPr id="8" name="TextBox 7">
+            <a:extLst>
+              <a:ext uri="{FF2B5EF4-FFF2-40B4-BE49-F238E27FC236}">
+                <a16:creationId xmlns:a16="http://schemas.microsoft.com/office/drawing/2014/main" id="{35D56DF1-C43B-A345-9A07-915CF8FA0990}"/>
+              </a:ext>
+            </a:extLst>
+          </p:cNvPr>
+          <p:cNvSpPr txBox="1"/>
+          <p:nvPr/>
+        </p:nvSpPr>
+        <p:spPr>
+          <a:xfrm>
+            <a:off x="9207500" y="4127500"/>
+            <a:ext cx="2610010" cy="369332"/>
+          </a:xfrm>
+          <a:prstGeom prst="rect">
+            <a:avLst/>
+          </a:prstGeom>
+          <a:noFill/>
+        </p:spPr>
+        <p:txBody>
+          <a:bodyPr wrap="none" rtlCol="0">
+            <a:spAutoFit/>
           </a:bodyPr>
           <a:lstStyle/>
           <a:p>
             <a:r>
               <a:rPr lang="en-US" dirty="0"/>
-              <a:t>Then discuss the system</a:t>
-            </a:r>
-          </a:p>
-          <a:p>
-            <a:pPr lvl="1"/>
-            <a:r>
-              <a:rPr lang="en-US" dirty="0"/>
-              <a:t>S -&gt; epsilon | ( W S</a:t>
-            </a:r>
-          </a:p>
-          <a:p>
-            <a:pPr lvl="1"/>
-            <a:r>
-              <a:rPr lang="en-US" dirty="0"/>
-              <a:t>W -&gt; ( W W | )</a:t>
-            </a:r>
-          </a:p>
-          <a:p>
-            <a:pPr lvl="1"/>
-            <a:endParaRPr lang="en-US" dirty="0"/>
-          </a:p>
-          <a:p>
-            <a:r>
-              <a:rPr lang="en-US" dirty="0"/>
-              <a:t>Solve</a:t>
-            </a:r>
-          </a:p>
-          <a:p>
-            <a:r>
-              <a:rPr lang="en-US" dirty="0"/>
-              <a:t>(L_S, L_W) = </a:t>
-            </a:r>
-            <a:r>
-              <a:rPr lang="en-US" dirty="0">
-                <a:solidFill>
-                  <a:srgbClr val="0F4F97"/>
-                </a:solidFill>
-              </a:rPr>
-              <a:t>(</a:t>
-            </a:r>
-            <a:r>
-              <a:rPr lang="en-US" dirty="0"/>
-              <a:t>   {e} U {(} L_W L_S   ,   {(} L_W  L_W   U  {)}  </a:t>
-            </a:r>
-            <a:r>
-              <a:rPr lang="en-US" dirty="0">
-                <a:solidFill>
-                  <a:srgbClr val="0F4F97"/>
-                </a:solidFill>
-              </a:rPr>
-              <a:t>)</a:t>
-            </a:r>
-          </a:p>
-          <a:p>
-            <a:pPr lvl="1"/>
-            <a:endParaRPr lang="en-US" dirty="0"/>
-          </a:p>
-          <a:p>
-            <a:pPr lvl="1"/>
-            <a:endParaRPr lang="en-US" dirty="0"/>
+              <a:t>See the recursion here!</a:t>
+            </a:r>
           </a:p>
         </p:txBody>
       </p:sp>
     </p:spTree>
     <p:extLst>
       <p:ext uri="{BB962C8B-B14F-4D97-AF65-F5344CB8AC3E}">
-        <p14:creationId xmlns:p14="http://schemas.microsoft.com/office/powerpoint/2010/main" val="3612620117"/>
+        <p14:creationId xmlns:p14="http://schemas.microsoft.com/office/powerpoint/2010/main" val="3484334490"/>
       </p:ext>
     </p:extLst>
   </p:cSld>
@@ -6609,7 +6413,7 @@
           <p:cNvPr id="2" name="Title 1">
             <a:extLst>
               <a:ext uri="{FF2B5EF4-FFF2-40B4-BE49-F238E27FC236}">
-                <a16:creationId xmlns:a16="http://schemas.microsoft.com/office/drawing/2014/main" id="{5548C101-1BE6-B342-B74F-1C9EF1DDAC81}"/>
+                <a16:creationId xmlns:a16="http://schemas.microsoft.com/office/drawing/2014/main" id="{CBDE2B1E-5E72-2A41-872C-A61F5FF5D8F6}"/>
               </a:ext>
             </a:extLst>
           </p:cNvPr>
@@ -6620,139 +6424,98 @@
             <p:ph type="title"/>
           </p:nvPr>
         </p:nvSpPr>
-        <p:spPr/>
+        <p:spPr>
+          <a:xfrm>
+            <a:off x="558800" y="365126"/>
+            <a:ext cx="11391900" cy="618286"/>
+          </a:xfrm>
+        </p:spPr>
         <p:txBody>
           <a:bodyPr>
             <a:normAutofit fontScale="90000"/>
           </a:bodyPr>
           <a:lstStyle/>
           <a:p>
-            <a:r>
-              <a:rPr lang="en-US" dirty="0"/>
-              <a:t>Fixpoint Theory to Explain CFGs</a:t>
-            </a:r>
-          </a:p>
-        </p:txBody>
-      </p:sp>
-      <p:sp>
-        <p:nvSpPr>
-          <p:cNvPr id="3" name="Content Placeholder 2">
-            <a:extLst>
-              <a:ext uri="{FF2B5EF4-FFF2-40B4-BE49-F238E27FC236}">
-                <a16:creationId xmlns:a16="http://schemas.microsoft.com/office/drawing/2014/main" id="{905744E2-6782-DE42-B7EB-6EC81E7C9C2B}"/>
-              </a:ext>
-            </a:extLst>
-          </p:cNvPr>
-          <p:cNvSpPr>
-            <a:spLocks noGrp="1"/>
-          </p:cNvSpPr>
-          <p:nvPr>
-            <p:ph idx="1"/>
-          </p:nvPr>
-        </p:nvSpPr>
-        <p:spPr/>
-        <p:txBody>
-          <a:bodyPr>
-            <a:normAutofit/>
-          </a:bodyPr>
-          <a:lstStyle/>
-          <a:p>
-            <a:r>
-              <a:rPr lang="en-US" dirty="0"/>
-              <a:t>Then discuss the system</a:t>
-            </a:r>
-          </a:p>
-          <a:p>
-            <a:pPr lvl="1"/>
-            <a:r>
-              <a:rPr lang="en-US" dirty="0"/>
-              <a:t>S -&gt; epsilon | ( W S</a:t>
-            </a:r>
-          </a:p>
-          <a:p>
-            <a:pPr lvl="1"/>
-            <a:r>
-              <a:rPr lang="en-US" dirty="0"/>
-              <a:t>W -&gt; ( W W | )</a:t>
-            </a:r>
-          </a:p>
-          <a:p>
-            <a:pPr lvl="1"/>
-            <a:endParaRPr lang="en-US" dirty="0"/>
-          </a:p>
-          <a:p>
-            <a:r>
-              <a:rPr lang="en-US" dirty="0"/>
-              <a:t>Solve</a:t>
-            </a:r>
-          </a:p>
-          <a:p>
-            <a:r>
-              <a:rPr lang="en-US" dirty="0"/>
-              <a:t>(L_S, L_W) = </a:t>
-            </a:r>
-            <a:r>
-              <a:rPr lang="en-US" dirty="0">
-                <a:solidFill>
-                  <a:srgbClr val="0F4F97"/>
-                </a:solidFill>
-              </a:rPr>
-              <a:t>(</a:t>
-            </a:r>
-            <a:r>
-              <a:rPr lang="en-US" dirty="0"/>
-              <a:t>   {e} U {(} L_W L_S   ,   {(} L_W  L_W   U  {)}  </a:t>
-            </a:r>
-            <a:r>
-              <a:rPr lang="en-US" dirty="0">
-                <a:solidFill>
-                  <a:srgbClr val="0F4F97"/>
-                </a:solidFill>
-              </a:rPr>
+            <a:pPr algn="ctr"/>
+            <a:r>
+              <a:rPr lang="en-US" dirty="0"/>
+              <a:t>E.g.,  Analysis (from Moller/</a:t>
+            </a:r>
+            <a:r>
+              <a:rPr lang="en-US" dirty="0" err="1"/>
+              <a:t>Schwartzbach</a:t>
+            </a:r>
+            <a:r>
+              <a:rPr lang="en-US" dirty="0"/>
               <a:t>)</a:t>
             </a:r>
           </a:p>
-          <a:p>
-            <a:endParaRPr lang="en-US" dirty="0">
-              <a:solidFill>
-                <a:srgbClr val="0F4F97"/>
-              </a:solidFill>
-            </a:endParaRPr>
-          </a:p>
-          <a:p>
-            <a:r>
-              <a:rPr lang="en-US" dirty="0">
-                <a:solidFill>
-                  <a:srgbClr val="0F4F97"/>
-                </a:solidFill>
-              </a:rPr>
-              <a:t>What fixpoint obtained by iterating up from ({} , {})  ?</a:t>
-            </a:r>
-          </a:p>
-          <a:p>
-            <a:r>
-              <a:rPr lang="en-US" dirty="0">
-                <a:solidFill>
-                  <a:srgbClr val="0F4F97"/>
-                </a:solidFill>
-              </a:rPr>
-              <a:t>What is the lattice ordering?</a:t>
-            </a:r>
-          </a:p>
-          <a:p>
-            <a:pPr lvl="1"/>
-            <a:endParaRPr lang="en-US" dirty="0"/>
-          </a:p>
-          <a:p>
-            <a:pPr lvl="1"/>
-            <a:endParaRPr lang="en-US" dirty="0"/>
-          </a:p>
-        </p:txBody>
-      </p:sp>
+        </p:txBody>
+      </p:sp>
+      <p:pic>
+        <p:nvPicPr>
+          <p:cNvPr id="6" name="Picture 5" descr="Text&#10;&#10;Description automatically generated">
+            <a:extLst>
+              <a:ext uri="{FF2B5EF4-FFF2-40B4-BE49-F238E27FC236}">
+                <a16:creationId xmlns:a16="http://schemas.microsoft.com/office/drawing/2014/main" id="{3E8182FD-43A3-E14E-B9CE-B34A11E1A7E3}"/>
+              </a:ext>
+            </a:extLst>
+          </p:cNvPr>
+          <p:cNvPicPr>
+            <a:picLocks noChangeAspect="1"/>
+          </p:cNvPicPr>
+          <p:nvPr/>
+        </p:nvPicPr>
+        <p:blipFill>
+          <a:blip r:embed="rId2"/>
+          <a:stretch>
+            <a:fillRect/>
+          </a:stretch>
+        </p:blipFill>
+        <p:spPr>
+          <a:xfrm>
+            <a:off x="5118100" y="2479674"/>
+            <a:ext cx="3009900" cy="4013200"/>
+          </a:xfrm>
+          <a:prstGeom prst="rect">
+            <a:avLst/>
+          </a:prstGeom>
+        </p:spPr>
+      </p:pic>
+      <p:pic>
+        <p:nvPicPr>
+          <p:cNvPr id="8" name="Picture 7" descr="Text&#10;&#10;Description automatically generated">
+            <a:extLst>
+              <a:ext uri="{FF2B5EF4-FFF2-40B4-BE49-F238E27FC236}">
+                <a16:creationId xmlns:a16="http://schemas.microsoft.com/office/drawing/2014/main" id="{52D3B3E5-A6BD-334F-A455-B9CB4C084366}"/>
+              </a:ext>
+            </a:extLst>
+          </p:cNvPr>
+          <p:cNvPicPr>
+            <a:picLocks noChangeAspect="1"/>
+          </p:cNvPicPr>
+          <p:nvPr/>
+        </p:nvPicPr>
+        <p:blipFill>
+          <a:blip r:embed="rId3"/>
+          <a:stretch>
+            <a:fillRect/>
+          </a:stretch>
+        </p:blipFill>
+        <p:spPr>
+          <a:xfrm>
+            <a:off x="4749800" y="1065211"/>
+            <a:ext cx="3987800" cy="2463800"/>
+          </a:xfrm>
+          <a:prstGeom prst="rect">
+            <a:avLst/>
+          </a:prstGeom>
+        </p:spPr>
+      </p:pic>
     </p:spTree>
     <p:extLst>
       <p:ext uri="{BB962C8B-B14F-4D97-AF65-F5344CB8AC3E}">
-        <p14:creationId xmlns:p14="http://schemas.microsoft.com/office/powerpoint/2010/main" val="4213971796"/>
+        <p14:creationId xmlns:p14="http://schemas.microsoft.com/office/powerpoint/2010/main" val="570824671"/>
       </p:ext>
     </p:extLst>
   </p:cSld>
@@ -6784,7 +6547,7 @@
           <p:cNvPr id="2" name="Title 1">
             <a:extLst>
               <a:ext uri="{FF2B5EF4-FFF2-40B4-BE49-F238E27FC236}">
-                <a16:creationId xmlns:a16="http://schemas.microsoft.com/office/drawing/2014/main" id="{066F26C0-23E2-F14D-8605-D3A28485A13F}"/>
+                <a16:creationId xmlns:a16="http://schemas.microsoft.com/office/drawing/2014/main" id="{CBDE2B1E-5E72-2A41-872C-A61F5FF5D8F6}"/>
               </a:ext>
             </a:extLst>
           </p:cNvPr>
@@ -6797,36 +6560,38 @@
         </p:nvSpPr>
         <p:spPr>
           <a:xfrm>
-            <a:off x="0" y="-1"/>
-            <a:ext cx="11438021" cy="515519"/>
+            <a:off x="558800" y="365126"/>
+            <a:ext cx="11391900" cy="618286"/>
           </a:xfrm>
         </p:spPr>
         <p:txBody>
-          <a:bodyPr vert="horz" lIns="91440" tIns="45720" rIns="91440" bIns="45720" rtlCol="0" anchor="ctr">
-            <a:normAutofit/>
+          <a:bodyPr>
+            <a:normAutofit fontScale="90000"/>
           </a:bodyPr>
           <a:lstStyle/>
           <a:p>
-            <a:r>
-              <a:rPr lang="en-US" sz="2400" kern="1200" dirty="0">
-                <a:solidFill>
-                  <a:schemeClr val="tx1"/>
-                </a:solidFill>
-                <a:latin typeface="+mj-lt"/>
-                <a:ea typeface="+mj-ea"/>
-                <a:cs typeface="+mj-cs"/>
-              </a:rPr>
-              <a:t>Fixpoint Theory to understand Recursion</a:t>
+            <a:pPr algn="ctr"/>
+            <a:r>
+              <a:rPr lang="en-US" dirty="0"/>
+              <a:t>E.g.,  Analysis (from Moller/</a:t>
+            </a:r>
+            <a:r>
+              <a:rPr lang="en-US" dirty="0" err="1"/>
+              <a:t>Schwartzbach</a:t>
+            </a:r>
+            <a:r>
+              <a:rPr lang="en-US" dirty="0"/>
+              <a:t>)</a:t>
             </a:r>
           </a:p>
         </p:txBody>
       </p:sp>
       <p:pic>
         <p:nvPicPr>
-          <p:cNvPr id="4" name="Picture 3" descr="Diagram&#10;&#10;Description automatically generated with medium confidence">
-            <a:extLst>
-              <a:ext uri="{FF2B5EF4-FFF2-40B4-BE49-F238E27FC236}">
-                <a16:creationId xmlns:a16="http://schemas.microsoft.com/office/drawing/2014/main" id="{488AB08F-8DB9-354D-971D-B7FC860761EF}"/>
+          <p:cNvPr id="4" name="Picture 3" descr="Text, letter&#10;&#10;Description automatically generated">
+            <a:extLst>
+              <a:ext uri="{FF2B5EF4-FFF2-40B4-BE49-F238E27FC236}">
+                <a16:creationId xmlns:a16="http://schemas.microsoft.com/office/drawing/2014/main" id="{C02B3E10-8515-8B40-8C49-D9C83B0D8E9C}"/>
               </a:ext>
             </a:extLst>
           </p:cNvPr>
@@ -6843,8 +6608,8 @@
         </p:blipFill>
         <p:spPr>
           <a:xfrm>
-            <a:off x="0" y="515518"/>
-            <a:ext cx="12192000" cy="1705970"/>
+            <a:off x="8128000" y="2844800"/>
+            <a:ext cx="3962400" cy="3810000"/>
           </a:xfrm>
           <a:prstGeom prst="rect">
             <a:avLst/>
@@ -6853,10 +6618,10 @@
       </p:pic>
       <p:pic>
         <p:nvPicPr>
-          <p:cNvPr id="7" name="Picture 6" descr="Text, letter&#10;&#10;Description automatically generated">
-            <a:extLst>
-              <a:ext uri="{FF2B5EF4-FFF2-40B4-BE49-F238E27FC236}">
-                <a16:creationId xmlns:a16="http://schemas.microsoft.com/office/drawing/2014/main" id="{165979BC-E799-0D48-B617-C0F5DBB36146}"/>
+          <p:cNvPr id="5" name="Picture 4" descr="Text&#10;&#10;Description automatically generated">
+            <a:extLst>
+              <a:ext uri="{FF2B5EF4-FFF2-40B4-BE49-F238E27FC236}">
+                <a16:creationId xmlns:a16="http://schemas.microsoft.com/office/drawing/2014/main" id="{E2544734-65B8-9C4B-8C1F-47D503B97900}"/>
               </a:ext>
             </a:extLst>
           </p:cNvPr>
@@ -6873,161 +6638,18 @@
         </p:blipFill>
         <p:spPr>
           <a:xfrm>
-            <a:off x="635086" y="2027286"/>
-            <a:ext cx="10167848" cy="1584600"/>
+            <a:off x="266700" y="990600"/>
+            <a:ext cx="11277600" cy="1854200"/>
           </a:xfrm>
           <a:prstGeom prst="rect">
             <a:avLst/>
           </a:prstGeom>
         </p:spPr>
       </p:pic>
-      <p:sp>
-        <p:nvSpPr>
-          <p:cNvPr id="8" name="TextBox 7">
-            <a:extLst>
-              <a:ext uri="{FF2B5EF4-FFF2-40B4-BE49-F238E27FC236}">
-                <a16:creationId xmlns:a16="http://schemas.microsoft.com/office/drawing/2014/main" id="{C34B177A-A849-D74F-B82F-BF36CF921F7D}"/>
-              </a:ext>
-            </a:extLst>
-          </p:cNvPr>
-          <p:cNvSpPr txBox="1"/>
-          <p:nvPr/>
-        </p:nvSpPr>
-        <p:spPr>
-          <a:xfrm>
-            <a:off x="1398494" y="3579057"/>
-            <a:ext cx="10167848" cy="3139321"/>
-          </a:xfrm>
-          <a:prstGeom prst="rect">
-            <a:avLst/>
-          </a:prstGeom>
-          <a:noFill/>
-        </p:spPr>
-        <p:txBody>
-          <a:bodyPr wrap="none" rtlCol="0">
-            <a:spAutoFit/>
-          </a:bodyPr>
-          <a:lstStyle/>
-          <a:p>
-            <a:r>
-              <a:rPr lang="en-US" dirty="0"/>
-              <a:t>Function f3 corresponds to  </a:t>
-            </a:r>
-            <a:r>
-              <a:rPr lang="en-US" dirty="0" err="1"/>
-              <a:t>lim_i</a:t>
-            </a:r>
-            <a:r>
-              <a:rPr lang="en-US" dirty="0"/>
-              <a:t> { </a:t>
-            </a:r>
-            <a:r>
-              <a:rPr lang="en-US" dirty="0" err="1"/>
-              <a:t>Tau^i</a:t>
-            </a:r>
-            <a:r>
-              <a:rPr lang="en-US" dirty="0"/>
-              <a:t> [ </a:t>
-            </a:r>
-            <a:r>
-              <a:rPr lang="en-US" dirty="0" err="1"/>
-              <a:t>Bottom_fn</a:t>
-            </a:r>
-            <a:r>
-              <a:rPr lang="en-US" dirty="0"/>
-              <a:t> ] }</a:t>
-            </a:r>
-          </a:p>
-          <a:p>
-            <a:endParaRPr lang="en-US" dirty="0"/>
-          </a:p>
-          <a:p>
-            <a:r>
-              <a:rPr lang="en-US" dirty="0"/>
-              <a:t>Where Tau for “F” above is:  </a:t>
-            </a:r>
-            <a:r>
-              <a:rPr lang="en-US" dirty="0">
-                <a:solidFill>
-                  <a:srgbClr val="0F4F97"/>
-                </a:solidFill>
-              </a:rPr>
-              <a:t>…fill this…  </a:t>
-            </a:r>
-            <a:r>
-              <a:rPr lang="en-US" dirty="0"/>
-              <a:t>and is called </a:t>
-            </a:r>
-          </a:p>
-          <a:p>
-            <a:r>
-              <a:rPr lang="en-US" dirty="0"/>
-              <a:t>the “functional underlying the recursive definition (in Manna’s book)</a:t>
-            </a:r>
-          </a:p>
-          <a:p>
-            <a:endParaRPr lang="en-US" dirty="0"/>
-          </a:p>
-          <a:p>
-            <a:r>
-              <a:rPr lang="en-US" dirty="0"/>
-              <a:t>In Chapter 18 of Book-3, it is called the “pre” function (e.g. </a:t>
-            </a:r>
-            <a:r>
-              <a:rPr lang="en-US" dirty="0" err="1"/>
-              <a:t>PreFact</a:t>
-            </a:r>
-            <a:r>
-              <a:rPr lang="en-US" dirty="0"/>
-              <a:t> </a:t>
-            </a:r>
-            <a:r>
-              <a:rPr lang="en-US" dirty="0" err="1"/>
-              <a:t>etc</a:t>
-            </a:r>
-            <a:r>
-              <a:rPr lang="en-US" dirty="0"/>
-              <a:t>) on</a:t>
-            </a:r>
-          </a:p>
-          <a:p>
-            <a:r>
-              <a:rPr lang="en-US" dirty="0"/>
-              <a:t> which the Y combinator is applied.</a:t>
-            </a:r>
-          </a:p>
-          <a:p>
-            <a:endParaRPr lang="en-US" dirty="0"/>
-          </a:p>
-          <a:p>
-            <a:r>
-              <a:rPr lang="en-US" dirty="0"/>
-              <a:t>Applying the Y combinator gives the same effect as computing the limit of this chain of functions</a:t>
-            </a:r>
-          </a:p>
-          <a:p>
-            <a:endParaRPr lang="en-US" dirty="0"/>
-          </a:p>
-          <a:p>
-            <a:r>
-              <a:rPr lang="en-US" dirty="0"/>
-              <a:t>What does Tau^1[Bottom] correspond to? What about Tau^2 ? Tau^3 ? </a:t>
-            </a:r>
-            <a:r>
-              <a:rPr lang="en-US" dirty="0">
-                <a:solidFill>
-                  <a:srgbClr val="0F4F97"/>
-                </a:solidFill>
-              </a:rPr>
-              <a:t>…fill this…</a:t>
-            </a:r>
-          </a:p>
-        </p:txBody>
-      </p:sp>
     </p:spTree>
     <p:extLst>
       <p:ext uri="{BB962C8B-B14F-4D97-AF65-F5344CB8AC3E}">
-        <p14:creationId xmlns:p14="http://schemas.microsoft.com/office/powerpoint/2010/main" val="3268384358"/>
+        <p14:creationId xmlns:p14="http://schemas.microsoft.com/office/powerpoint/2010/main" val="1960380861"/>
       </p:ext>
     </p:extLst>
   </p:cSld>
@@ -7080,7 +6702,7 @@
             <a:pPr algn="ctr"/>
             <a:r>
               <a:rPr lang="en-US" dirty="0"/>
-              <a:t>Now discuss notes in this directory</a:t>
+              <a:t>Uniqueness of Least Fixpoints</a:t>
             </a:r>
           </a:p>
         </p:txBody>
@@ -7103,34 +6725,26 @@
         </p:nvSpPr>
         <p:spPr/>
         <p:txBody>
-          <a:bodyPr>
-            <a:normAutofit fontScale="92500" lnSpcReduction="10000"/>
-          </a:bodyPr>
-          <a:lstStyle/>
-          <a:p>
-            <a:r>
-              <a:rPr lang="en-US" dirty="0"/>
-              <a:t>Manna’s work on interpreting these functions</a:t>
-            </a:r>
-          </a:p>
-          <a:p>
-            <a:r>
-              <a:rPr lang="en-US" dirty="0"/>
-              <a:t>Which function can we “experimentally compute”?</a:t>
-            </a:r>
-          </a:p>
-          <a:p>
-            <a:pPr lvl="1"/>
-            <a:r>
-              <a:rPr lang="en-US" dirty="0"/>
-              <a:t>If we keep experimenting with F in say Python , what function table can we fill ?</a:t>
-            </a:r>
-          </a:p>
-          <a:p>
-            <a:pPr lvl="1"/>
-            <a:r>
-              <a:rPr lang="en-US" dirty="0"/>
-              <a:t>What if we did it in a different (lazy) language)?</a:t>
+          <a:bodyPr/>
+          <a:lstStyle/>
+          <a:p>
+            <a:r>
+              <a:rPr lang="en-US" dirty="0"/>
+              <a:t>Least fixpoints exist and are unique when Tau is</a:t>
+            </a:r>
+          </a:p>
+          <a:p>
+            <a:pPr lvl="1"/>
+            <a:r>
+              <a:rPr lang="en-US" dirty="0"/>
+              <a:t>Monotonic</a:t>
+            </a:r>
+          </a:p>
+          <a:p>
+            <a:pPr lvl="1"/>
+            <a:r>
+              <a:rPr lang="en-US" dirty="0"/>
+              <a:t>Continuous</a:t>
             </a:r>
           </a:p>
           <a:p>
@@ -7140,29 +6754,31 @@
           <a:p>
             <a:r>
               <a:rPr lang="en-US" dirty="0"/>
-              <a:t>That is, if we compute according to a fixpoint computation rule, we will get the “true answer”</a:t>
-            </a:r>
-          </a:p>
-          <a:p>
+              <a:t>For infinite lattices</a:t>
+            </a:r>
+          </a:p>
+          <a:p>
+            <a:pPr lvl="1"/>
+            <a:r>
+              <a:rPr lang="en-US" dirty="0"/>
+              <a:t>Continuity implies Monotonicity</a:t>
+            </a:r>
+          </a:p>
+          <a:p>
+            <a:pPr lvl="1"/>
             <a:endParaRPr lang="en-US" dirty="0"/>
           </a:p>
           <a:p>
             <a:r>
               <a:rPr lang="en-US" dirty="0"/>
-              <a:t>None of this is largely of concern for finite lattices </a:t>
-            </a:r>
-          </a:p>
-          <a:p>
-            <a:pPr lvl="1"/>
-            <a:r>
-              <a:rPr lang="en-US" dirty="0"/>
-              <a:t>Many static-analysis situations</a:t>
-            </a:r>
-          </a:p>
-          <a:p>
-            <a:r>
-              <a:rPr lang="en-US" dirty="0"/>
-              <a:t>But the general story is important to know.</a:t>
+              <a:t>For finite lattices</a:t>
+            </a:r>
+          </a:p>
+          <a:p>
+            <a:pPr lvl="1"/>
+            <a:r>
+              <a:rPr lang="en-US" dirty="0"/>
+              <a:t>Monotonicity implies Continuity</a:t>
             </a:r>
           </a:p>
         </p:txBody>
@@ -7170,7 +6786,7 @@
     </p:spTree>
     <p:extLst>
       <p:ext uri="{BB962C8B-B14F-4D97-AF65-F5344CB8AC3E}">
-        <p14:creationId xmlns:p14="http://schemas.microsoft.com/office/powerpoint/2010/main" val="318267328"/>
+        <p14:creationId xmlns:p14="http://schemas.microsoft.com/office/powerpoint/2010/main" val="1110578540"/>
       </p:ext>
     </p:extLst>
   </p:cSld>
@@ -7202,7 +6818,7 @@
           <p:cNvPr id="2" name="Title 1">
             <a:extLst>
               <a:ext uri="{FF2B5EF4-FFF2-40B4-BE49-F238E27FC236}">
-                <a16:creationId xmlns:a16="http://schemas.microsoft.com/office/drawing/2014/main" id="{CBDE2B1E-5E72-2A41-872C-A61F5FF5D8F6}"/>
+                <a16:creationId xmlns:a16="http://schemas.microsoft.com/office/drawing/2014/main" id="{5548C101-1BE6-B342-B74F-1C9EF1DDAC81}"/>
               </a:ext>
             </a:extLst>
           </p:cNvPr>
@@ -7220,10 +6836,9 @@
           </a:bodyPr>
           <a:lstStyle/>
           <a:p>
-            <a:pPr algn="ctr"/>
-            <a:r>
-              <a:rPr lang="en-US" dirty="0"/>
-              <a:t>CTL Model Checking</a:t>
+            <a:r>
+              <a:rPr lang="en-US" dirty="0"/>
+              <a:t>Fixpoint Theory to Explain CFGs</a:t>
             </a:r>
           </a:p>
         </p:txBody>
@@ -7233,7 +6848,7 @@
           <p:cNvPr id="3" name="Content Placeholder 2">
             <a:extLst>
               <a:ext uri="{FF2B5EF4-FFF2-40B4-BE49-F238E27FC236}">
-                <a16:creationId xmlns:a16="http://schemas.microsoft.com/office/drawing/2014/main" id="{428477C0-4B50-6E46-B798-4AA4CC850E2F}"/>
+                <a16:creationId xmlns:a16="http://schemas.microsoft.com/office/drawing/2014/main" id="{905744E2-6782-DE42-B7EB-6EC81E7C9C2B}"/>
               </a:ext>
             </a:extLst>
           </p:cNvPr>
@@ -7246,43 +6861,90 @@
         </p:nvSpPr>
         <p:spPr/>
         <p:txBody>
-          <a:bodyPr/>
-          <a:lstStyle/>
-          <a:p>
-            <a:r>
-              <a:rPr lang="en-US" dirty="0"/>
-              <a:t>Least fixpoints exist and are unique when Tau is</a:t>
-            </a:r>
-          </a:p>
-          <a:p>
-            <a:pPr lvl="1"/>
-            <a:r>
-              <a:rPr lang="en-US" dirty="0"/>
-              <a:t>Monotonic</a:t>
-            </a:r>
-          </a:p>
-          <a:p>
-            <a:pPr lvl="1"/>
-            <a:r>
-              <a:rPr lang="en-US" dirty="0"/>
-              <a:t>Continuous</a:t>
-            </a:r>
-          </a:p>
-          <a:p>
-            <a:pPr lvl="1"/>
+          <a:bodyPr>
+            <a:normAutofit/>
+          </a:bodyPr>
+          <a:lstStyle/>
+          <a:p>
+            <a:r>
+              <a:rPr lang="en-US" dirty="0"/>
+              <a:t>Context-free Grammars re-interpreted as recursive equations</a:t>
+            </a:r>
+          </a:p>
+          <a:p>
+            <a:pPr lvl="1"/>
+            <a:r>
+              <a:rPr lang="en-US" dirty="0"/>
+              <a:t>S -&gt; </a:t>
+            </a:r>
+            <a:r>
+              <a:rPr lang="en-US" dirty="0" err="1"/>
+              <a:t>aSbS</a:t>
+            </a:r>
+            <a:r>
+              <a:rPr lang="en-US" dirty="0"/>
+              <a:t> | </a:t>
+            </a:r>
+            <a:r>
+              <a:rPr lang="en-US" dirty="0" err="1"/>
+              <a:t>bSaS</a:t>
+            </a:r>
+            <a:r>
+              <a:rPr lang="en-US" dirty="0"/>
+              <a:t> | SS | epsilon </a:t>
+            </a:r>
+          </a:p>
+          <a:p>
+            <a:pPr lvl="2"/>
+            <a:r>
+              <a:rPr lang="en-US" dirty="0"/>
+              <a:t>Versus</a:t>
+            </a:r>
+          </a:p>
+          <a:p>
+            <a:pPr lvl="1"/>
+            <a:r>
+              <a:rPr lang="en-US" dirty="0"/>
+              <a:t>S -&gt; </a:t>
+            </a:r>
+            <a:r>
+              <a:rPr lang="en-US" dirty="0" err="1"/>
+              <a:t>aSbS</a:t>
+            </a:r>
+            <a:r>
+              <a:rPr lang="en-US" dirty="0"/>
+              <a:t> | </a:t>
+            </a:r>
+            <a:r>
+              <a:rPr lang="en-US" dirty="0" err="1"/>
+              <a:t>bSaS</a:t>
+            </a:r>
+            <a:r>
+              <a:rPr lang="en-US" dirty="0"/>
+              <a:t> | epsilon </a:t>
+            </a:r>
+          </a:p>
+          <a:p>
             <a:endParaRPr lang="en-US" dirty="0"/>
           </a:p>
           <a:p>
             <a:r>
               <a:rPr lang="en-US" dirty="0"/>
-              <a:t>For infinite lattices</a:t>
-            </a:r>
-          </a:p>
-          <a:p>
-            <a:pPr lvl="1"/>
-            <a:r>
-              <a:rPr lang="en-US" dirty="0"/>
-              <a:t>Continuity implies Monotonicity</a:t>
+              <a:t>Then discuss the system</a:t>
+            </a:r>
+          </a:p>
+          <a:p>
+            <a:pPr lvl="1"/>
+            <a:r>
+              <a:rPr lang="en-US" dirty="0"/>
+              <a:t>S -&gt; epsilon | ( W S</a:t>
+            </a:r>
+          </a:p>
+          <a:p>
+            <a:pPr lvl="1"/>
+            <a:r>
+              <a:rPr lang="en-US" dirty="0"/>
+              <a:t>W -&gt; ( W W | )</a:t>
             </a:r>
           </a:p>
           <a:p>
@@ -7290,24 +6952,15 @@
             <a:endParaRPr lang="en-US" dirty="0"/>
           </a:p>
           <a:p>
-            <a:r>
-              <a:rPr lang="en-US" dirty="0"/>
-              <a:t>For finite lattices</a:t>
-            </a:r>
-          </a:p>
-          <a:p>
-            <a:pPr lvl="1"/>
-            <a:r>
-              <a:rPr lang="en-US" dirty="0"/>
-              <a:t>Monotonicity implies Continuity</a:t>
-            </a:r>
+            <a:pPr lvl="1"/>
+            <a:endParaRPr lang="en-US" dirty="0"/>
           </a:p>
         </p:txBody>
       </p:sp>
     </p:spTree>
     <p:extLst>
       <p:ext uri="{BB962C8B-B14F-4D97-AF65-F5344CB8AC3E}">
-        <p14:creationId xmlns:p14="http://schemas.microsoft.com/office/powerpoint/2010/main" val="881600790"/>
+        <p14:creationId xmlns:p14="http://schemas.microsoft.com/office/powerpoint/2010/main" val="1514084496"/>
       </p:ext>
     </p:extLst>
   </p:cSld>
@@ -7509,6 +7162,1462 @@
           <p:cNvPr id="2" name="Title 1">
             <a:extLst>
               <a:ext uri="{FF2B5EF4-FFF2-40B4-BE49-F238E27FC236}">
+                <a16:creationId xmlns:a16="http://schemas.microsoft.com/office/drawing/2014/main" id="{5548C101-1BE6-B342-B74F-1C9EF1DDAC81}"/>
+              </a:ext>
+            </a:extLst>
+          </p:cNvPr>
+          <p:cNvSpPr>
+            <a:spLocks noGrp="1"/>
+          </p:cNvSpPr>
+          <p:nvPr>
+            <p:ph type="title"/>
+          </p:nvPr>
+        </p:nvSpPr>
+        <p:spPr/>
+        <p:txBody>
+          <a:bodyPr>
+            <a:normAutofit fontScale="90000"/>
+          </a:bodyPr>
+          <a:lstStyle/>
+          <a:p>
+            <a:r>
+              <a:rPr lang="en-US" dirty="0"/>
+              <a:t>Fixpoint Theory to Explain CFGs</a:t>
+            </a:r>
+          </a:p>
+        </p:txBody>
+      </p:sp>
+      <p:sp>
+        <p:nvSpPr>
+          <p:cNvPr id="3" name="Content Placeholder 2">
+            <a:extLst>
+              <a:ext uri="{FF2B5EF4-FFF2-40B4-BE49-F238E27FC236}">
+                <a16:creationId xmlns:a16="http://schemas.microsoft.com/office/drawing/2014/main" id="{905744E2-6782-DE42-B7EB-6EC81E7C9C2B}"/>
+              </a:ext>
+            </a:extLst>
+          </p:cNvPr>
+          <p:cNvSpPr>
+            <a:spLocks noGrp="1"/>
+          </p:cNvSpPr>
+          <p:nvPr>
+            <p:ph idx="1"/>
+          </p:nvPr>
+        </p:nvSpPr>
+        <p:spPr/>
+        <p:txBody>
+          <a:bodyPr>
+            <a:normAutofit/>
+          </a:bodyPr>
+          <a:lstStyle/>
+          <a:p>
+            <a:r>
+              <a:rPr lang="en-US" dirty="0"/>
+              <a:t>Context-free Grammars re-interpreted as recursive equations</a:t>
+            </a:r>
+          </a:p>
+          <a:p>
+            <a:pPr lvl="1"/>
+            <a:r>
+              <a:rPr lang="en-US" dirty="0"/>
+              <a:t>S -&gt; </a:t>
+            </a:r>
+            <a:r>
+              <a:rPr lang="en-US" dirty="0" err="1"/>
+              <a:t>aSbS</a:t>
+            </a:r>
+            <a:r>
+              <a:rPr lang="en-US" dirty="0"/>
+              <a:t> | </a:t>
+            </a:r>
+            <a:r>
+              <a:rPr lang="en-US" dirty="0" err="1"/>
+              <a:t>bSaS</a:t>
+            </a:r>
+            <a:r>
+              <a:rPr lang="en-US" dirty="0"/>
+              <a:t> | epsilon  </a:t>
+            </a:r>
+          </a:p>
+          <a:p>
+            <a:pPr lvl="1"/>
+            <a:r>
+              <a:rPr lang="en-US" dirty="0"/>
+              <a:t>Solve the recursive language equation</a:t>
+            </a:r>
+          </a:p>
+          <a:p>
+            <a:pPr lvl="1"/>
+            <a:endParaRPr lang="en-US" dirty="0"/>
+          </a:p>
+          <a:p>
+            <a:r>
+              <a:rPr lang="en-US" dirty="0"/>
+              <a:t>L_S = {a} L_S {b} L_S  U  {b} L_S {a} L_S  U {e}</a:t>
+            </a:r>
+          </a:p>
+          <a:p>
+            <a:pPr marL="0" indent="0">
+              <a:buNone/>
+            </a:pPr>
+            <a:endParaRPr lang="en-US" dirty="0"/>
+          </a:p>
+          <a:p>
+            <a:pPr lvl="1"/>
+            <a:endParaRPr lang="en-US" dirty="0"/>
+          </a:p>
+        </p:txBody>
+      </p:sp>
+    </p:spTree>
+    <p:extLst>
+      <p:ext uri="{BB962C8B-B14F-4D97-AF65-F5344CB8AC3E}">
+        <p14:creationId xmlns:p14="http://schemas.microsoft.com/office/powerpoint/2010/main" val="1297711767"/>
+      </p:ext>
+    </p:extLst>
+  </p:cSld>
+  <p:clrMapOvr>
+    <a:masterClrMapping/>
+  </p:clrMapOvr>
+</p:sld>
+</file>
+
+<file path=ppt/slides/slide31.xml><?xml version="1.0" encoding="utf-8"?>
+<p:sld xmlns:a="http://schemas.openxmlformats.org/drawingml/2006/main" xmlns:r="http://schemas.openxmlformats.org/officeDocument/2006/relationships" xmlns:p="http://schemas.openxmlformats.org/presentationml/2006/main">
+  <p:cSld>
+    <p:spTree>
+      <p:nvGrpSpPr>
+        <p:cNvPr id="1" name=""/>
+        <p:cNvGrpSpPr/>
+        <p:nvPr/>
+      </p:nvGrpSpPr>
+      <p:grpSpPr>
+        <a:xfrm>
+          <a:off x="0" y="0"/>
+          <a:ext cx="0" cy="0"/>
+          <a:chOff x="0" y="0"/>
+          <a:chExt cx="0" cy="0"/>
+        </a:xfrm>
+      </p:grpSpPr>
+      <p:sp>
+        <p:nvSpPr>
+          <p:cNvPr id="2" name="Title 1">
+            <a:extLst>
+              <a:ext uri="{FF2B5EF4-FFF2-40B4-BE49-F238E27FC236}">
+                <a16:creationId xmlns:a16="http://schemas.microsoft.com/office/drawing/2014/main" id="{5548C101-1BE6-B342-B74F-1C9EF1DDAC81}"/>
+              </a:ext>
+            </a:extLst>
+          </p:cNvPr>
+          <p:cNvSpPr>
+            <a:spLocks noGrp="1"/>
+          </p:cNvSpPr>
+          <p:nvPr>
+            <p:ph type="title"/>
+          </p:nvPr>
+        </p:nvSpPr>
+        <p:spPr/>
+        <p:txBody>
+          <a:bodyPr>
+            <a:normAutofit fontScale="90000"/>
+          </a:bodyPr>
+          <a:lstStyle/>
+          <a:p>
+            <a:r>
+              <a:rPr lang="en-US" dirty="0"/>
+              <a:t>Fixpoint Theory to Explain CFGs</a:t>
+            </a:r>
+          </a:p>
+        </p:txBody>
+      </p:sp>
+      <p:sp>
+        <p:nvSpPr>
+          <p:cNvPr id="3" name="Content Placeholder 2">
+            <a:extLst>
+              <a:ext uri="{FF2B5EF4-FFF2-40B4-BE49-F238E27FC236}">
+                <a16:creationId xmlns:a16="http://schemas.microsoft.com/office/drawing/2014/main" id="{905744E2-6782-DE42-B7EB-6EC81E7C9C2B}"/>
+              </a:ext>
+            </a:extLst>
+          </p:cNvPr>
+          <p:cNvSpPr>
+            <a:spLocks noGrp="1"/>
+          </p:cNvSpPr>
+          <p:nvPr>
+            <p:ph idx="1"/>
+          </p:nvPr>
+        </p:nvSpPr>
+        <p:spPr/>
+        <p:txBody>
+          <a:bodyPr>
+            <a:normAutofit/>
+          </a:bodyPr>
+          <a:lstStyle/>
+          <a:p>
+            <a:r>
+              <a:rPr lang="en-US" dirty="0"/>
+              <a:t>Context-free Grammars re-interpreted as recursive equations</a:t>
+            </a:r>
+          </a:p>
+          <a:p>
+            <a:pPr lvl="1"/>
+            <a:r>
+              <a:rPr lang="en-US" dirty="0"/>
+              <a:t>S -&gt; </a:t>
+            </a:r>
+            <a:r>
+              <a:rPr lang="en-US" dirty="0" err="1"/>
+              <a:t>aSbS</a:t>
+            </a:r>
+            <a:r>
+              <a:rPr lang="en-US" dirty="0"/>
+              <a:t> | </a:t>
+            </a:r>
+            <a:r>
+              <a:rPr lang="en-US" dirty="0" err="1"/>
+              <a:t>bSaS</a:t>
+            </a:r>
+            <a:r>
+              <a:rPr lang="en-US" dirty="0"/>
+              <a:t> | epsilon  </a:t>
+            </a:r>
+          </a:p>
+          <a:p>
+            <a:pPr lvl="1"/>
+            <a:r>
+              <a:rPr lang="en-US" dirty="0"/>
+              <a:t>Solve the recursive language equation</a:t>
+            </a:r>
+          </a:p>
+          <a:p>
+            <a:pPr lvl="1"/>
+            <a:endParaRPr lang="en-US" dirty="0"/>
+          </a:p>
+          <a:p>
+            <a:r>
+              <a:rPr lang="en-US" dirty="0"/>
+              <a:t>L_S = {a} L_S {b} L_S  U  {b} L_S {a} L_S  U {e}</a:t>
+            </a:r>
+          </a:p>
+          <a:p>
+            <a:endParaRPr lang="en-US" dirty="0"/>
+          </a:p>
+          <a:p>
+            <a:r>
+              <a:rPr lang="en-US" dirty="0"/>
+              <a:t>What do we get when we iterate from L_S = {}  “upwards” ?</a:t>
+            </a:r>
+          </a:p>
+          <a:p>
+            <a:pPr marL="0" indent="0">
+              <a:buNone/>
+            </a:pPr>
+            <a:endParaRPr lang="en-US" dirty="0"/>
+          </a:p>
+          <a:p>
+            <a:pPr lvl="1"/>
+            <a:endParaRPr lang="en-US" dirty="0"/>
+          </a:p>
+        </p:txBody>
+      </p:sp>
+    </p:spTree>
+    <p:extLst>
+      <p:ext uri="{BB962C8B-B14F-4D97-AF65-F5344CB8AC3E}">
+        <p14:creationId xmlns:p14="http://schemas.microsoft.com/office/powerpoint/2010/main" val="937737704"/>
+      </p:ext>
+    </p:extLst>
+  </p:cSld>
+  <p:clrMapOvr>
+    <a:masterClrMapping/>
+  </p:clrMapOvr>
+</p:sld>
+</file>
+
+<file path=ppt/slides/slide32.xml><?xml version="1.0" encoding="utf-8"?>
+<p:sld xmlns:a="http://schemas.openxmlformats.org/drawingml/2006/main" xmlns:r="http://schemas.openxmlformats.org/officeDocument/2006/relationships" xmlns:p="http://schemas.openxmlformats.org/presentationml/2006/main">
+  <p:cSld>
+    <p:spTree>
+      <p:nvGrpSpPr>
+        <p:cNvPr id="1" name=""/>
+        <p:cNvGrpSpPr/>
+        <p:nvPr/>
+      </p:nvGrpSpPr>
+      <p:grpSpPr>
+        <a:xfrm>
+          <a:off x="0" y="0"/>
+          <a:ext cx="0" cy="0"/>
+          <a:chOff x="0" y="0"/>
+          <a:chExt cx="0" cy="0"/>
+        </a:xfrm>
+      </p:grpSpPr>
+      <p:sp>
+        <p:nvSpPr>
+          <p:cNvPr id="2" name="Title 1">
+            <a:extLst>
+              <a:ext uri="{FF2B5EF4-FFF2-40B4-BE49-F238E27FC236}">
+                <a16:creationId xmlns:a16="http://schemas.microsoft.com/office/drawing/2014/main" id="{5548C101-1BE6-B342-B74F-1C9EF1DDAC81}"/>
+              </a:ext>
+            </a:extLst>
+          </p:cNvPr>
+          <p:cNvSpPr>
+            <a:spLocks noGrp="1"/>
+          </p:cNvSpPr>
+          <p:nvPr>
+            <p:ph type="title"/>
+          </p:nvPr>
+        </p:nvSpPr>
+        <p:spPr/>
+        <p:txBody>
+          <a:bodyPr>
+            <a:normAutofit fontScale="90000"/>
+          </a:bodyPr>
+          <a:lstStyle/>
+          <a:p>
+            <a:r>
+              <a:rPr lang="en-US" dirty="0"/>
+              <a:t>Fixpoint Theory to Explain CFGs</a:t>
+            </a:r>
+          </a:p>
+        </p:txBody>
+      </p:sp>
+      <p:sp>
+        <p:nvSpPr>
+          <p:cNvPr id="3" name="Content Placeholder 2">
+            <a:extLst>
+              <a:ext uri="{FF2B5EF4-FFF2-40B4-BE49-F238E27FC236}">
+                <a16:creationId xmlns:a16="http://schemas.microsoft.com/office/drawing/2014/main" id="{905744E2-6782-DE42-B7EB-6EC81E7C9C2B}"/>
+              </a:ext>
+            </a:extLst>
+          </p:cNvPr>
+          <p:cNvSpPr>
+            <a:spLocks noGrp="1"/>
+          </p:cNvSpPr>
+          <p:nvPr>
+            <p:ph idx="1"/>
+          </p:nvPr>
+        </p:nvSpPr>
+        <p:spPr/>
+        <p:txBody>
+          <a:bodyPr>
+            <a:normAutofit/>
+          </a:bodyPr>
+          <a:lstStyle/>
+          <a:p>
+            <a:r>
+              <a:rPr lang="en-US" dirty="0"/>
+              <a:t>Context-free Grammars re-interpreted as recursive equations</a:t>
+            </a:r>
+          </a:p>
+          <a:p>
+            <a:pPr lvl="1"/>
+            <a:r>
+              <a:rPr lang="en-US" dirty="0"/>
+              <a:t>S -&gt; </a:t>
+            </a:r>
+            <a:r>
+              <a:rPr lang="en-US" dirty="0" err="1"/>
+              <a:t>aSbS</a:t>
+            </a:r>
+            <a:r>
+              <a:rPr lang="en-US" dirty="0"/>
+              <a:t> | </a:t>
+            </a:r>
+            <a:r>
+              <a:rPr lang="en-US" dirty="0" err="1"/>
+              <a:t>bSaS</a:t>
+            </a:r>
+            <a:r>
+              <a:rPr lang="en-US" dirty="0"/>
+              <a:t> | SS | epsilon </a:t>
+            </a:r>
+          </a:p>
+          <a:p>
+            <a:pPr lvl="1"/>
+            <a:endParaRPr lang="en-US" dirty="0"/>
+          </a:p>
+          <a:p>
+            <a:r>
+              <a:rPr lang="en-US" dirty="0"/>
+              <a:t>L_S = {a} L_S {b} L_S  U  {b} L_S {a} L_S  U {e}  U  L_S L_S</a:t>
+            </a:r>
+          </a:p>
+          <a:p>
+            <a:pPr lvl="1"/>
+            <a:endParaRPr lang="en-US" dirty="0"/>
+          </a:p>
+          <a:p>
+            <a:endParaRPr lang="en-US" dirty="0"/>
+          </a:p>
+          <a:p>
+            <a:pPr marL="457200" lvl="1" indent="0">
+              <a:buNone/>
+            </a:pPr>
+            <a:endParaRPr lang="en-US" dirty="0"/>
+          </a:p>
+          <a:p>
+            <a:pPr lvl="1"/>
+            <a:endParaRPr lang="en-US" dirty="0"/>
+          </a:p>
+        </p:txBody>
+      </p:sp>
+    </p:spTree>
+    <p:extLst>
+      <p:ext uri="{BB962C8B-B14F-4D97-AF65-F5344CB8AC3E}">
+        <p14:creationId xmlns:p14="http://schemas.microsoft.com/office/powerpoint/2010/main" val="1139540920"/>
+      </p:ext>
+    </p:extLst>
+  </p:cSld>
+  <p:clrMapOvr>
+    <a:masterClrMapping/>
+  </p:clrMapOvr>
+</p:sld>
+</file>
+
+<file path=ppt/slides/slide33.xml><?xml version="1.0" encoding="utf-8"?>
+<p:sld xmlns:a="http://schemas.openxmlformats.org/drawingml/2006/main" xmlns:r="http://schemas.openxmlformats.org/officeDocument/2006/relationships" xmlns:p="http://schemas.openxmlformats.org/presentationml/2006/main">
+  <p:cSld>
+    <p:spTree>
+      <p:nvGrpSpPr>
+        <p:cNvPr id="1" name=""/>
+        <p:cNvGrpSpPr/>
+        <p:nvPr/>
+      </p:nvGrpSpPr>
+      <p:grpSpPr>
+        <a:xfrm>
+          <a:off x="0" y="0"/>
+          <a:ext cx="0" cy="0"/>
+          <a:chOff x="0" y="0"/>
+          <a:chExt cx="0" cy="0"/>
+        </a:xfrm>
+      </p:grpSpPr>
+      <p:sp>
+        <p:nvSpPr>
+          <p:cNvPr id="2" name="Title 1">
+            <a:extLst>
+              <a:ext uri="{FF2B5EF4-FFF2-40B4-BE49-F238E27FC236}">
+                <a16:creationId xmlns:a16="http://schemas.microsoft.com/office/drawing/2014/main" id="{5548C101-1BE6-B342-B74F-1C9EF1DDAC81}"/>
+              </a:ext>
+            </a:extLst>
+          </p:cNvPr>
+          <p:cNvSpPr>
+            <a:spLocks noGrp="1"/>
+          </p:cNvSpPr>
+          <p:nvPr>
+            <p:ph type="title"/>
+          </p:nvPr>
+        </p:nvSpPr>
+        <p:spPr/>
+        <p:txBody>
+          <a:bodyPr>
+            <a:normAutofit fontScale="90000"/>
+          </a:bodyPr>
+          <a:lstStyle/>
+          <a:p>
+            <a:r>
+              <a:rPr lang="en-US" dirty="0"/>
+              <a:t>Fixpoint Theory to Explain CFGs</a:t>
+            </a:r>
+          </a:p>
+        </p:txBody>
+      </p:sp>
+      <p:sp>
+        <p:nvSpPr>
+          <p:cNvPr id="3" name="Content Placeholder 2">
+            <a:extLst>
+              <a:ext uri="{FF2B5EF4-FFF2-40B4-BE49-F238E27FC236}">
+                <a16:creationId xmlns:a16="http://schemas.microsoft.com/office/drawing/2014/main" id="{905744E2-6782-DE42-B7EB-6EC81E7C9C2B}"/>
+              </a:ext>
+            </a:extLst>
+          </p:cNvPr>
+          <p:cNvSpPr>
+            <a:spLocks noGrp="1"/>
+          </p:cNvSpPr>
+          <p:nvPr>
+            <p:ph idx="1"/>
+          </p:nvPr>
+        </p:nvSpPr>
+        <p:spPr/>
+        <p:txBody>
+          <a:bodyPr>
+            <a:normAutofit/>
+          </a:bodyPr>
+          <a:lstStyle/>
+          <a:p>
+            <a:r>
+              <a:rPr lang="en-US" dirty="0"/>
+              <a:t>Context-free Grammars re-interpreted as recursive equations</a:t>
+            </a:r>
+          </a:p>
+          <a:p>
+            <a:pPr lvl="1"/>
+            <a:r>
+              <a:rPr lang="en-US" dirty="0"/>
+              <a:t>S -&gt; </a:t>
+            </a:r>
+            <a:r>
+              <a:rPr lang="en-US" dirty="0" err="1"/>
+              <a:t>aSbS</a:t>
+            </a:r>
+            <a:r>
+              <a:rPr lang="en-US" dirty="0"/>
+              <a:t> | </a:t>
+            </a:r>
+            <a:r>
+              <a:rPr lang="en-US" dirty="0" err="1"/>
+              <a:t>bSaS</a:t>
+            </a:r>
+            <a:r>
+              <a:rPr lang="en-US" dirty="0"/>
+              <a:t> | SS | epsilon </a:t>
+            </a:r>
+          </a:p>
+          <a:p>
+            <a:pPr lvl="1"/>
+            <a:endParaRPr lang="en-US" dirty="0"/>
+          </a:p>
+          <a:p>
+            <a:r>
+              <a:rPr lang="en-US" dirty="0"/>
+              <a:t>L_S = {a} L_S {b} L_S  U  {b} L_S {a} L_S  U {e}  U  L_S L_S</a:t>
+            </a:r>
+          </a:p>
+          <a:p>
+            <a:endParaRPr lang="en-US" dirty="0"/>
+          </a:p>
+          <a:p>
+            <a:r>
+              <a:rPr lang="en-US" dirty="0"/>
+              <a:t>Are there 2 fixpoints? Which is found using iteration using {} as the bottom (going up)?</a:t>
+            </a:r>
+          </a:p>
+          <a:p>
+            <a:pPr lvl="1"/>
+            <a:endParaRPr lang="en-US" dirty="0"/>
+          </a:p>
+          <a:p>
+            <a:endParaRPr lang="en-US" dirty="0"/>
+          </a:p>
+          <a:p>
+            <a:pPr marL="457200" lvl="1" indent="0">
+              <a:buNone/>
+            </a:pPr>
+            <a:endParaRPr lang="en-US" dirty="0"/>
+          </a:p>
+          <a:p>
+            <a:pPr lvl="1"/>
+            <a:endParaRPr lang="en-US" dirty="0"/>
+          </a:p>
+        </p:txBody>
+      </p:sp>
+    </p:spTree>
+    <p:extLst>
+      <p:ext uri="{BB962C8B-B14F-4D97-AF65-F5344CB8AC3E}">
+        <p14:creationId xmlns:p14="http://schemas.microsoft.com/office/powerpoint/2010/main" val="58073631"/>
+      </p:ext>
+    </p:extLst>
+  </p:cSld>
+  <p:clrMapOvr>
+    <a:masterClrMapping/>
+  </p:clrMapOvr>
+</p:sld>
+</file>
+
+<file path=ppt/slides/slide34.xml><?xml version="1.0" encoding="utf-8"?>
+<p:sld xmlns:a="http://schemas.openxmlformats.org/drawingml/2006/main" xmlns:r="http://schemas.openxmlformats.org/officeDocument/2006/relationships" xmlns:p="http://schemas.openxmlformats.org/presentationml/2006/main">
+  <p:cSld>
+    <p:spTree>
+      <p:nvGrpSpPr>
+        <p:cNvPr id="1" name=""/>
+        <p:cNvGrpSpPr/>
+        <p:nvPr/>
+      </p:nvGrpSpPr>
+      <p:grpSpPr>
+        <a:xfrm>
+          <a:off x="0" y="0"/>
+          <a:ext cx="0" cy="0"/>
+          <a:chOff x="0" y="0"/>
+          <a:chExt cx="0" cy="0"/>
+        </a:xfrm>
+      </p:grpSpPr>
+      <p:sp>
+        <p:nvSpPr>
+          <p:cNvPr id="2" name="Title 1">
+            <a:extLst>
+              <a:ext uri="{FF2B5EF4-FFF2-40B4-BE49-F238E27FC236}">
+                <a16:creationId xmlns:a16="http://schemas.microsoft.com/office/drawing/2014/main" id="{5548C101-1BE6-B342-B74F-1C9EF1DDAC81}"/>
+              </a:ext>
+            </a:extLst>
+          </p:cNvPr>
+          <p:cNvSpPr>
+            <a:spLocks noGrp="1"/>
+          </p:cNvSpPr>
+          <p:nvPr>
+            <p:ph type="title"/>
+          </p:nvPr>
+        </p:nvSpPr>
+        <p:spPr/>
+        <p:txBody>
+          <a:bodyPr>
+            <a:normAutofit fontScale="90000"/>
+          </a:bodyPr>
+          <a:lstStyle/>
+          <a:p>
+            <a:r>
+              <a:rPr lang="en-US" dirty="0"/>
+              <a:t>Fixpoint Theory to Explain CFGs</a:t>
+            </a:r>
+          </a:p>
+        </p:txBody>
+      </p:sp>
+      <p:sp>
+        <p:nvSpPr>
+          <p:cNvPr id="3" name="Content Placeholder 2">
+            <a:extLst>
+              <a:ext uri="{FF2B5EF4-FFF2-40B4-BE49-F238E27FC236}">
+                <a16:creationId xmlns:a16="http://schemas.microsoft.com/office/drawing/2014/main" id="{905744E2-6782-DE42-B7EB-6EC81E7C9C2B}"/>
+              </a:ext>
+            </a:extLst>
+          </p:cNvPr>
+          <p:cNvSpPr>
+            <a:spLocks noGrp="1"/>
+          </p:cNvSpPr>
+          <p:nvPr>
+            <p:ph idx="1"/>
+          </p:nvPr>
+        </p:nvSpPr>
+        <p:spPr/>
+        <p:txBody>
+          <a:bodyPr>
+            <a:normAutofit/>
+          </a:bodyPr>
+          <a:lstStyle/>
+          <a:p>
+            <a:r>
+              <a:rPr lang="en-US" dirty="0"/>
+              <a:t>Then discuss the system</a:t>
+            </a:r>
+          </a:p>
+          <a:p>
+            <a:pPr lvl="1"/>
+            <a:r>
+              <a:rPr lang="en-US" dirty="0"/>
+              <a:t>S -&gt; epsilon | ( W S</a:t>
+            </a:r>
+          </a:p>
+          <a:p>
+            <a:pPr lvl="1"/>
+            <a:r>
+              <a:rPr lang="en-US" dirty="0"/>
+              <a:t>W -&gt; ( W W | )</a:t>
+            </a:r>
+          </a:p>
+          <a:p>
+            <a:pPr lvl="1"/>
+            <a:endParaRPr lang="en-US" dirty="0"/>
+          </a:p>
+          <a:p>
+            <a:r>
+              <a:rPr lang="en-US" dirty="0"/>
+              <a:t>Solve</a:t>
+            </a:r>
+          </a:p>
+          <a:p>
+            <a:r>
+              <a:rPr lang="en-US" dirty="0"/>
+              <a:t>(L_S, L_W) = </a:t>
+            </a:r>
+            <a:r>
+              <a:rPr lang="en-US" dirty="0">
+                <a:solidFill>
+                  <a:srgbClr val="0F4F97"/>
+                </a:solidFill>
+              </a:rPr>
+              <a:t>(</a:t>
+            </a:r>
+            <a:r>
+              <a:rPr lang="en-US" dirty="0"/>
+              <a:t>   {e} U {(} L_W L_S   ,   {(} L_W  L_W   U  {)}  </a:t>
+            </a:r>
+            <a:r>
+              <a:rPr lang="en-US" dirty="0">
+                <a:solidFill>
+                  <a:srgbClr val="0F4F97"/>
+                </a:solidFill>
+              </a:rPr>
+              <a:t>)</a:t>
+            </a:r>
+          </a:p>
+          <a:p>
+            <a:pPr lvl="1"/>
+            <a:endParaRPr lang="en-US" dirty="0"/>
+          </a:p>
+          <a:p>
+            <a:pPr lvl="1"/>
+            <a:endParaRPr lang="en-US" dirty="0"/>
+          </a:p>
+        </p:txBody>
+      </p:sp>
+    </p:spTree>
+    <p:extLst>
+      <p:ext uri="{BB962C8B-B14F-4D97-AF65-F5344CB8AC3E}">
+        <p14:creationId xmlns:p14="http://schemas.microsoft.com/office/powerpoint/2010/main" val="3612620117"/>
+      </p:ext>
+    </p:extLst>
+  </p:cSld>
+  <p:clrMapOvr>
+    <a:masterClrMapping/>
+  </p:clrMapOvr>
+</p:sld>
+</file>
+
+<file path=ppt/slides/slide35.xml><?xml version="1.0" encoding="utf-8"?>
+<p:sld xmlns:a="http://schemas.openxmlformats.org/drawingml/2006/main" xmlns:r="http://schemas.openxmlformats.org/officeDocument/2006/relationships" xmlns:p="http://schemas.openxmlformats.org/presentationml/2006/main">
+  <p:cSld>
+    <p:spTree>
+      <p:nvGrpSpPr>
+        <p:cNvPr id="1" name=""/>
+        <p:cNvGrpSpPr/>
+        <p:nvPr/>
+      </p:nvGrpSpPr>
+      <p:grpSpPr>
+        <a:xfrm>
+          <a:off x="0" y="0"/>
+          <a:ext cx="0" cy="0"/>
+          <a:chOff x="0" y="0"/>
+          <a:chExt cx="0" cy="0"/>
+        </a:xfrm>
+      </p:grpSpPr>
+      <p:sp>
+        <p:nvSpPr>
+          <p:cNvPr id="2" name="Title 1">
+            <a:extLst>
+              <a:ext uri="{FF2B5EF4-FFF2-40B4-BE49-F238E27FC236}">
+                <a16:creationId xmlns:a16="http://schemas.microsoft.com/office/drawing/2014/main" id="{5548C101-1BE6-B342-B74F-1C9EF1DDAC81}"/>
+              </a:ext>
+            </a:extLst>
+          </p:cNvPr>
+          <p:cNvSpPr>
+            <a:spLocks noGrp="1"/>
+          </p:cNvSpPr>
+          <p:nvPr>
+            <p:ph type="title"/>
+          </p:nvPr>
+        </p:nvSpPr>
+        <p:spPr/>
+        <p:txBody>
+          <a:bodyPr>
+            <a:normAutofit fontScale="90000"/>
+          </a:bodyPr>
+          <a:lstStyle/>
+          <a:p>
+            <a:r>
+              <a:rPr lang="en-US" dirty="0"/>
+              <a:t>Fixpoint Theory to Explain CFGs</a:t>
+            </a:r>
+          </a:p>
+        </p:txBody>
+      </p:sp>
+      <p:sp>
+        <p:nvSpPr>
+          <p:cNvPr id="3" name="Content Placeholder 2">
+            <a:extLst>
+              <a:ext uri="{FF2B5EF4-FFF2-40B4-BE49-F238E27FC236}">
+                <a16:creationId xmlns:a16="http://schemas.microsoft.com/office/drawing/2014/main" id="{905744E2-6782-DE42-B7EB-6EC81E7C9C2B}"/>
+              </a:ext>
+            </a:extLst>
+          </p:cNvPr>
+          <p:cNvSpPr>
+            <a:spLocks noGrp="1"/>
+          </p:cNvSpPr>
+          <p:nvPr>
+            <p:ph idx="1"/>
+          </p:nvPr>
+        </p:nvSpPr>
+        <p:spPr/>
+        <p:txBody>
+          <a:bodyPr>
+            <a:normAutofit/>
+          </a:bodyPr>
+          <a:lstStyle/>
+          <a:p>
+            <a:r>
+              <a:rPr lang="en-US" dirty="0"/>
+              <a:t>Then discuss the system</a:t>
+            </a:r>
+          </a:p>
+          <a:p>
+            <a:pPr lvl="1"/>
+            <a:r>
+              <a:rPr lang="en-US" dirty="0"/>
+              <a:t>S -&gt; epsilon | ( W S</a:t>
+            </a:r>
+          </a:p>
+          <a:p>
+            <a:pPr lvl="1"/>
+            <a:r>
+              <a:rPr lang="en-US" dirty="0"/>
+              <a:t>W -&gt; ( W W | )</a:t>
+            </a:r>
+          </a:p>
+          <a:p>
+            <a:pPr lvl="1"/>
+            <a:endParaRPr lang="en-US" dirty="0"/>
+          </a:p>
+          <a:p>
+            <a:r>
+              <a:rPr lang="en-US" dirty="0"/>
+              <a:t>Solve</a:t>
+            </a:r>
+          </a:p>
+          <a:p>
+            <a:r>
+              <a:rPr lang="en-US" dirty="0"/>
+              <a:t>(L_S, L_W) = </a:t>
+            </a:r>
+            <a:r>
+              <a:rPr lang="en-US" dirty="0">
+                <a:solidFill>
+                  <a:srgbClr val="0F4F97"/>
+                </a:solidFill>
+              </a:rPr>
+              <a:t>(</a:t>
+            </a:r>
+            <a:r>
+              <a:rPr lang="en-US" dirty="0"/>
+              <a:t>   {e} U {(} L_W L_S   ,   {(} L_W  L_W   U  {)}  </a:t>
+            </a:r>
+            <a:r>
+              <a:rPr lang="en-US" dirty="0">
+                <a:solidFill>
+                  <a:srgbClr val="0F4F97"/>
+                </a:solidFill>
+              </a:rPr>
+              <a:t>)</a:t>
+            </a:r>
+          </a:p>
+          <a:p>
+            <a:endParaRPr lang="en-US" dirty="0">
+              <a:solidFill>
+                <a:srgbClr val="0F4F97"/>
+              </a:solidFill>
+            </a:endParaRPr>
+          </a:p>
+          <a:p>
+            <a:r>
+              <a:rPr lang="en-US" dirty="0">
+                <a:solidFill>
+                  <a:srgbClr val="0F4F97"/>
+                </a:solidFill>
+              </a:rPr>
+              <a:t>What fixpoint obtained by iterating up from ({} , {})  ?</a:t>
+            </a:r>
+          </a:p>
+          <a:p>
+            <a:r>
+              <a:rPr lang="en-US" dirty="0">
+                <a:solidFill>
+                  <a:srgbClr val="0F4F97"/>
+                </a:solidFill>
+              </a:rPr>
+              <a:t>What is the lattice ordering?</a:t>
+            </a:r>
+          </a:p>
+          <a:p>
+            <a:pPr lvl="1"/>
+            <a:endParaRPr lang="en-US" dirty="0"/>
+          </a:p>
+          <a:p>
+            <a:pPr lvl="1"/>
+            <a:endParaRPr lang="en-US" dirty="0"/>
+          </a:p>
+        </p:txBody>
+      </p:sp>
+    </p:spTree>
+    <p:extLst>
+      <p:ext uri="{BB962C8B-B14F-4D97-AF65-F5344CB8AC3E}">
+        <p14:creationId xmlns:p14="http://schemas.microsoft.com/office/powerpoint/2010/main" val="4213971796"/>
+      </p:ext>
+    </p:extLst>
+  </p:cSld>
+  <p:clrMapOvr>
+    <a:masterClrMapping/>
+  </p:clrMapOvr>
+</p:sld>
+</file>
+
+<file path=ppt/slides/slide36.xml><?xml version="1.0" encoding="utf-8"?>
+<p:sld xmlns:a="http://schemas.openxmlformats.org/drawingml/2006/main" xmlns:r="http://schemas.openxmlformats.org/officeDocument/2006/relationships" xmlns:p="http://schemas.openxmlformats.org/presentationml/2006/main">
+  <p:cSld>
+    <p:spTree>
+      <p:nvGrpSpPr>
+        <p:cNvPr id="1" name=""/>
+        <p:cNvGrpSpPr/>
+        <p:nvPr/>
+      </p:nvGrpSpPr>
+      <p:grpSpPr>
+        <a:xfrm>
+          <a:off x="0" y="0"/>
+          <a:ext cx="0" cy="0"/>
+          <a:chOff x="0" y="0"/>
+          <a:chExt cx="0" cy="0"/>
+        </a:xfrm>
+      </p:grpSpPr>
+      <p:sp>
+        <p:nvSpPr>
+          <p:cNvPr id="2" name="Title 1">
+            <a:extLst>
+              <a:ext uri="{FF2B5EF4-FFF2-40B4-BE49-F238E27FC236}">
+                <a16:creationId xmlns:a16="http://schemas.microsoft.com/office/drawing/2014/main" id="{066F26C0-23E2-F14D-8605-D3A28485A13F}"/>
+              </a:ext>
+            </a:extLst>
+          </p:cNvPr>
+          <p:cNvSpPr>
+            <a:spLocks noGrp="1"/>
+          </p:cNvSpPr>
+          <p:nvPr>
+            <p:ph type="title"/>
+          </p:nvPr>
+        </p:nvSpPr>
+        <p:spPr>
+          <a:xfrm>
+            <a:off x="0" y="-1"/>
+            <a:ext cx="11438021" cy="515519"/>
+          </a:xfrm>
+        </p:spPr>
+        <p:txBody>
+          <a:bodyPr vert="horz" lIns="91440" tIns="45720" rIns="91440" bIns="45720" rtlCol="0" anchor="ctr">
+            <a:normAutofit/>
+          </a:bodyPr>
+          <a:lstStyle/>
+          <a:p>
+            <a:r>
+              <a:rPr lang="en-US" sz="2400" kern="1200" dirty="0">
+                <a:solidFill>
+                  <a:schemeClr val="tx1"/>
+                </a:solidFill>
+                <a:latin typeface="+mj-lt"/>
+                <a:ea typeface="+mj-ea"/>
+                <a:cs typeface="+mj-cs"/>
+              </a:rPr>
+              <a:t>Fixpoint Theory to understand Recursion</a:t>
+            </a:r>
+          </a:p>
+        </p:txBody>
+      </p:sp>
+      <p:pic>
+        <p:nvPicPr>
+          <p:cNvPr id="4" name="Picture 3" descr="Diagram&#10;&#10;Description automatically generated with medium confidence">
+            <a:extLst>
+              <a:ext uri="{FF2B5EF4-FFF2-40B4-BE49-F238E27FC236}">
+                <a16:creationId xmlns:a16="http://schemas.microsoft.com/office/drawing/2014/main" id="{488AB08F-8DB9-354D-971D-B7FC860761EF}"/>
+              </a:ext>
+            </a:extLst>
+          </p:cNvPr>
+          <p:cNvPicPr>
+            <a:picLocks noChangeAspect="1"/>
+          </p:cNvPicPr>
+          <p:nvPr/>
+        </p:nvPicPr>
+        <p:blipFill>
+          <a:blip r:embed="rId2"/>
+          <a:stretch>
+            <a:fillRect/>
+          </a:stretch>
+        </p:blipFill>
+        <p:spPr>
+          <a:xfrm>
+            <a:off x="0" y="515518"/>
+            <a:ext cx="12192000" cy="1705970"/>
+          </a:xfrm>
+          <a:prstGeom prst="rect">
+            <a:avLst/>
+          </a:prstGeom>
+        </p:spPr>
+      </p:pic>
+      <p:pic>
+        <p:nvPicPr>
+          <p:cNvPr id="7" name="Picture 6" descr="Text, letter&#10;&#10;Description automatically generated">
+            <a:extLst>
+              <a:ext uri="{FF2B5EF4-FFF2-40B4-BE49-F238E27FC236}">
+                <a16:creationId xmlns:a16="http://schemas.microsoft.com/office/drawing/2014/main" id="{165979BC-E799-0D48-B617-C0F5DBB36146}"/>
+              </a:ext>
+            </a:extLst>
+          </p:cNvPr>
+          <p:cNvPicPr>
+            <a:picLocks noChangeAspect="1"/>
+          </p:cNvPicPr>
+          <p:nvPr/>
+        </p:nvPicPr>
+        <p:blipFill>
+          <a:blip r:embed="rId3"/>
+          <a:stretch>
+            <a:fillRect/>
+          </a:stretch>
+        </p:blipFill>
+        <p:spPr>
+          <a:xfrm>
+            <a:off x="635086" y="2027286"/>
+            <a:ext cx="10167848" cy="1584600"/>
+          </a:xfrm>
+          <a:prstGeom prst="rect">
+            <a:avLst/>
+          </a:prstGeom>
+        </p:spPr>
+      </p:pic>
+      <p:sp>
+        <p:nvSpPr>
+          <p:cNvPr id="8" name="TextBox 7">
+            <a:extLst>
+              <a:ext uri="{FF2B5EF4-FFF2-40B4-BE49-F238E27FC236}">
+                <a16:creationId xmlns:a16="http://schemas.microsoft.com/office/drawing/2014/main" id="{C34B177A-A849-D74F-B82F-BF36CF921F7D}"/>
+              </a:ext>
+            </a:extLst>
+          </p:cNvPr>
+          <p:cNvSpPr txBox="1"/>
+          <p:nvPr/>
+        </p:nvSpPr>
+        <p:spPr>
+          <a:xfrm>
+            <a:off x="1398494" y="3579057"/>
+            <a:ext cx="10167848" cy="3139321"/>
+          </a:xfrm>
+          <a:prstGeom prst="rect">
+            <a:avLst/>
+          </a:prstGeom>
+          <a:noFill/>
+        </p:spPr>
+        <p:txBody>
+          <a:bodyPr wrap="none" rtlCol="0">
+            <a:spAutoFit/>
+          </a:bodyPr>
+          <a:lstStyle/>
+          <a:p>
+            <a:r>
+              <a:rPr lang="en-US" dirty="0"/>
+              <a:t>Function f3 corresponds to  </a:t>
+            </a:r>
+            <a:r>
+              <a:rPr lang="en-US" dirty="0" err="1"/>
+              <a:t>lim_i</a:t>
+            </a:r>
+            <a:r>
+              <a:rPr lang="en-US" dirty="0"/>
+              <a:t> { </a:t>
+            </a:r>
+            <a:r>
+              <a:rPr lang="en-US" dirty="0" err="1"/>
+              <a:t>Tau^i</a:t>
+            </a:r>
+            <a:r>
+              <a:rPr lang="en-US" dirty="0"/>
+              <a:t> [ </a:t>
+            </a:r>
+            <a:r>
+              <a:rPr lang="en-US" dirty="0" err="1"/>
+              <a:t>Bottom_fn</a:t>
+            </a:r>
+            <a:r>
+              <a:rPr lang="en-US" dirty="0"/>
+              <a:t> ] }</a:t>
+            </a:r>
+          </a:p>
+          <a:p>
+            <a:endParaRPr lang="en-US" dirty="0"/>
+          </a:p>
+          <a:p>
+            <a:r>
+              <a:rPr lang="en-US" dirty="0"/>
+              <a:t>Where Tau for “F” above is:  </a:t>
+            </a:r>
+            <a:r>
+              <a:rPr lang="en-US" dirty="0">
+                <a:solidFill>
+                  <a:srgbClr val="0F4F97"/>
+                </a:solidFill>
+              </a:rPr>
+              <a:t>…fill this…  </a:t>
+            </a:r>
+            <a:r>
+              <a:rPr lang="en-US" dirty="0"/>
+              <a:t>and is called </a:t>
+            </a:r>
+          </a:p>
+          <a:p>
+            <a:r>
+              <a:rPr lang="en-US" dirty="0"/>
+              <a:t>the “functional underlying the recursive definition (in Manna’s book)</a:t>
+            </a:r>
+          </a:p>
+          <a:p>
+            <a:endParaRPr lang="en-US" dirty="0"/>
+          </a:p>
+          <a:p>
+            <a:r>
+              <a:rPr lang="en-US" dirty="0"/>
+              <a:t>In Chapter 18 of Book-3, it is called the “pre” function (e.g. </a:t>
+            </a:r>
+            <a:r>
+              <a:rPr lang="en-US" dirty="0" err="1"/>
+              <a:t>PreFact</a:t>
+            </a:r>
+            <a:r>
+              <a:rPr lang="en-US" dirty="0"/>
+              <a:t> </a:t>
+            </a:r>
+            <a:r>
+              <a:rPr lang="en-US" dirty="0" err="1"/>
+              <a:t>etc</a:t>
+            </a:r>
+            <a:r>
+              <a:rPr lang="en-US" dirty="0"/>
+              <a:t>) on</a:t>
+            </a:r>
+          </a:p>
+          <a:p>
+            <a:r>
+              <a:rPr lang="en-US" dirty="0"/>
+              <a:t> which the Y combinator is applied.</a:t>
+            </a:r>
+          </a:p>
+          <a:p>
+            <a:endParaRPr lang="en-US" dirty="0"/>
+          </a:p>
+          <a:p>
+            <a:r>
+              <a:rPr lang="en-US" dirty="0"/>
+              <a:t>Applying the Y combinator gives the same effect as computing the limit of this chain of functions</a:t>
+            </a:r>
+          </a:p>
+          <a:p>
+            <a:endParaRPr lang="en-US" dirty="0"/>
+          </a:p>
+          <a:p>
+            <a:r>
+              <a:rPr lang="en-US" dirty="0"/>
+              <a:t>What does Tau^1[Bottom] correspond to? What about Tau^2 ? Tau^3 ? </a:t>
+            </a:r>
+            <a:r>
+              <a:rPr lang="en-US" dirty="0">
+                <a:solidFill>
+                  <a:srgbClr val="0F4F97"/>
+                </a:solidFill>
+              </a:rPr>
+              <a:t>…fill this…</a:t>
+            </a:r>
+          </a:p>
+        </p:txBody>
+      </p:sp>
+    </p:spTree>
+    <p:extLst>
+      <p:ext uri="{BB962C8B-B14F-4D97-AF65-F5344CB8AC3E}">
+        <p14:creationId xmlns:p14="http://schemas.microsoft.com/office/powerpoint/2010/main" val="3268384358"/>
+      </p:ext>
+    </p:extLst>
+  </p:cSld>
+  <p:clrMapOvr>
+    <a:masterClrMapping/>
+  </p:clrMapOvr>
+</p:sld>
+</file>
+
+<file path=ppt/slides/slide37.xml><?xml version="1.0" encoding="utf-8"?>
+<p:sld xmlns:a="http://schemas.openxmlformats.org/drawingml/2006/main" xmlns:r="http://schemas.openxmlformats.org/officeDocument/2006/relationships" xmlns:p="http://schemas.openxmlformats.org/presentationml/2006/main">
+  <p:cSld>
+    <p:spTree>
+      <p:nvGrpSpPr>
+        <p:cNvPr id="1" name=""/>
+        <p:cNvGrpSpPr/>
+        <p:nvPr/>
+      </p:nvGrpSpPr>
+      <p:grpSpPr>
+        <a:xfrm>
+          <a:off x="0" y="0"/>
+          <a:ext cx="0" cy="0"/>
+          <a:chOff x="0" y="0"/>
+          <a:chExt cx="0" cy="0"/>
+        </a:xfrm>
+      </p:grpSpPr>
+      <p:sp>
+        <p:nvSpPr>
+          <p:cNvPr id="2" name="Title 1">
+            <a:extLst>
+              <a:ext uri="{FF2B5EF4-FFF2-40B4-BE49-F238E27FC236}">
+                <a16:creationId xmlns:a16="http://schemas.microsoft.com/office/drawing/2014/main" id="{CBDE2B1E-5E72-2A41-872C-A61F5FF5D8F6}"/>
+              </a:ext>
+            </a:extLst>
+          </p:cNvPr>
+          <p:cNvSpPr>
+            <a:spLocks noGrp="1"/>
+          </p:cNvSpPr>
+          <p:nvPr>
+            <p:ph type="title"/>
+          </p:nvPr>
+        </p:nvSpPr>
+        <p:spPr/>
+        <p:txBody>
+          <a:bodyPr>
+            <a:normAutofit fontScale="90000"/>
+          </a:bodyPr>
+          <a:lstStyle/>
+          <a:p>
+            <a:pPr algn="ctr"/>
+            <a:r>
+              <a:rPr lang="en-US" dirty="0"/>
+              <a:t>Now discuss notes in this directory</a:t>
+            </a:r>
+          </a:p>
+        </p:txBody>
+      </p:sp>
+      <p:sp>
+        <p:nvSpPr>
+          <p:cNvPr id="3" name="Content Placeholder 2">
+            <a:extLst>
+              <a:ext uri="{FF2B5EF4-FFF2-40B4-BE49-F238E27FC236}">
+                <a16:creationId xmlns:a16="http://schemas.microsoft.com/office/drawing/2014/main" id="{428477C0-4B50-6E46-B798-4AA4CC850E2F}"/>
+              </a:ext>
+            </a:extLst>
+          </p:cNvPr>
+          <p:cNvSpPr>
+            <a:spLocks noGrp="1"/>
+          </p:cNvSpPr>
+          <p:nvPr>
+            <p:ph idx="1"/>
+          </p:nvPr>
+        </p:nvSpPr>
+        <p:spPr/>
+        <p:txBody>
+          <a:bodyPr>
+            <a:normAutofit fontScale="92500" lnSpcReduction="10000"/>
+          </a:bodyPr>
+          <a:lstStyle/>
+          <a:p>
+            <a:r>
+              <a:rPr lang="en-US" dirty="0"/>
+              <a:t>Manna’s work on interpreting these functions</a:t>
+            </a:r>
+          </a:p>
+          <a:p>
+            <a:r>
+              <a:rPr lang="en-US" dirty="0"/>
+              <a:t>Which function can we “experimentally compute”?</a:t>
+            </a:r>
+          </a:p>
+          <a:p>
+            <a:pPr lvl="1"/>
+            <a:r>
+              <a:rPr lang="en-US" dirty="0"/>
+              <a:t>If we keep experimenting with F in say Python , what function table can we fill ?</a:t>
+            </a:r>
+          </a:p>
+          <a:p>
+            <a:pPr lvl="1"/>
+            <a:r>
+              <a:rPr lang="en-US" dirty="0"/>
+              <a:t>What if we did it in a different (lazy) language)?</a:t>
+            </a:r>
+          </a:p>
+          <a:p>
+            <a:pPr lvl="1"/>
+            <a:endParaRPr lang="en-US" dirty="0"/>
+          </a:p>
+          <a:p>
+            <a:r>
+              <a:rPr lang="en-US" dirty="0"/>
+              <a:t>That is, if we compute according to a fixpoint computation rule, we will get the “true answer”</a:t>
+            </a:r>
+          </a:p>
+          <a:p>
+            <a:endParaRPr lang="en-US" dirty="0"/>
+          </a:p>
+          <a:p>
+            <a:r>
+              <a:rPr lang="en-US" dirty="0"/>
+              <a:t>None of this is largely of concern for finite lattices </a:t>
+            </a:r>
+          </a:p>
+          <a:p>
+            <a:pPr lvl="1"/>
+            <a:r>
+              <a:rPr lang="en-US" dirty="0"/>
+              <a:t>Many static-analysis situations</a:t>
+            </a:r>
+          </a:p>
+          <a:p>
+            <a:r>
+              <a:rPr lang="en-US" dirty="0"/>
+              <a:t>But the general story is important to know.</a:t>
+            </a:r>
+          </a:p>
+        </p:txBody>
+      </p:sp>
+    </p:spTree>
+    <p:extLst>
+      <p:ext uri="{BB962C8B-B14F-4D97-AF65-F5344CB8AC3E}">
+        <p14:creationId xmlns:p14="http://schemas.microsoft.com/office/powerpoint/2010/main" val="318267328"/>
+      </p:ext>
+    </p:extLst>
+  </p:cSld>
+  <p:clrMapOvr>
+    <a:masterClrMapping/>
+  </p:clrMapOvr>
+</p:sld>
+</file>
+
+<file path=ppt/slides/slide38.xml><?xml version="1.0" encoding="utf-8"?>
+<p:sld xmlns:a="http://schemas.openxmlformats.org/drawingml/2006/main" xmlns:r="http://schemas.openxmlformats.org/officeDocument/2006/relationships" xmlns:p="http://schemas.openxmlformats.org/presentationml/2006/main">
+  <p:cSld>
+    <p:spTree>
+      <p:nvGrpSpPr>
+        <p:cNvPr id="1" name=""/>
+        <p:cNvGrpSpPr/>
+        <p:nvPr/>
+      </p:nvGrpSpPr>
+      <p:grpSpPr>
+        <a:xfrm>
+          <a:off x="0" y="0"/>
+          <a:ext cx="0" cy="0"/>
+          <a:chOff x="0" y="0"/>
+          <a:chExt cx="0" cy="0"/>
+        </a:xfrm>
+      </p:grpSpPr>
+      <p:sp>
+        <p:nvSpPr>
+          <p:cNvPr id="2" name="Title 1">
+            <a:extLst>
+              <a:ext uri="{FF2B5EF4-FFF2-40B4-BE49-F238E27FC236}">
+                <a16:creationId xmlns:a16="http://schemas.microsoft.com/office/drawing/2014/main" id="{CBDE2B1E-5E72-2A41-872C-A61F5FF5D8F6}"/>
+              </a:ext>
+            </a:extLst>
+          </p:cNvPr>
+          <p:cNvSpPr>
+            <a:spLocks noGrp="1"/>
+          </p:cNvSpPr>
+          <p:nvPr>
+            <p:ph type="title"/>
+          </p:nvPr>
+        </p:nvSpPr>
+        <p:spPr/>
+        <p:txBody>
+          <a:bodyPr>
+            <a:normAutofit fontScale="90000"/>
+          </a:bodyPr>
+          <a:lstStyle/>
+          <a:p>
+            <a:pPr algn="ctr"/>
+            <a:r>
+              <a:rPr lang="en-US" dirty="0"/>
+              <a:t>CTL Model Checking</a:t>
+            </a:r>
+          </a:p>
+        </p:txBody>
+      </p:sp>
+      <p:sp>
+        <p:nvSpPr>
+          <p:cNvPr id="3" name="Content Placeholder 2">
+            <a:extLst>
+              <a:ext uri="{FF2B5EF4-FFF2-40B4-BE49-F238E27FC236}">
+                <a16:creationId xmlns:a16="http://schemas.microsoft.com/office/drawing/2014/main" id="{428477C0-4B50-6E46-B798-4AA4CC850E2F}"/>
+              </a:ext>
+            </a:extLst>
+          </p:cNvPr>
+          <p:cNvSpPr>
+            <a:spLocks noGrp="1"/>
+          </p:cNvSpPr>
+          <p:nvPr>
+            <p:ph idx="1"/>
+          </p:nvPr>
+        </p:nvSpPr>
+        <p:spPr/>
+        <p:txBody>
+          <a:bodyPr/>
+          <a:lstStyle/>
+          <a:p>
+            <a:r>
+              <a:rPr lang="en-US" dirty="0"/>
+              <a:t>Least fixpoints exist and are unique when Tau is</a:t>
+            </a:r>
+          </a:p>
+          <a:p>
+            <a:pPr lvl="1"/>
+            <a:r>
+              <a:rPr lang="en-US" dirty="0"/>
+              <a:t>Monotonic</a:t>
+            </a:r>
+          </a:p>
+          <a:p>
+            <a:pPr lvl="1"/>
+            <a:r>
+              <a:rPr lang="en-US" dirty="0"/>
+              <a:t>Continuous</a:t>
+            </a:r>
+          </a:p>
+          <a:p>
+            <a:pPr lvl="1"/>
+            <a:endParaRPr lang="en-US" dirty="0"/>
+          </a:p>
+          <a:p>
+            <a:r>
+              <a:rPr lang="en-US" dirty="0"/>
+              <a:t>For infinite lattices</a:t>
+            </a:r>
+          </a:p>
+          <a:p>
+            <a:pPr lvl="1"/>
+            <a:r>
+              <a:rPr lang="en-US" dirty="0"/>
+              <a:t>Continuity implies Monotonicity</a:t>
+            </a:r>
+          </a:p>
+          <a:p>
+            <a:pPr lvl="1"/>
+            <a:endParaRPr lang="en-US" dirty="0"/>
+          </a:p>
+          <a:p>
+            <a:r>
+              <a:rPr lang="en-US" dirty="0"/>
+              <a:t>For finite lattices</a:t>
+            </a:r>
+          </a:p>
+          <a:p>
+            <a:pPr lvl="1"/>
+            <a:r>
+              <a:rPr lang="en-US" dirty="0"/>
+              <a:t>Monotonicity implies Continuity</a:t>
+            </a:r>
+          </a:p>
+        </p:txBody>
+      </p:sp>
+    </p:spTree>
+    <p:extLst>
+      <p:ext uri="{BB962C8B-B14F-4D97-AF65-F5344CB8AC3E}">
+        <p14:creationId xmlns:p14="http://schemas.microsoft.com/office/powerpoint/2010/main" val="881600790"/>
+      </p:ext>
+    </p:extLst>
+  </p:cSld>
+  <p:clrMapOvr>
+    <a:masterClrMapping/>
+  </p:clrMapOvr>
+</p:sld>
+</file>
+
+<file path=ppt/slides/slide39.xml><?xml version="1.0" encoding="utf-8"?>
+<p:sld xmlns:a="http://schemas.openxmlformats.org/drawingml/2006/main" xmlns:r="http://schemas.openxmlformats.org/officeDocument/2006/relationships" xmlns:p="http://schemas.openxmlformats.org/presentationml/2006/main">
+  <p:cSld>
+    <p:spTree>
+      <p:nvGrpSpPr>
+        <p:cNvPr id="1" name=""/>
+        <p:cNvGrpSpPr/>
+        <p:nvPr/>
+      </p:nvGrpSpPr>
+      <p:grpSpPr>
+        <a:xfrm>
+          <a:off x="0" y="0"/>
+          <a:ext cx="0" cy="0"/>
+          <a:chOff x="0" y="0"/>
+          <a:chExt cx="0" cy="0"/>
+        </a:xfrm>
+      </p:grpSpPr>
+      <p:sp>
+        <p:nvSpPr>
+          <p:cNvPr id="2" name="Title 1">
+            <a:extLst>
+              <a:ext uri="{FF2B5EF4-FFF2-40B4-BE49-F238E27FC236}">
                 <a16:creationId xmlns:a16="http://schemas.microsoft.com/office/drawing/2014/main" id="{CBDE2B1E-5E72-2A41-872C-A61F5FF5D8F6}"/>
               </a:ext>
             </a:extLst>
@@ -7596,7 +8705,144 @@
 </p:sld>
 </file>
 
-<file path=ppt/slides/slide31.xml><?xml version="1.0" encoding="utf-8"?>
+<file path=ppt/slides/slide4.xml><?xml version="1.0" encoding="utf-8"?>
+<p:sld xmlns:a="http://schemas.openxmlformats.org/drawingml/2006/main" xmlns:r="http://schemas.openxmlformats.org/officeDocument/2006/relationships" xmlns:p="http://schemas.openxmlformats.org/presentationml/2006/main">
+  <p:cSld>
+    <p:spTree>
+      <p:nvGrpSpPr>
+        <p:cNvPr id="1" name=""/>
+        <p:cNvGrpSpPr/>
+        <p:nvPr/>
+      </p:nvGrpSpPr>
+      <p:grpSpPr>
+        <a:xfrm>
+          <a:off x="0" y="0"/>
+          <a:ext cx="0" cy="0"/>
+          <a:chOff x="0" y="0"/>
+          <a:chExt cx="0" cy="0"/>
+        </a:xfrm>
+      </p:grpSpPr>
+      <p:sp>
+        <p:nvSpPr>
+          <p:cNvPr id="2" name="Title 1">
+            <a:extLst>
+              <a:ext uri="{FF2B5EF4-FFF2-40B4-BE49-F238E27FC236}">
+                <a16:creationId xmlns:a16="http://schemas.microsoft.com/office/drawing/2014/main" id="{308E45E7-3E06-E843-B5D3-268F8E40E6F4}"/>
+              </a:ext>
+            </a:extLst>
+          </p:cNvPr>
+          <p:cNvSpPr>
+            <a:spLocks noGrp="1"/>
+          </p:cNvSpPr>
+          <p:nvPr>
+            <p:ph type="title"/>
+          </p:nvPr>
+        </p:nvSpPr>
+        <p:spPr/>
+        <p:txBody>
+          <a:bodyPr>
+            <a:normAutofit fontScale="90000"/>
+          </a:bodyPr>
+          <a:lstStyle/>
+          <a:p>
+            <a:r>
+              <a:rPr lang="en-US" dirty="0"/>
+              <a:t>What fixed-point/fixpoint theory is aimed at</a:t>
+            </a:r>
+          </a:p>
+        </p:txBody>
+      </p:sp>
+      <p:sp>
+        <p:nvSpPr>
+          <p:cNvPr id="3" name="Content Placeholder 2">
+            <a:extLst>
+              <a:ext uri="{FF2B5EF4-FFF2-40B4-BE49-F238E27FC236}">
+                <a16:creationId xmlns:a16="http://schemas.microsoft.com/office/drawing/2014/main" id="{26224B8C-5FA9-A149-A7EF-E7DF2A5EC981}"/>
+              </a:ext>
+            </a:extLst>
+          </p:cNvPr>
+          <p:cNvSpPr>
+            <a:spLocks noGrp="1"/>
+          </p:cNvSpPr>
+          <p:nvPr>
+            <p:ph idx="1"/>
+          </p:nvPr>
+        </p:nvSpPr>
+        <p:spPr>
+          <a:xfrm>
+            <a:off x="838200" y="1158240"/>
+            <a:ext cx="10515600" cy="5334633"/>
+          </a:xfrm>
+        </p:spPr>
+        <p:txBody>
+          <a:bodyPr>
+            <a:normAutofit/>
+          </a:bodyPr>
+          <a:lstStyle/>
+          <a:p>
+            <a:r>
+              <a:rPr lang="en-US" dirty="0"/>
+              <a:t>Solving equations</a:t>
+            </a:r>
+          </a:p>
+          <a:p>
+            <a:pPr lvl="1"/>
+            <a:r>
+              <a:rPr lang="en-US" dirty="0"/>
+              <a:t>Some equations make sense, some don’t</a:t>
+            </a:r>
+          </a:p>
+          <a:p>
+            <a:pPr lvl="2"/>
+            <a:r>
+              <a:rPr lang="en-US" dirty="0"/>
+              <a:t>X = 2 – yes </a:t>
+            </a:r>
+          </a:p>
+          <a:p>
+            <a:pPr lvl="2"/>
+            <a:r>
+              <a:rPr lang="en-US" dirty="0"/>
+              <a:t>X = X + 1 – no, in int </a:t>
+            </a:r>
+          </a:p>
+          <a:p>
+            <a:pPr lvl="2"/>
+            <a:r>
+              <a:rPr lang="en-US" dirty="0"/>
+              <a:t>F(x) = F(x) – yes , but too many solutions</a:t>
+            </a:r>
+          </a:p>
+          <a:p>
+            <a:pPr lvl="2"/>
+            <a:r>
+              <a:rPr lang="en-US" dirty="0"/>
+              <a:t>F(x) = F(x+1) - &lt;your answer&gt;</a:t>
+            </a:r>
+          </a:p>
+          <a:p>
+            <a:pPr lvl="2"/>
+            <a:r>
+              <a:rPr lang="en-US" dirty="0"/>
+              <a:t>F(x) = F(x) + 1 - &lt;your answer_</a:t>
+            </a:r>
+          </a:p>
+        </p:txBody>
+      </p:sp>
+    </p:spTree>
+    <p:extLst>
+      <p:ext uri="{BB962C8B-B14F-4D97-AF65-F5344CB8AC3E}">
+        <p14:creationId xmlns:p14="http://schemas.microsoft.com/office/powerpoint/2010/main" val="1933758753"/>
+      </p:ext>
+    </p:extLst>
+  </p:cSld>
+  <p:clrMapOvr>
+    <a:masterClrMapping/>
+  </p:clrMapOvr>
+</p:sld>
+</file>
+
+<file path=ppt/slides/slide40.xml><?xml version="1.0" encoding="utf-8"?>
 <p:sld xmlns:a="http://schemas.openxmlformats.org/drawingml/2006/main" xmlns:r="http://schemas.openxmlformats.org/officeDocument/2006/relationships" xmlns:p="http://schemas.openxmlformats.org/presentationml/2006/main">
   <p:cSld>
     <p:spTree>
@@ -7747,7 +8993,7 @@
 </p:sld>
 </file>
 
-<file path=ppt/slides/slide32.xml><?xml version="1.0" encoding="utf-8"?>
+<file path=ppt/slides/slide41.xml><?xml version="1.0" encoding="utf-8"?>
 <p:sld xmlns:a="http://schemas.openxmlformats.org/drawingml/2006/main" xmlns:r="http://schemas.openxmlformats.org/officeDocument/2006/relationships" xmlns:p="http://schemas.openxmlformats.org/presentationml/2006/main">
   <p:cSld>
     <p:spTree>
@@ -7838,7 +9084,7 @@
 </p:sld>
 </file>
 
-<file path=ppt/slides/slide33.xml><?xml version="1.0" encoding="utf-8"?>
+<file path=ppt/slides/slide42.xml><?xml version="1.0" encoding="utf-8"?>
 <p:sld xmlns:a="http://schemas.openxmlformats.org/drawingml/2006/main" xmlns:r="http://schemas.openxmlformats.org/officeDocument/2006/relationships" xmlns:p="http://schemas.openxmlformats.org/presentationml/2006/main">
   <p:cSld>
     <p:spTree>
@@ -7998,7 +9244,7 @@
 </p:sld>
 </file>
 
-<file path=ppt/slides/slide34.xml><?xml version="1.0" encoding="utf-8"?>
+<file path=ppt/slides/slide43.xml><?xml version="1.0" encoding="utf-8"?>
 <p:sld xmlns:a="http://schemas.openxmlformats.org/drawingml/2006/main" xmlns:r="http://schemas.openxmlformats.org/officeDocument/2006/relationships" xmlns:p="http://schemas.openxmlformats.org/presentationml/2006/main">
   <p:cSld>
     <p:spTree>
@@ -8089,7 +9335,7 @@
 </p:sld>
 </file>
 
-<file path=ppt/slides/slide35.xml><?xml version="1.0" encoding="utf-8"?>
+<file path=ppt/slides/slide44.xml><?xml version="1.0" encoding="utf-8"?>
 <p:sld xmlns:a="http://schemas.openxmlformats.org/drawingml/2006/main" xmlns:r="http://schemas.openxmlformats.org/officeDocument/2006/relationships" xmlns:p="http://schemas.openxmlformats.org/presentationml/2006/main">
   <p:cSld>
     <p:spTree>
@@ -8180,7 +9426,7 @@
 </p:sld>
 </file>
 
-<file path=ppt/slides/slide36.xml><?xml version="1.0" encoding="utf-8"?>
+<file path=ppt/slides/slide45.xml><?xml version="1.0" encoding="utf-8"?>
 <p:sld xmlns:a="http://schemas.openxmlformats.org/drawingml/2006/main" xmlns:r="http://schemas.openxmlformats.org/officeDocument/2006/relationships" xmlns:p="http://schemas.openxmlformats.org/presentationml/2006/main">
   <p:cSld>
     <p:spTree>
@@ -8284,7 +9530,7 @@
 </p:sld>
 </file>
 
-<file path=ppt/slides/slide37.xml><?xml version="1.0" encoding="utf-8"?>
+<file path=ppt/slides/slide46.xml><?xml version="1.0" encoding="utf-8"?>
 <p:sld xmlns:a="http://schemas.openxmlformats.org/drawingml/2006/main" xmlns:r="http://schemas.openxmlformats.org/officeDocument/2006/relationships" xmlns:p="http://schemas.openxmlformats.org/presentationml/2006/main">
   <p:cSld>
     <p:spTree>
@@ -8388,7 +9634,7 @@
 </p:sld>
 </file>
 
-<file path=ppt/slides/slide38.xml><?xml version="1.0" encoding="utf-8"?>
+<file path=ppt/slides/slide47.xml><?xml version="1.0" encoding="utf-8"?>
 <p:sld xmlns:a="http://schemas.openxmlformats.org/drawingml/2006/main" xmlns:r="http://schemas.openxmlformats.org/officeDocument/2006/relationships" xmlns:p="http://schemas.openxmlformats.org/presentationml/2006/main">
   <p:cSld>
     <p:spTree>
@@ -8484,7 +9730,7 @@
 </p:sld>
 </file>
 
-<file path=ppt/slides/slide39.xml><?xml version="1.0" encoding="utf-8"?>
+<file path=ppt/slides/slide48.xml><?xml version="1.0" encoding="utf-8"?>
 <p:sld xmlns:a="http://schemas.openxmlformats.org/drawingml/2006/main" xmlns:r="http://schemas.openxmlformats.org/officeDocument/2006/relationships" xmlns:p="http://schemas.openxmlformats.org/presentationml/2006/main">
   <p:cSld>
     <p:spTree>
@@ -8610,144 +9856,7 @@
 </p:sld>
 </file>
 
-<file path=ppt/slides/slide4.xml><?xml version="1.0" encoding="utf-8"?>
-<p:sld xmlns:a="http://schemas.openxmlformats.org/drawingml/2006/main" xmlns:r="http://schemas.openxmlformats.org/officeDocument/2006/relationships" xmlns:p="http://schemas.openxmlformats.org/presentationml/2006/main">
-  <p:cSld>
-    <p:spTree>
-      <p:nvGrpSpPr>
-        <p:cNvPr id="1" name=""/>
-        <p:cNvGrpSpPr/>
-        <p:nvPr/>
-      </p:nvGrpSpPr>
-      <p:grpSpPr>
-        <a:xfrm>
-          <a:off x="0" y="0"/>
-          <a:ext cx="0" cy="0"/>
-          <a:chOff x="0" y="0"/>
-          <a:chExt cx="0" cy="0"/>
-        </a:xfrm>
-      </p:grpSpPr>
-      <p:sp>
-        <p:nvSpPr>
-          <p:cNvPr id="2" name="Title 1">
-            <a:extLst>
-              <a:ext uri="{FF2B5EF4-FFF2-40B4-BE49-F238E27FC236}">
-                <a16:creationId xmlns:a16="http://schemas.microsoft.com/office/drawing/2014/main" id="{308E45E7-3E06-E843-B5D3-268F8E40E6F4}"/>
-              </a:ext>
-            </a:extLst>
-          </p:cNvPr>
-          <p:cNvSpPr>
-            <a:spLocks noGrp="1"/>
-          </p:cNvSpPr>
-          <p:nvPr>
-            <p:ph type="title"/>
-          </p:nvPr>
-        </p:nvSpPr>
-        <p:spPr/>
-        <p:txBody>
-          <a:bodyPr>
-            <a:normAutofit fontScale="90000"/>
-          </a:bodyPr>
-          <a:lstStyle/>
-          <a:p>
-            <a:r>
-              <a:rPr lang="en-US" dirty="0"/>
-              <a:t>What fixed-point/fixpoint theory is aimed at</a:t>
-            </a:r>
-          </a:p>
-        </p:txBody>
-      </p:sp>
-      <p:sp>
-        <p:nvSpPr>
-          <p:cNvPr id="3" name="Content Placeholder 2">
-            <a:extLst>
-              <a:ext uri="{FF2B5EF4-FFF2-40B4-BE49-F238E27FC236}">
-                <a16:creationId xmlns:a16="http://schemas.microsoft.com/office/drawing/2014/main" id="{26224B8C-5FA9-A149-A7EF-E7DF2A5EC981}"/>
-              </a:ext>
-            </a:extLst>
-          </p:cNvPr>
-          <p:cNvSpPr>
-            <a:spLocks noGrp="1"/>
-          </p:cNvSpPr>
-          <p:nvPr>
-            <p:ph idx="1"/>
-          </p:nvPr>
-        </p:nvSpPr>
-        <p:spPr>
-          <a:xfrm>
-            <a:off x="838200" y="1158240"/>
-            <a:ext cx="10515600" cy="5334633"/>
-          </a:xfrm>
-        </p:spPr>
-        <p:txBody>
-          <a:bodyPr>
-            <a:normAutofit/>
-          </a:bodyPr>
-          <a:lstStyle/>
-          <a:p>
-            <a:r>
-              <a:rPr lang="en-US" dirty="0"/>
-              <a:t>Solving equations</a:t>
-            </a:r>
-          </a:p>
-          <a:p>
-            <a:pPr lvl="1"/>
-            <a:r>
-              <a:rPr lang="en-US" dirty="0"/>
-              <a:t>Some equations make sense, some don’t</a:t>
-            </a:r>
-          </a:p>
-          <a:p>
-            <a:pPr lvl="2"/>
-            <a:r>
-              <a:rPr lang="en-US" dirty="0"/>
-              <a:t>X = 2 – yes </a:t>
-            </a:r>
-          </a:p>
-          <a:p>
-            <a:pPr lvl="2"/>
-            <a:r>
-              <a:rPr lang="en-US" dirty="0"/>
-              <a:t>X = X + 1 – no, in int </a:t>
-            </a:r>
-          </a:p>
-          <a:p>
-            <a:pPr lvl="2"/>
-            <a:r>
-              <a:rPr lang="en-US" dirty="0"/>
-              <a:t>F(x) = F(x) – yes , but too many solutions</a:t>
-            </a:r>
-          </a:p>
-          <a:p>
-            <a:pPr lvl="2"/>
-            <a:r>
-              <a:rPr lang="en-US" dirty="0"/>
-              <a:t>F(x) = F(x+1) - &lt;your answer&gt;</a:t>
-            </a:r>
-          </a:p>
-          <a:p>
-            <a:pPr lvl="2"/>
-            <a:r>
-              <a:rPr lang="en-US" dirty="0"/>
-              <a:t>F(x) = F(x) + 1 - &lt;your answer_</a:t>
-            </a:r>
-          </a:p>
-        </p:txBody>
-      </p:sp>
-    </p:spTree>
-    <p:extLst>
-      <p:ext uri="{BB962C8B-B14F-4D97-AF65-F5344CB8AC3E}">
-        <p14:creationId xmlns:p14="http://schemas.microsoft.com/office/powerpoint/2010/main" val="1933758753"/>
-      </p:ext>
-    </p:extLst>
-  </p:cSld>
-  <p:clrMapOvr>
-    <a:masterClrMapping/>
-  </p:clrMapOvr>
-</p:sld>
-</file>
-
-<file path=ppt/slides/slide40.xml><?xml version="1.0" encoding="utf-8"?>
+<file path=ppt/slides/slide49.xml><?xml version="1.0" encoding="utf-8"?>
 <p:sld xmlns:a="http://schemas.openxmlformats.org/drawingml/2006/main" xmlns:r="http://schemas.openxmlformats.org/officeDocument/2006/relationships" xmlns:p="http://schemas.openxmlformats.org/presentationml/2006/main">
   <p:cSld>
     <p:spTree>
@@ -8873,7 +9982,144 @@
 </p:sld>
 </file>
 
-<file path=ppt/slides/slide41.xml><?xml version="1.0" encoding="utf-8"?>
+<file path=ppt/slides/slide5.xml><?xml version="1.0" encoding="utf-8"?>
+<p:sld xmlns:a="http://schemas.openxmlformats.org/drawingml/2006/main" xmlns:r="http://schemas.openxmlformats.org/officeDocument/2006/relationships" xmlns:p="http://schemas.openxmlformats.org/presentationml/2006/main">
+  <p:cSld>
+    <p:spTree>
+      <p:nvGrpSpPr>
+        <p:cNvPr id="1" name=""/>
+        <p:cNvGrpSpPr/>
+        <p:nvPr/>
+      </p:nvGrpSpPr>
+      <p:grpSpPr>
+        <a:xfrm>
+          <a:off x="0" y="0"/>
+          <a:ext cx="0" cy="0"/>
+          <a:chOff x="0" y="0"/>
+          <a:chExt cx="0" cy="0"/>
+        </a:xfrm>
+      </p:grpSpPr>
+      <p:sp>
+        <p:nvSpPr>
+          <p:cNvPr id="2" name="Title 1">
+            <a:extLst>
+              <a:ext uri="{FF2B5EF4-FFF2-40B4-BE49-F238E27FC236}">
+                <a16:creationId xmlns:a16="http://schemas.microsoft.com/office/drawing/2014/main" id="{308E45E7-3E06-E843-B5D3-268F8E40E6F4}"/>
+              </a:ext>
+            </a:extLst>
+          </p:cNvPr>
+          <p:cNvSpPr>
+            <a:spLocks noGrp="1"/>
+          </p:cNvSpPr>
+          <p:nvPr>
+            <p:ph type="title"/>
+          </p:nvPr>
+        </p:nvSpPr>
+        <p:spPr/>
+        <p:txBody>
+          <a:bodyPr>
+            <a:normAutofit fontScale="90000"/>
+          </a:bodyPr>
+          <a:lstStyle/>
+          <a:p>
+            <a:r>
+              <a:rPr lang="en-US" dirty="0"/>
+              <a:t>What fixed-point/fixpoint theory is aimed at</a:t>
+            </a:r>
+          </a:p>
+        </p:txBody>
+      </p:sp>
+      <p:sp>
+        <p:nvSpPr>
+          <p:cNvPr id="3" name="Content Placeholder 2">
+            <a:extLst>
+              <a:ext uri="{FF2B5EF4-FFF2-40B4-BE49-F238E27FC236}">
+                <a16:creationId xmlns:a16="http://schemas.microsoft.com/office/drawing/2014/main" id="{26224B8C-5FA9-A149-A7EF-E7DF2A5EC981}"/>
+              </a:ext>
+            </a:extLst>
+          </p:cNvPr>
+          <p:cNvSpPr>
+            <a:spLocks noGrp="1"/>
+          </p:cNvSpPr>
+          <p:nvPr>
+            <p:ph idx="1"/>
+          </p:nvPr>
+        </p:nvSpPr>
+        <p:spPr>
+          <a:xfrm>
+            <a:off x="838200" y="1158240"/>
+            <a:ext cx="10515600" cy="5334633"/>
+          </a:xfrm>
+        </p:spPr>
+        <p:txBody>
+          <a:bodyPr>
+            <a:normAutofit/>
+          </a:bodyPr>
+          <a:lstStyle/>
+          <a:p>
+            <a:r>
+              <a:rPr lang="en-US" dirty="0"/>
+              <a:t>Solving equations</a:t>
+            </a:r>
+          </a:p>
+          <a:p>
+            <a:pPr lvl="1"/>
+            <a:r>
+              <a:rPr lang="en-US" dirty="0"/>
+              <a:t>Some equations make sense, some don’t</a:t>
+            </a:r>
+          </a:p>
+          <a:p>
+            <a:pPr lvl="2"/>
+            <a:r>
+              <a:rPr lang="en-US" dirty="0"/>
+              <a:t>X = 2 – yes </a:t>
+            </a:r>
+          </a:p>
+          <a:p>
+            <a:pPr lvl="2"/>
+            <a:r>
+              <a:rPr lang="en-US" dirty="0"/>
+              <a:t>X = X + 1 – no, in int </a:t>
+            </a:r>
+          </a:p>
+          <a:p>
+            <a:pPr lvl="2"/>
+            <a:r>
+              <a:rPr lang="en-US" dirty="0"/>
+              <a:t>F(x) = F(x) – yes , but too many solutions</a:t>
+            </a:r>
+          </a:p>
+          <a:p>
+            <a:pPr lvl="2"/>
+            <a:r>
+              <a:rPr lang="en-US" dirty="0"/>
+              <a:t>F(x) = F(x+1) – sure it can</a:t>
+            </a:r>
+          </a:p>
+          <a:p>
+            <a:pPr lvl="2"/>
+            <a:r>
+              <a:rPr lang="en-US" dirty="0"/>
+              <a:t>F(x) = F(x) + 1 - no</a:t>
+            </a:r>
+          </a:p>
+        </p:txBody>
+      </p:sp>
+    </p:spTree>
+    <p:extLst>
+      <p:ext uri="{BB962C8B-B14F-4D97-AF65-F5344CB8AC3E}">
+        <p14:creationId xmlns:p14="http://schemas.microsoft.com/office/powerpoint/2010/main" val="1862289851"/>
+      </p:ext>
+    </p:extLst>
+  </p:cSld>
+  <p:clrMapOvr>
+    <a:masterClrMapping/>
+  </p:clrMapOvr>
+</p:sld>
+</file>
+
+<file path=ppt/slides/slide50.xml><?xml version="1.0" encoding="utf-8"?>
 <p:sld xmlns:a="http://schemas.openxmlformats.org/drawingml/2006/main" xmlns:r="http://schemas.openxmlformats.org/officeDocument/2006/relationships" xmlns:p="http://schemas.openxmlformats.org/presentationml/2006/main">
   <p:cSld>
     <p:spTree>
@@ -8999,7 +10245,7 @@
 </p:sld>
 </file>
 
-<file path=ppt/slides/slide42.xml><?xml version="1.0" encoding="utf-8"?>
+<file path=ppt/slides/slide51.xml><?xml version="1.0" encoding="utf-8"?>
 <p:sld xmlns:a="http://schemas.openxmlformats.org/drawingml/2006/main" xmlns:r="http://schemas.openxmlformats.org/officeDocument/2006/relationships" xmlns:p="http://schemas.openxmlformats.org/presentationml/2006/main">
   <p:cSld>
     <p:spTree>
@@ -9125,7 +10371,7 @@
 </p:sld>
 </file>
 
-<file path=ppt/slides/slide43.xml><?xml version="1.0" encoding="utf-8"?>
+<file path=ppt/slides/slide52.xml><?xml version="1.0" encoding="utf-8"?>
 <p:sld xmlns:a="http://schemas.openxmlformats.org/drawingml/2006/main" xmlns:r="http://schemas.openxmlformats.org/officeDocument/2006/relationships" xmlns:p="http://schemas.openxmlformats.org/presentationml/2006/main">
   <p:cSld>
     <p:spTree>
@@ -9251,7 +10497,7 @@
 </p:sld>
 </file>
 
-<file path=ppt/slides/slide44.xml><?xml version="1.0" encoding="utf-8"?>
+<file path=ppt/slides/slide53.xml><?xml version="1.0" encoding="utf-8"?>
 <p:sld xmlns:a="http://schemas.openxmlformats.org/drawingml/2006/main" xmlns:r="http://schemas.openxmlformats.org/officeDocument/2006/relationships" xmlns:p="http://schemas.openxmlformats.org/presentationml/2006/main">
   <p:cSld>
     <p:spTree>
@@ -9377,7 +10623,7 @@
 </p:sld>
 </file>
 
-<file path=ppt/slides/slide45.xml><?xml version="1.0" encoding="utf-8"?>
+<file path=ppt/slides/slide54.xml><?xml version="1.0" encoding="utf-8"?>
 <p:sld xmlns:a="http://schemas.openxmlformats.org/drawingml/2006/main" xmlns:r="http://schemas.openxmlformats.org/officeDocument/2006/relationships" xmlns:p="http://schemas.openxmlformats.org/presentationml/2006/main">
   <p:cSld>
     <p:spTree>
@@ -9533,7 +10779,7 @@
 </p:sld>
 </file>
 
-<file path=ppt/slides/slide46.xml><?xml version="1.0" encoding="utf-8"?>
+<file path=ppt/slides/slide55.xml><?xml version="1.0" encoding="utf-8"?>
 <p:sld xmlns:a="http://schemas.openxmlformats.org/drawingml/2006/main" xmlns:r="http://schemas.openxmlformats.org/officeDocument/2006/relationships" xmlns:p="http://schemas.openxmlformats.org/presentationml/2006/main">
   <p:cSld>
     <p:spTree>
@@ -9699,7 +10945,7 @@
 </p:sld>
 </file>
 
-<file path=ppt/slides/slide47.xml><?xml version="1.0" encoding="utf-8"?>
+<file path=ppt/slides/slide56.xml><?xml version="1.0" encoding="utf-8"?>
 <p:sld xmlns:a="http://schemas.openxmlformats.org/drawingml/2006/main" xmlns:r="http://schemas.openxmlformats.org/officeDocument/2006/relationships" xmlns:p="http://schemas.openxmlformats.org/presentationml/2006/main">
   <p:cSld>
     <p:spTree>
@@ -9751,143 +10997,6 @@
     <p:extLst>
       <p:ext uri="{BB962C8B-B14F-4D97-AF65-F5344CB8AC3E}">
         <p14:creationId xmlns:p14="http://schemas.microsoft.com/office/powerpoint/2010/main" val="3950297647"/>
-      </p:ext>
-    </p:extLst>
-  </p:cSld>
-  <p:clrMapOvr>
-    <a:masterClrMapping/>
-  </p:clrMapOvr>
-</p:sld>
-</file>
-
-<file path=ppt/slides/slide5.xml><?xml version="1.0" encoding="utf-8"?>
-<p:sld xmlns:a="http://schemas.openxmlformats.org/drawingml/2006/main" xmlns:r="http://schemas.openxmlformats.org/officeDocument/2006/relationships" xmlns:p="http://schemas.openxmlformats.org/presentationml/2006/main">
-  <p:cSld>
-    <p:spTree>
-      <p:nvGrpSpPr>
-        <p:cNvPr id="1" name=""/>
-        <p:cNvGrpSpPr/>
-        <p:nvPr/>
-      </p:nvGrpSpPr>
-      <p:grpSpPr>
-        <a:xfrm>
-          <a:off x="0" y="0"/>
-          <a:ext cx="0" cy="0"/>
-          <a:chOff x="0" y="0"/>
-          <a:chExt cx="0" cy="0"/>
-        </a:xfrm>
-      </p:grpSpPr>
-      <p:sp>
-        <p:nvSpPr>
-          <p:cNvPr id="2" name="Title 1">
-            <a:extLst>
-              <a:ext uri="{FF2B5EF4-FFF2-40B4-BE49-F238E27FC236}">
-                <a16:creationId xmlns:a16="http://schemas.microsoft.com/office/drawing/2014/main" id="{308E45E7-3E06-E843-B5D3-268F8E40E6F4}"/>
-              </a:ext>
-            </a:extLst>
-          </p:cNvPr>
-          <p:cNvSpPr>
-            <a:spLocks noGrp="1"/>
-          </p:cNvSpPr>
-          <p:nvPr>
-            <p:ph type="title"/>
-          </p:nvPr>
-        </p:nvSpPr>
-        <p:spPr/>
-        <p:txBody>
-          <a:bodyPr>
-            <a:normAutofit fontScale="90000"/>
-          </a:bodyPr>
-          <a:lstStyle/>
-          <a:p>
-            <a:r>
-              <a:rPr lang="en-US" dirty="0"/>
-              <a:t>What fixed-point/fixpoint theory is aimed at</a:t>
-            </a:r>
-          </a:p>
-        </p:txBody>
-      </p:sp>
-      <p:sp>
-        <p:nvSpPr>
-          <p:cNvPr id="3" name="Content Placeholder 2">
-            <a:extLst>
-              <a:ext uri="{FF2B5EF4-FFF2-40B4-BE49-F238E27FC236}">
-                <a16:creationId xmlns:a16="http://schemas.microsoft.com/office/drawing/2014/main" id="{26224B8C-5FA9-A149-A7EF-E7DF2A5EC981}"/>
-              </a:ext>
-            </a:extLst>
-          </p:cNvPr>
-          <p:cNvSpPr>
-            <a:spLocks noGrp="1"/>
-          </p:cNvSpPr>
-          <p:nvPr>
-            <p:ph idx="1"/>
-          </p:nvPr>
-        </p:nvSpPr>
-        <p:spPr>
-          <a:xfrm>
-            <a:off x="838200" y="1158240"/>
-            <a:ext cx="10515600" cy="5334633"/>
-          </a:xfrm>
-        </p:spPr>
-        <p:txBody>
-          <a:bodyPr>
-            <a:normAutofit/>
-          </a:bodyPr>
-          <a:lstStyle/>
-          <a:p>
-            <a:r>
-              <a:rPr lang="en-US" dirty="0"/>
-              <a:t>Solving equations</a:t>
-            </a:r>
-          </a:p>
-          <a:p>
-            <a:pPr lvl="1"/>
-            <a:r>
-              <a:rPr lang="en-US" dirty="0"/>
-              <a:t>Some equations make sense, some don’t</a:t>
-            </a:r>
-          </a:p>
-          <a:p>
-            <a:pPr lvl="2"/>
-            <a:r>
-              <a:rPr lang="en-US" dirty="0"/>
-              <a:t>X = 2 – yes </a:t>
-            </a:r>
-          </a:p>
-          <a:p>
-            <a:pPr lvl="2"/>
-            <a:r>
-              <a:rPr lang="en-US" dirty="0"/>
-              <a:t>X = X + 1 – no, in int </a:t>
-            </a:r>
-          </a:p>
-          <a:p>
-            <a:pPr lvl="2"/>
-            <a:r>
-              <a:rPr lang="en-US" dirty="0"/>
-              <a:t>F(x) = F(x) – yes , but too many solutions</a:t>
-            </a:r>
-          </a:p>
-          <a:p>
-            <a:pPr lvl="2"/>
-            <a:r>
-              <a:rPr lang="en-US" dirty="0"/>
-              <a:t>F(x) = F(x+1) – sure it can</a:t>
-            </a:r>
-          </a:p>
-          <a:p>
-            <a:pPr lvl="2"/>
-            <a:r>
-              <a:rPr lang="en-US" dirty="0"/>
-              <a:t>F(x) = F(x) + 1 - no</a:t>
-            </a:r>
-          </a:p>
-        </p:txBody>
-      </p:sp>
-    </p:spTree>
-    <p:extLst>
-      <p:ext uri="{BB962C8B-B14F-4D97-AF65-F5344CB8AC3E}">
-        <p14:creationId xmlns:p14="http://schemas.microsoft.com/office/powerpoint/2010/main" val="1862289851"/>
       </p:ext>
     </p:extLst>
   </p:cSld>
